--- a/документы/ЗащитаУП.pptx
+++ b/документы/ЗащитаУП.pptx
@@ -11,6 +11,13 @@
     <p:sldId id="260" r:id="rId5"/>
     <p:sldId id="262" r:id="rId6"/>
     <p:sldId id="263" r:id="rId7"/>
+    <p:sldId id="264" r:id="rId8"/>
+    <p:sldId id="265" r:id="rId9"/>
+    <p:sldId id="268" r:id="rId10"/>
+    <p:sldId id="267" r:id="rId11"/>
+    <p:sldId id="270" r:id="rId12"/>
+    <p:sldId id="271" r:id="rId13"/>
+    <p:sldId id="272" r:id="rId14"/>
   </p:sldIdLst>
   <p:sldSz cx="12192000" cy="6858000"/>
   <p:notesSz cx="6858000" cy="9144000"/>
@@ -109,7 +116,20 @@
       </a:defRPr>
     </a:lvl9pPr>
   </p:defaultTextStyle>
+  <p:extLst>
+    <p:ext uri="{EFAFB233-063F-42B5-8137-9DF3F51BA10A}">
+      <p15:sldGuideLst xmlns:p15="http://schemas.microsoft.com/office/powerpoint/2012/main"/>
+    </p:ext>
+  </p:extLst>
 </p:presentation>
+</file>
+
+<file path=ppt/revisionInfo.xml><?xml version="1.0" encoding="utf-8"?>
+<p1510:revInfo xmlns:a="http://schemas.openxmlformats.org/drawingml/2006/main" xmlns:r="http://schemas.openxmlformats.org/officeDocument/2006/relationships" xmlns:p1510="http://schemas.microsoft.com/office/powerpoint/2015/10/main">
+  <p1510:revLst>
+    <p1510:client id="{DF14ACA0-1BED-436F-B893-17FB1DB0711E}" v="373" dt="2025-06-04T21:41:09.103"/>
+  </p1510:revLst>
+</p1510:revInfo>
 </file>
 
 <file path=ppt/slideLayouts/slideLayout1.xml><?xml version="1.0" encoding="utf-8"?>
@@ -3800,6 +3820,964 @@
 </p:sld>
 </file>
 
+<file path=ppt/slides/slide10.xml><?xml version="1.0" encoding="utf-8"?>
+<p:sld xmlns:a="http://schemas.openxmlformats.org/drawingml/2006/main" xmlns:r="http://schemas.openxmlformats.org/officeDocument/2006/relationships" xmlns:p="http://schemas.openxmlformats.org/presentationml/2006/main">
+  <p:cSld>
+    <p:spTree>
+      <p:nvGrpSpPr>
+        <p:cNvPr id="1" name="">
+          <a:extLst>
+            <a:ext uri="{FF2B5EF4-FFF2-40B4-BE49-F238E27FC236}">
+              <a16:creationId xmlns:a16="http://schemas.microsoft.com/office/drawing/2014/main" id="{23FA106F-4F80-E868-99AA-BA824C5C49FD}"/>
+            </a:ext>
+          </a:extLst>
+        </p:cNvPr>
+        <p:cNvGrpSpPr/>
+        <p:nvPr/>
+      </p:nvGrpSpPr>
+      <p:grpSpPr>
+        <a:xfrm>
+          <a:off x="0" y="0"/>
+          <a:ext cx="0" cy="0"/>
+          <a:chOff x="0" y="0"/>
+          <a:chExt cx="0" cy="0"/>
+        </a:xfrm>
+      </p:grpSpPr>
+      <p:sp>
+        <p:nvSpPr>
+          <p:cNvPr id="2" name="Рамка 1">
+            <a:extLst>
+              <a:ext uri="{FF2B5EF4-FFF2-40B4-BE49-F238E27FC236}">
+                <a16:creationId xmlns:a16="http://schemas.microsoft.com/office/drawing/2014/main" id="{A5CF5D38-12D2-06CA-1246-67C1AE661BD6}"/>
+              </a:ext>
+            </a:extLst>
+          </p:cNvPr>
+          <p:cNvSpPr/>
+          <p:nvPr/>
+        </p:nvSpPr>
+        <p:spPr>
+          <a:xfrm>
+            <a:off x="0" y="0"/>
+            <a:ext cx="12192000" cy="6858000"/>
+          </a:xfrm>
+          <a:prstGeom prst="frame">
+            <a:avLst>
+              <a:gd name="adj1" fmla="val 2233"/>
+            </a:avLst>
+          </a:prstGeom>
+          <a:solidFill>
+            <a:srgbClr val="9B2D1F"/>
+          </a:solidFill>
+          <a:ln>
+            <a:solidFill>
+              <a:srgbClr val="9B2D1F"/>
+            </a:solidFill>
+          </a:ln>
+        </p:spPr>
+        <p:style>
+          <a:lnRef idx="2">
+            <a:schemeClr val="accent1">
+              <a:shade val="15000"/>
+            </a:schemeClr>
+          </a:lnRef>
+          <a:fillRef idx="1">
+            <a:schemeClr val="accent1"/>
+          </a:fillRef>
+          <a:effectRef idx="0">
+            <a:schemeClr val="accent1"/>
+          </a:effectRef>
+          <a:fontRef idx="minor">
+            <a:schemeClr val="lt1"/>
+          </a:fontRef>
+        </p:style>
+        <p:txBody>
+          <a:bodyPr rtlCol="0" anchor="ctr"/>
+          <a:lstStyle/>
+          <a:p>
+            <a:pPr algn="ctr"/>
+            <a:endParaRPr lang="ru-RU">
+              <a:solidFill>
+                <a:schemeClr val="tx1"/>
+              </a:solidFill>
+            </a:endParaRPr>
+          </a:p>
+        </p:txBody>
+      </p:sp>
+      <p:sp>
+        <p:nvSpPr>
+          <p:cNvPr id="11" name="Заголовок 6">
+            <a:extLst>
+              <a:ext uri="{FF2B5EF4-FFF2-40B4-BE49-F238E27FC236}">
+                <a16:creationId xmlns:a16="http://schemas.microsoft.com/office/drawing/2014/main" id="{F53FFCB9-7C46-BB16-D2BF-A7B0E30614CB}"/>
+              </a:ext>
+            </a:extLst>
+          </p:cNvPr>
+          <p:cNvSpPr>
+            <a:spLocks noGrp="1"/>
+          </p:cNvSpPr>
+          <p:nvPr>
+            <p:ph type="title"/>
+          </p:nvPr>
+        </p:nvSpPr>
+        <p:spPr>
+          <a:xfrm>
+            <a:off x="2110000" y="475816"/>
+            <a:ext cx="7972000" cy="634082"/>
+          </a:xfrm>
+        </p:spPr>
+        <p:txBody>
+          <a:bodyPr vert="horz" lIns="91440" tIns="45720" rIns="91440" bIns="45720" rtlCol="0" anchor="ctr">
+            <a:normAutofit/>
+          </a:bodyPr>
+          <a:lstStyle/>
+          <a:p>
+            <a:pPr algn="ctr"/>
+            <a:r>
+              <a:rPr lang="ru-RU" sz="3200" b="1" dirty="0">
+                <a:solidFill>
+                  <a:srgbClr val="9B2D1F"/>
+                </a:solidFill>
+                <a:latin typeface="Arial"/>
+                <a:cs typeface="Arial"/>
+              </a:rPr>
+              <a:t>ВЕРСТКА ПРОФИЛЯ</a:t>
+            </a:r>
+            <a:endParaRPr lang="ru-RU"/>
+          </a:p>
+        </p:txBody>
+      </p:sp>
+      <p:pic>
+        <p:nvPicPr>
+          <p:cNvPr id="3" name="Рисунок 2" descr="Изображение выглядит как текст, снимок экрана&#10;&#10;Содержимое, созданное искусственным интеллектом, может быть неверным.">
+            <a:extLst>
+              <a:ext uri="{FF2B5EF4-FFF2-40B4-BE49-F238E27FC236}">
+                <a16:creationId xmlns:a16="http://schemas.microsoft.com/office/drawing/2014/main" id="{19088A25-7D79-B5F5-669F-CB80BE7B03B7}"/>
+              </a:ext>
+            </a:extLst>
+          </p:cNvPr>
+          <p:cNvPicPr>
+            <a:picLocks noChangeAspect="1"/>
+          </p:cNvPicPr>
+          <p:nvPr/>
+        </p:nvPicPr>
+        <p:blipFill>
+          <a:blip r:embed="rId2"/>
+          <a:stretch>
+            <a:fillRect/>
+          </a:stretch>
+        </p:blipFill>
+        <p:spPr>
+          <a:xfrm>
+            <a:off x="954196" y="1712478"/>
+            <a:ext cx="5137498" cy="3767073"/>
+          </a:xfrm>
+          <a:prstGeom prst="rect">
+            <a:avLst/>
+          </a:prstGeom>
+        </p:spPr>
+      </p:pic>
+      <p:pic>
+        <p:nvPicPr>
+          <p:cNvPr id="6" name="Рисунок 5" descr="Изображение выглядит как текст, снимок экрана&#10;&#10;Содержимое, созданное искусственным интеллектом, может быть неверным.">
+            <a:extLst>
+              <a:ext uri="{FF2B5EF4-FFF2-40B4-BE49-F238E27FC236}">
+                <a16:creationId xmlns:a16="http://schemas.microsoft.com/office/drawing/2014/main" id="{6B5779B6-A723-B929-5FCA-C9B0C421A88A}"/>
+              </a:ext>
+            </a:extLst>
+          </p:cNvPr>
+          <p:cNvPicPr>
+            <a:picLocks noChangeAspect="1"/>
+          </p:cNvPicPr>
+          <p:nvPr/>
+        </p:nvPicPr>
+        <p:blipFill>
+          <a:blip r:embed="rId3"/>
+          <a:stretch>
+            <a:fillRect/>
+          </a:stretch>
+        </p:blipFill>
+        <p:spPr>
+          <a:xfrm>
+            <a:off x="6276518" y="1416029"/>
+            <a:ext cx="5588827" cy="4359971"/>
+          </a:xfrm>
+          <a:prstGeom prst="rect">
+            <a:avLst/>
+          </a:prstGeom>
+        </p:spPr>
+      </p:pic>
+    </p:spTree>
+    <p:extLst>
+      <p:ext uri="{BB962C8B-B14F-4D97-AF65-F5344CB8AC3E}">
+        <p14:creationId xmlns:p14="http://schemas.microsoft.com/office/powerpoint/2010/main" val="3925909502"/>
+      </p:ext>
+    </p:extLst>
+  </p:cSld>
+  <p:clrMapOvr>
+    <a:masterClrMapping/>
+  </p:clrMapOvr>
+</p:sld>
+</file>
+
+<file path=ppt/slides/slide11.xml><?xml version="1.0" encoding="utf-8"?>
+<p:sld xmlns:a="http://schemas.openxmlformats.org/drawingml/2006/main" xmlns:r="http://schemas.openxmlformats.org/officeDocument/2006/relationships" xmlns:p="http://schemas.openxmlformats.org/presentationml/2006/main">
+  <p:cSld>
+    <p:spTree>
+      <p:nvGrpSpPr>
+        <p:cNvPr id="1" name="">
+          <a:extLst>
+            <a:ext uri="{FF2B5EF4-FFF2-40B4-BE49-F238E27FC236}">
+              <a16:creationId xmlns:a16="http://schemas.microsoft.com/office/drawing/2014/main" id="{C24AFF42-AC00-FA0F-4FA4-CB21C4B43F28}"/>
+            </a:ext>
+          </a:extLst>
+        </p:cNvPr>
+        <p:cNvGrpSpPr/>
+        <p:nvPr/>
+      </p:nvGrpSpPr>
+      <p:grpSpPr>
+        <a:xfrm>
+          <a:off x="0" y="0"/>
+          <a:ext cx="0" cy="0"/>
+          <a:chOff x="0" y="0"/>
+          <a:chExt cx="0" cy="0"/>
+        </a:xfrm>
+      </p:grpSpPr>
+      <p:sp>
+        <p:nvSpPr>
+          <p:cNvPr id="2" name="Рамка 1">
+            <a:extLst>
+              <a:ext uri="{FF2B5EF4-FFF2-40B4-BE49-F238E27FC236}">
+                <a16:creationId xmlns:a16="http://schemas.microsoft.com/office/drawing/2014/main" id="{26E1818D-2E7E-2509-0DC4-49BF8AB7C53B}"/>
+              </a:ext>
+            </a:extLst>
+          </p:cNvPr>
+          <p:cNvSpPr/>
+          <p:nvPr/>
+        </p:nvSpPr>
+        <p:spPr>
+          <a:xfrm>
+            <a:off x="0" y="0"/>
+            <a:ext cx="12192000" cy="6858000"/>
+          </a:xfrm>
+          <a:prstGeom prst="frame">
+            <a:avLst>
+              <a:gd name="adj1" fmla="val 2233"/>
+            </a:avLst>
+          </a:prstGeom>
+          <a:solidFill>
+            <a:srgbClr val="9B2D1F"/>
+          </a:solidFill>
+          <a:ln>
+            <a:solidFill>
+              <a:srgbClr val="9B2D1F"/>
+            </a:solidFill>
+          </a:ln>
+        </p:spPr>
+        <p:style>
+          <a:lnRef idx="2">
+            <a:schemeClr val="accent1">
+              <a:shade val="15000"/>
+            </a:schemeClr>
+          </a:lnRef>
+          <a:fillRef idx="1">
+            <a:schemeClr val="accent1"/>
+          </a:fillRef>
+          <a:effectRef idx="0">
+            <a:schemeClr val="accent1"/>
+          </a:effectRef>
+          <a:fontRef idx="minor">
+            <a:schemeClr val="lt1"/>
+          </a:fontRef>
+        </p:style>
+        <p:txBody>
+          <a:bodyPr rtlCol="0" anchor="ctr"/>
+          <a:lstStyle/>
+          <a:p>
+            <a:pPr algn="ctr"/>
+            <a:endParaRPr lang="ru-RU">
+              <a:solidFill>
+                <a:schemeClr val="tx1"/>
+              </a:solidFill>
+            </a:endParaRPr>
+          </a:p>
+        </p:txBody>
+      </p:sp>
+      <p:sp>
+        <p:nvSpPr>
+          <p:cNvPr id="11" name="Заголовок 6">
+            <a:extLst>
+              <a:ext uri="{FF2B5EF4-FFF2-40B4-BE49-F238E27FC236}">
+                <a16:creationId xmlns:a16="http://schemas.microsoft.com/office/drawing/2014/main" id="{829483EA-8117-E717-5FA0-73E43AD38B9C}"/>
+              </a:ext>
+            </a:extLst>
+          </p:cNvPr>
+          <p:cNvSpPr>
+            <a:spLocks noGrp="1"/>
+          </p:cNvSpPr>
+          <p:nvPr>
+            <p:ph type="title"/>
+          </p:nvPr>
+        </p:nvSpPr>
+        <p:spPr>
+          <a:xfrm>
+            <a:off x="1441946" y="475816"/>
+            <a:ext cx="9120218" cy="634082"/>
+          </a:xfrm>
+        </p:spPr>
+        <p:txBody>
+          <a:bodyPr vert="horz" lIns="91440" tIns="45720" rIns="91440" bIns="45720" rtlCol="0" anchor="ctr">
+            <a:normAutofit/>
+          </a:bodyPr>
+          <a:lstStyle/>
+          <a:p>
+            <a:pPr algn="ctr"/>
+            <a:r>
+              <a:rPr lang="ru-RU" sz="3200" b="1" dirty="0">
+                <a:solidFill>
+                  <a:srgbClr val="9B2D1F"/>
+                </a:solidFill>
+                <a:latin typeface="Arial"/>
+                <a:cs typeface="Arial"/>
+              </a:rPr>
+              <a:t>UML-ДИАГРАММЫ ДЛЯ АВТОРИЗАЦИИ</a:t>
+            </a:r>
+            <a:endParaRPr lang="ru-RU" dirty="0"/>
+          </a:p>
+        </p:txBody>
+      </p:sp>
+      <p:pic>
+        <p:nvPicPr>
+          <p:cNvPr id="4" name="Рисунок 3" descr="Изображение выглядит как текст, снимок экрана, диаграмма, Шрифт&#10;&#10;Содержимое, созданное искусственным интеллектом, может быть неверным.">
+            <a:extLst>
+              <a:ext uri="{FF2B5EF4-FFF2-40B4-BE49-F238E27FC236}">
+                <a16:creationId xmlns:a16="http://schemas.microsoft.com/office/drawing/2014/main" id="{CD288F2F-6A63-FF0D-942F-98A384C6BDDC}"/>
+              </a:ext>
+            </a:extLst>
+          </p:cNvPr>
+          <p:cNvPicPr>
+            <a:picLocks noChangeAspect="1"/>
+          </p:cNvPicPr>
+          <p:nvPr/>
+        </p:nvPicPr>
+        <p:blipFill>
+          <a:blip r:embed="rId2"/>
+          <a:stretch>
+            <a:fillRect/>
+          </a:stretch>
+        </p:blipFill>
+        <p:spPr>
+          <a:xfrm>
+            <a:off x="932080" y="1716196"/>
+            <a:ext cx="5348745" cy="3039390"/>
+          </a:xfrm>
+          <a:prstGeom prst="rect">
+            <a:avLst/>
+          </a:prstGeom>
+        </p:spPr>
+      </p:pic>
+      <p:pic>
+        <p:nvPicPr>
+          <p:cNvPr id="5" name="Рисунок 4" descr="Изображение выглядит как текст, снимок экрана, диаграмма, дизайн&#10;&#10;Содержимое, созданное искусственным интеллектом, может быть неверным.">
+            <a:extLst>
+              <a:ext uri="{FF2B5EF4-FFF2-40B4-BE49-F238E27FC236}">
+                <a16:creationId xmlns:a16="http://schemas.microsoft.com/office/drawing/2014/main" id="{CE5AF5C3-C019-1255-2CFD-F7AD1D1B5D38}"/>
+              </a:ext>
+            </a:extLst>
+          </p:cNvPr>
+          <p:cNvPicPr>
+            <a:picLocks noChangeAspect="1"/>
+          </p:cNvPicPr>
+          <p:nvPr/>
+        </p:nvPicPr>
+        <p:blipFill>
+          <a:blip r:embed="rId3"/>
+          <a:stretch>
+            <a:fillRect/>
+          </a:stretch>
+        </p:blipFill>
+        <p:spPr>
+          <a:xfrm>
+            <a:off x="4480925" y="4172341"/>
+            <a:ext cx="7092342" cy="2072797"/>
+          </a:xfrm>
+          <a:prstGeom prst="rect">
+            <a:avLst/>
+          </a:prstGeom>
+        </p:spPr>
+      </p:pic>
+      <p:sp>
+        <p:nvSpPr>
+          <p:cNvPr id="7" name="TextBox 6">
+            <a:extLst>
+              <a:ext uri="{FF2B5EF4-FFF2-40B4-BE49-F238E27FC236}">
+                <a16:creationId xmlns:a16="http://schemas.microsoft.com/office/drawing/2014/main" id="{E298D324-8A45-AAD0-5AEF-DA4FF798D941}"/>
+              </a:ext>
+            </a:extLst>
+          </p:cNvPr>
+          <p:cNvSpPr txBox="1"/>
+          <p:nvPr/>
+        </p:nvSpPr>
+        <p:spPr>
+          <a:xfrm>
+            <a:off x="6284344" y="1718300"/>
+            <a:ext cx="3048530" cy="369332"/>
+          </a:xfrm>
+          <a:prstGeom prst="rect">
+            <a:avLst/>
+          </a:prstGeom>
+          <a:noFill/>
+        </p:spPr>
+        <p:txBody>
+          <a:bodyPr rot="0" spcFirstLastPara="0" vertOverflow="overflow" horzOverflow="overflow" vert="horz" wrap="square" lIns="91440" tIns="45720" rIns="91440" bIns="45720" numCol="1" spcCol="0" rtlCol="0" fromWordArt="0" anchor="t" anchorCtr="0" forceAA="0" compatLnSpc="1">
+            <a:prstTxWarp prst="textNoShape">
+              <a:avLst/>
+            </a:prstTxWarp>
+            <a:spAutoFit/>
+          </a:bodyPr>
+          <a:lstStyle/>
+          <a:p>
+            <a:r>
+              <a:rPr lang="ru-RU" dirty="0">
+                <a:ea typeface="Calibri"/>
+                <a:cs typeface="Calibri"/>
+              </a:rPr>
+              <a:t>Диаграмма коммуникации</a:t>
+            </a:r>
+          </a:p>
+        </p:txBody>
+      </p:sp>
+      <p:sp>
+        <p:nvSpPr>
+          <p:cNvPr id="9" name="TextBox 8">
+            <a:extLst>
+              <a:ext uri="{FF2B5EF4-FFF2-40B4-BE49-F238E27FC236}">
+                <a16:creationId xmlns:a16="http://schemas.microsoft.com/office/drawing/2014/main" id="{12A83E40-B25B-A824-F6B0-D5A1ECDDDC64}"/>
+              </a:ext>
+            </a:extLst>
+          </p:cNvPr>
+          <p:cNvSpPr txBox="1"/>
+          <p:nvPr/>
+        </p:nvSpPr>
+        <p:spPr>
+          <a:xfrm>
+            <a:off x="2317769" y="5048134"/>
+            <a:ext cx="2411791" cy="369332"/>
+          </a:xfrm>
+          <a:prstGeom prst="rect">
+            <a:avLst/>
+          </a:prstGeom>
+          <a:noFill/>
+        </p:spPr>
+        <p:txBody>
+          <a:bodyPr rot="0" spcFirstLastPara="0" vertOverflow="overflow" horzOverflow="overflow" vert="horz" wrap="square" lIns="91440" tIns="45720" rIns="91440" bIns="45720" numCol="1" spcCol="0" rtlCol="0" fromWordArt="0" anchor="t" anchorCtr="0" forceAA="0" compatLnSpc="1">
+            <a:prstTxWarp prst="textNoShape">
+              <a:avLst/>
+            </a:prstTxWarp>
+            <a:spAutoFit/>
+          </a:bodyPr>
+          <a:lstStyle/>
+          <a:p>
+            <a:r>
+              <a:rPr lang="ru-RU" dirty="0">
+                <a:ea typeface="Calibri"/>
+                <a:cs typeface="Calibri"/>
+              </a:rPr>
+              <a:t>Диаграмма состояний</a:t>
+            </a:r>
+            <a:endParaRPr lang="ru-RU" dirty="0"/>
+          </a:p>
+        </p:txBody>
+      </p:sp>
+    </p:spTree>
+    <p:extLst>
+      <p:ext uri="{BB962C8B-B14F-4D97-AF65-F5344CB8AC3E}">
+        <p14:creationId xmlns:p14="http://schemas.microsoft.com/office/powerpoint/2010/main" val="1240342847"/>
+      </p:ext>
+    </p:extLst>
+  </p:cSld>
+  <p:clrMapOvr>
+    <a:masterClrMapping/>
+  </p:clrMapOvr>
+</p:sld>
+</file>
+
+<file path=ppt/slides/slide12.xml><?xml version="1.0" encoding="utf-8"?>
+<p:sld xmlns:a="http://schemas.openxmlformats.org/drawingml/2006/main" xmlns:r="http://schemas.openxmlformats.org/officeDocument/2006/relationships" xmlns:p="http://schemas.openxmlformats.org/presentationml/2006/main">
+  <p:cSld>
+    <p:spTree>
+      <p:nvGrpSpPr>
+        <p:cNvPr id="1" name="">
+          <a:extLst>
+            <a:ext uri="{FF2B5EF4-FFF2-40B4-BE49-F238E27FC236}">
+              <a16:creationId xmlns:a16="http://schemas.microsoft.com/office/drawing/2014/main" id="{70FA6140-0CD1-4499-B2CD-CDF9270C9639}"/>
+            </a:ext>
+          </a:extLst>
+        </p:cNvPr>
+        <p:cNvGrpSpPr/>
+        <p:nvPr/>
+      </p:nvGrpSpPr>
+      <p:grpSpPr>
+        <a:xfrm>
+          <a:off x="0" y="0"/>
+          <a:ext cx="0" cy="0"/>
+          <a:chOff x="0" y="0"/>
+          <a:chExt cx="0" cy="0"/>
+        </a:xfrm>
+      </p:grpSpPr>
+      <p:sp>
+        <p:nvSpPr>
+          <p:cNvPr id="2" name="Рамка 1">
+            <a:extLst>
+              <a:ext uri="{FF2B5EF4-FFF2-40B4-BE49-F238E27FC236}">
+                <a16:creationId xmlns:a16="http://schemas.microsoft.com/office/drawing/2014/main" id="{07640BC6-50E8-82BD-00D5-94182A55D858}"/>
+              </a:ext>
+            </a:extLst>
+          </p:cNvPr>
+          <p:cNvSpPr/>
+          <p:nvPr/>
+        </p:nvSpPr>
+        <p:spPr>
+          <a:xfrm>
+            <a:off x="0" y="0"/>
+            <a:ext cx="12192000" cy="6858000"/>
+          </a:xfrm>
+          <a:prstGeom prst="frame">
+            <a:avLst>
+              <a:gd name="adj1" fmla="val 2233"/>
+            </a:avLst>
+          </a:prstGeom>
+          <a:solidFill>
+            <a:srgbClr val="9B2D1F"/>
+          </a:solidFill>
+          <a:ln>
+            <a:solidFill>
+              <a:srgbClr val="9B2D1F"/>
+            </a:solidFill>
+          </a:ln>
+        </p:spPr>
+        <p:style>
+          <a:lnRef idx="2">
+            <a:schemeClr val="accent1">
+              <a:shade val="15000"/>
+            </a:schemeClr>
+          </a:lnRef>
+          <a:fillRef idx="1">
+            <a:schemeClr val="accent1"/>
+          </a:fillRef>
+          <a:effectRef idx="0">
+            <a:schemeClr val="accent1"/>
+          </a:effectRef>
+          <a:fontRef idx="minor">
+            <a:schemeClr val="lt1"/>
+          </a:fontRef>
+        </p:style>
+        <p:txBody>
+          <a:bodyPr rtlCol="0" anchor="ctr"/>
+          <a:lstStyle/>
+          <a:p>
+            <a:pPr algn="ctr"/>
+            <a:endParaRPr lang="ru-RU">
+              <a:solidFill>
+                <a:schemeClr val="tx1"/>
+              </a:solidFill>
+            </a:endParaRPr>
+          </a:p>
+        </p:txBody>
+      </p:sp>
+      <p:sp>
+        <p:nvSpPr>
+          <p:cNvPr id="11" name="Заголовок 6">
+            <a:extLst>
+              <a:ext uri="{FF2B5EF4-FFF2-40B4-BE49-F238E27FC236}">
+                <a16:creationId xmlns:a16="http://schemas.microsoft.com/office/drawing/2014/main" id="{A2BD21AF-60B4-E501-C632-1BE66AE14F5D}"/>
+              </a:ext>
+            </a:extLst>
+          </p:cNvPr>
+          <p:cNvSpPr>
+            <a:spLocks noGrp="1"/>
+          </p:cNvSpPr>
+          <p:nvPr>
+            <p:ph type="title"/>
+          </p:nvPr>
+        </p:nvSpPr>
+        <p:spPr>
+          <a:xfrm>
+            <a:off x="1441946" y="475816"/>
+            <a:ext cx="9120218" cy="634082"/>
+          </a:xfrm>
+        </p:spPr>
+        <p:txBody>
+          <a:bodyPr vert="horz" lIns="91440" tIns="45720" rIns="91440" bIns="45720" rtlCol="0" anchor="ctr">
+            <a:normAutofit/>
+          </a:bodyPr>
+          <a:lstStyle/>
+          <a:p>
+            <a:pPr algn="ctr"/>
+            <a:r>
+              <a:rPr lang="ru-RU" sz="3200" b="1" dirty="0">
+                <a:solidFill>
+                  <a:srgbClr val="9B2D1F"/>
+                </a:solidFill>
+                <a:latin typeface="Arial"/>
+                <a:cs typeface="Arial"/>
+              </a:rPr>
+              <a:t>ЗАДАЧА ДЖОНСОНА</a:t>
+            </a:r>
+            <a:endParaRPr lang="ru-RU" dirty="0"/>
+          </a:p>
+        </p:txBody>
+      </p:sp>
+      <p:sp>
+        <p:nvSpPr>
+          <p:cNvPr id="3" name="TextBox 2">
+            <a:extLst>
+              <a:ext uri="{FF2B5EF4-FFF2-40B4-BE49-F238E27FC236}">
+                <a16:creationId xmlns:a16="http://schemas.microsoft.com/office/drawing/2014/main" id="{7538F751-E376-E58B-0F9E-C5050C7AB62D}"/>
+              </a:ext>
+            </a:extLst>
+          </p:cNvPr>
+          <p:cNvSpPr txBox="1"/>
+          <p:nvPr/>
+        </p:nvSpPr>
+        <p:spPr>
+          <a:xfrm>
+            <a:off x="643003" y="1133606"/>
+            <a:ext cx="5039638" cy="3477875"/>
+          </a:xfrm>
+          <a:prstGeom prst="rect">
+            <a:avLst/>
+          </a:prstGeom>
+          <a:noFill/>
+        </p:spPr>
+        <p:txBody>
+          <a:bodyPr rot="0" spcFirstLastPara="0" vertOverflow="overflow" horzOverflow="overflow" vert="horz" wrap="square" lIns="91440" tIns="45720" rIns="91440" bIns="45720" numCol="1" spcCol="0" rtlCol="0" fromWordArt="0" anchor="t" anchorCtr="0" forceAA="0" compatLnSpc="1">
+            <a:prstTxWarp prst="textNoShape">
+              <a:avLst/>
+            </a:prstTxWarp>
+            <a:spAutoFit/>
+          </a:bodyPr>
+          <a:lstStyle/>
+          <a:p>
+            <a:r>
+              <a:rPr lang="ru-RU" sz="2000" dirty="0"/>
+              <a:t>Имеется </a:t>
+            </a:r>
+            <a:r>
+              <a:rPr lang="en-US" sz="2000" dirty="0"/>
+              <a:t>n </a:t>
+            </a:r>
+            <a:r>
+              <a:rPr lang="ru-RU" sz="2000" dirty="0"/>
+              <a:t>деталей и два станка. Каждая деталь должна сначала пройти обработку на первом станке, затем – на втором. При этом </a:t>
+            </a:r>
+            <a:r>
+              <a:rPr lang="en-US" sz="2000" dirty="0" err="1"/>
+              <a:t>i</a:t>
+            </a:r>
+            <a:r>
+              <a:rPr lang="en-US" sz="2000" dirty="0"/>
+              <a:t>-</a:t>
+            </a:r>
+            <a:r>
+              <a:rPr lang="ru-RU" sz="2000" dirty="0" err="1"/>
+              <a:t>ая</a:t>
+            </a:r>
+            <a:r>
+              <a:rPr lang="ru-RU" sz="2000" dirty="0"/>
+              <a:t> деталь обрабатывается на первом станке за </a:t>
+            </a:r>
+            <a:r>
+              <a:rPr lang="en-US" sz="2000" dirty="0"/>
+              <a:t>ai</a:t>
+            </a:r>
+            <a:r>
+              <a:rPr lang="ru-RU" sz="2000" dirty="0"/>
+              <a:t> времени, а на втором – за </a:t>
+            </a:r>
+            <a:r>
+              <a:rPr lang="en-US" sz="2000" dirty="0"/>
+              <a:t>bi</a:t>
+            </a:r>
+            <a:r>
+              <a:rPr lang="ru-RU" sz="2000" dirty="0"/>
+              <a:t> времени. Каждый станок в каждый момент времени может работать только с одной деталью. Требуется составить такой порядок подачи деталей на станки, чтобы итоговое время обработки всех деталей было бы минимальным.</a:t>
+            </a:r>
+            <a:endParaRPr lang="ru-RU" dirty="0"/>
+          </a:p>
+        </p:txBody>
+      </p:sp>
+      <p:pic>
+        <p:nvPicPr>
+          <p:cNvPr id="6" name="Рисунок 5" descr="Изображение выглядит как текст, снимок экрана&#10;&#10;Содержимое, созданное искусственным интеллектом, может быть неверным.">
+            <a:extLst>
+              <a:ext uri="{FF2B5EF4-FFF2-40B4-BE49-F238E27FC236}">
+                <a16:creationId xmlns:a16="http://schemas.microsoft.com/office/drawing/2014/main" id="{84F0B58A-4970-285A-F093-07A411C7AD05}"/>
+              </a:ext>
+            </a:extLst>
+          </p:cNvPr>
+          <p:cNvPicPr>
+            <a:picLocks noChangeAspect="1"/>
+          </p:cNvPicPr>
+          <p:nvPr/>
+        </p:nvPicPr>
+        <p:blipFill>
+          <a:blip r:embed="rId2"/>
+          <a:stretch>
+            <a:fillRect/>
+          </a:stretch>
+        </p:blipFill>
+        <p:spPr>
+          <a:xfrm>
+            <a:off x="6002808" y="1106466"/>
+            <a:ext cx="5562139" cy="5073041"/>
+          </a:xfrm>
+          <a:prstGeom prst="rect">
+            <a:avLst/>
+          </a:prstGeom>
+        </p:spPr>
+      </p:pic>
+    </p:spTree>
+    <p:extLst>
+      <p:ext uri="{BB962C8B-B14F-4D97-AF65-F5344CB8AC3E}">
+        <p14:creationId xmlns:p14="http://schemas.microsoft.com/office/powerpoint/2010/main" val="4291322376"/>
+      </p:ext>
+    </p:extLst>
+  </p:cSld>
+  <p:clrMapOvr>
+    <a:masterClrMapping/>
+  </p:clrMapOvr>
+</p:sld>
+</file>
+
+<file path=ppt/slides/slide13.xml><?xml version="1.0" encoding="utf-8"?>
+<p:sld xmlns:a="http://schemas.openxmlformats.org/drawingml/2006/main" xmlns:r="http://schemas.openxmlformats.org/officeDocument/2006/relationships" xmlns:p="http://schemas.openxmlformats.org/presentationml/2006/main">
+  <p:cSld>
+    <p:spTree>
+      <p:nvGrpSpPr>
+        <p:cNvPr id="1" name="">
+          <a:extLst>
+            <a:ext uri="{FF2B5EF4-FFF2-40B4-BE49-F238E27FC236}">
+              <a16:creationId xmlns:a16="http://schemas.microsoft.com/office/drawing/2014/main" id="{B55B08F8-2832-EAA0-D926-779D3B8E8041}"/>
+            </a:ext>
+          </a:extLst>
+        </p:cNvPr>
+        <p:cNvGrpSpPr/>
+        <p:nvPr/>
+      </p:nvGrpSpPr>
+      <p:grpSpPr>
+        <a:xfrm>
+          <a:off x="0" y="0"/>
+          <a:ext cx="0" cy="0"/>
+          <a:chOff x="0" y="0"/>
+          <a:chExt cx="0" cy="0"/>
+        </a:xfrm>
+      </p:grpSpPr>
+      <p:sp>
+        <p:nvSpPr>
+          <p:cNvPr id="2" name="Рамка 1">
+            <a:extLst>
+              <a:ext uri="{FF2B5EF4-FFF2-40B4-BE49-F238E27FC236}">
+                <a16:creationId xmlns:a16="http://schemas.microsoft.com/office/drawing/2014/main" id="{33083CDE-9FAC-26AE-EC4C-E5376BD9F709}"/>
+              </a:ext>
+            </a:extLst>
+          </p:cNvPr>
+          <p:cNvSpPr/>
+          <p:nvPr/>
+        </p:nvSpPr>
+        <p:spPr>
+          <a:xfrm>
+            <a:off x="0" y="0"/>
+            <a:ext cx="12192000" cy="6858000"/>
+          </a:xfrm>
+          <a:prstGeom prst="frame">
+            <a:avLst>
+              <a:gd name="adj1" fmla="val 2233"/>
+            </a:avLst>
+          </a:prstGeom>
+          <a:solidFill>
+            <a:srgbClr val="9B2D1F"/>
+          </a:solidFill>
+          <a:ln>
+            <a:solidFill>
+              <a:srgbClr val="9B2D1F"/>
+            </a:solidFill>
+          </a:ln>
+        </p:spPr>
+        <p:style>
+          <a:lnRef idx="2">
+            <a:schemeClr val="accent1">
+              <a:shade val="15000"/>
+            </a:schemeClr>
+          </a:lnRef>
+          <a:fillRef idx="1">
+            <a:schemeClr val="accent1"/>
+          </a:fillRef>
+          <a:effectRef idx="0">
+            <a:schemeClr val="accent1"/>
+          </a:effectRef>
+          <a:fontRef idx="minor">
+            <a:schemeClr val="lt1"/>
+          </a:fontRef>
+        </p:style>
+        <p:txBody>
+          <a:bodyPr rtlCol="0" anchor="ctr"/>
+          <a:lstStyle/>
+          <a:p>
+            <a:pPr algn="ctr"/>
+            <a:endParaRPr lang="ru-RU">
+              <a:solidFill>
+                <a:schemeClr val="tx1"/>
+              </a:solidFill>
+            </a:endParaRPr>
+          </a:p>
+        </p:txBody>
+      </p:sp>
+      <p:sp>
+        <p:nvSpPr>
+          <p:cNvPr id="11" name="Заголовок 6">
+            <a:extLst>
+              <a:ext uri="{FF2B5EF4-FFF2-40B4-BE49-F238E27FC236}">
+                <a16:creationId xmlns:a16="http://schemas.microsoft.com/office/drawing/2014/main" id="{A709D679-A40A-58BA-A205-236F1CDD39E4}"/>
+              </a:ext>
+            </a:extLst>
+          </p:cNvPr>
+          <p:cNvSpPr>
+            <a:spLocks noGrp="1"/>
+          </p:cNvSpPr>
+          <p:nvPr>
+            <p:ph type="title"/>
+          </p:nvPr>
+        </p:nvSpPr>
+        <p:spPr>
+          <a:xfrm>
+            <a:off x="1441946" y="475816"/>
+            <a:ext cx="9120218" cy="634082"/>
+          </a:xfrm>
+        </p:spPr>
+        <p:txBody>
+          <a:bodyPr vert="horz" lIns="91440" tIns="45720" rIns="91440" bIns="45720" rtlCol="0" anchor="ctr">
+            <a:normAutofit fontScale="90000"/>
+          </a:bodyPr>
+          <a:lstStyle/>
+          <a:p>
+            <a:pPr algn="ctr"/>
+            <a:r>
+              <a:rPr lang="ru-RU" sz="3200" b="1" dirty="0">
+                <a:solidFill>
+                  <a:srgbClr val="9B2D1F"/>
+                </a:solidFill>
+                <a:latin typeface="Arial"/>
+                <a:cs typeface="Arial"/>
+              </a:rPr>
+              <a:t>ДВИЖЕНИЕ ТЕЛА С СОПРОТИВЛЕНИЕМ И БЕЗ</a:t>
+            </a:r>
+            <a:endParaRPr lang="ru-RU" dirty="0"/>
+          </a:p>
+        </p:txBody>
+      </p:sp>
+      <p:pic>
+        <p:nvPicPr>
+          <p:cNvPr id="4" name="Рисунок 3" descr="Изображение выглядит как текст, снимок экрана, Шрифт, число&#10;&#10;Содержимое, созданное искусственным интеллектом, может быть неверным.">
+            <a:extLst>
+              <a:ext uri="{FF2B5EF4-FFF2-40B4-BE49-F238E27FC236}">
+                <a16:creationId xmlns:a16="http://schemas.microsoft.com/office/drawing/2014/main" id="{2F2E9647-A596-C4B3-D110-9740863D1ECF}"/>
+              </a:ext>
+            </a:extLst>
+          </p:cNvPr>
+          <p:cNvPicPr>
+            <a:picLocks noChangeAspect="1"/>
+          </p:cNvPicPr>
+          <p:nvPr/>
+        </p:nvPicPr>
+        <p:blipFill>
+          <a:blip r:embed="rId2"/>
+          <a:stretch>
+            <a:fillRect/>
+          </a:stretch>
+        </p:blipFill>
+        <p:spPr>
+          <a:xfrm>
+            <a:off x="6813571" y="1211828"/>
+            <a:ext cx="3971925" cy="1762125"/>
+          </a:xfrm>
+          <a:prstGeom prst="rect">
+            <a:avLst/>
+          </a:prstGeom>
+        </p:spPr>
+      </p:pic>
+      <p:pic>
+        <p:nvPicPr>
+          <p:cNvPr id="7" name="Рисунок 6" descr="Изображение выглядит как текст, линия, График, диаграмма&#10;&#10;Содержимое, созданное искусственным интеллектом, может быть неверным.">
+            <a:extLst>
+              <a:ext uri="{FF2B5EF4-FFF2-40B4-BE49-F238E27FC236}">
+                <a16:creationId xmlns:a16="http://schemas.microsoft.com/office/drawing/2014/main" id="{E7A09C1B-656F-9B03-D931-7EE873421287}"/>
+              </a:ext>
+            </a:extLst>
+          </p:cNvPr>
+          <p:cNvPicPr>
+            <a:picLocks noChangeAspect="1"/>
+          </p:cNvPicPr>
+          <p:nvPr/>
+        </p:nvPicPr>
+        <p:blipFill>
+          <a:blip r:embed="rId3"/>
+          <a:stretch>
+            <a:fillRect/>
+          </a:stretch>
+        </p:blipFill>
+        <p:spPr>
+          <a:xfrm>
+            <a:off x="1060667" y="1098441"/>
+            <a:ext cx="4705350" cy="5057775"/>
+          </a:xfrm>
+          <a:prstGeom prst="rect">
+            <a:avLst/>
+          </a:prstGeom>
+        </p:spPr>
+      </p:pic>
+      <p:pic>
+        <p:nvPicPr>
+          <p:cNvPr id="8" name="Рисунок 7" descr="Изображение выглядит как текст, снимок экрана, Шрифт, число&#10;&#10;Содержимое, созданное искусственным интеллектом, может быть неверным.">
+            <a:extLst>
+              <a:ext uri="{FF2B5EF4-FFF2-40B4-BE49-F238E27FC236}">
+                <a16:creationId xmlns:a16="http://schemas.microsoft.com/office/drawing/2014/main" id="{1BED9F9C-A403-1209-E3D2-84090D269263}"/>
+              </a:ext>
+            </a:extLst>
+          </p:cNvPr>
+          <p:cNvPicPr>
+            <a:picLocks noChangeAspect="1"/>
+          </p:cNvPicPr>
+          <p:nvPr/>
+        </p:nvPicPr>
+        <p:blipFill>
+          <a:blip r:embed="rId4"/>
+          <a:stretch>
+            <a:fillRect/>
+          </a:stretch>
+        </p:blipFill>
+        <p:spPr>
+          <a:xfrm>
+            <a:off x="6461146" y="3439438"/>
+            <a:ext cx="4676775" cy="1524000"/>
+          </a:xfrm>
+          <a:prstGeom prst="rect">
+            <a:avLst/>
+          </a:prstGeom>
+        </p:spPr>
+      </p:pic>
+    </p:spTree>
+    <p:extLst>
+      <p:ext uri="{BB962C8B-B14F-4D97-AF65-F5344CB8AC3E}">
+        <p14:creationId xmlns:p14="http://schemas.microsoft.com/office/powerpoint/2010/main" val="2061596081"/>
+      </p:ext>
+    </p:extLst>
+  </p:cSld>
+  <p:clrMapOvr>
+    <a:masterClrMapping/>
+  </p:clrMapOvr>
+</p:sld>
+</file>
+
 <file path=ppt/slides/slide2.xml><?xml version="1.0" encoding="utf-8"?>
 <p:sld xmlns:a="http://schemas.openxmlformats.org/drawingml/2006/main" xmlns:r="http://schemas.openxmlformats.org/officeDocument/2006/relationships" xmlns:p="http://schemas.openxmlformats.org/presentationml/2006/main">
   <p:cSld>
@@ -5358,6 +6336,514 @@
     <p:extLst>
       <p:ext uri="{BB962C8B-B14F-4D97-AF65-F5344CB8AC3E}">
         <p14:creationId xmlns:p14="http://schemas.microsoft.com/office/powerpoint/2010/main" val="1525357087"/>
+      </p:ext>
+    </p:extLst>
+  </p:cSld>
+  <p:clrMapOvr>
+    <a:masterClrMapping/>
+  </p:clrMapOvr>
+</p:sld>
+</file>
+
+<file path=ppt/slides/slide7.xml><?xml version="1.0" encoding="utf-8"?>
+<p:sld xmlns:a="http://schemas.openxmlformats.org/drawingml/2006/main" xmlns:r="http://schemas.openxmlformats.org/officeDocument/2006/relationships" xmlns:p="http://schemas.openxmlformats.org/presentationml/2006/main">
+  <p:cSld>
+    <p:spTree>
+      <p:nvGrpSpPr>
+        <p:cNvPr id="1" name=""/>
+        <p:cNvGrpSpPr/>
+        <p:nvPr/>
+      </p:nvGrpSpPr>
+      <p:grpSpPr>
+        <a:xfrm>
+          <a:off x="0" y="0"/>
+          <a:ext cx="0" cy="0"/>
+          <a:chOff x="0" y="0"/>
+          <a:chExt cx="0" cy="0"/>
+        </a:xfrm>
+      </p:grpSpPr>
+      <p:sp>
+        <p:nvSpPr>
+          <p:cNvPr id="2" name="Title 1">
+            <a:extLst>
+              <a:ext uri="{FF2B5EF4-FFF2-40B4-BE49-F238E27FC236}">
+                <a16:creationId xmlns:a16="http://schemas.microsoft.com/office/drawing/2014/main" id="{3E9642DF-F77C-E76B-37D4-19B4E22575D7}"/>
+              </a:ext>
+            </a:extLst>
+          </p:cNvPr>
+          <p:cNvSpPr>
+            <a:spLocks noGrp="1"/>
+          </p:cNvSpPr>
+          <p:nvPr>
+            <p:ph type="title"/>
+          </p:nvPr>
+        </p:nvSpPr>
+        <p:spPr/>
+        <p:txBody>
+          <a:bodyPr/>
+          <a:lstStyle/>
+          <a:p>
+            <a:endParaRPr lang="ru-RU"/>
+          </a:p>
+        </p:txBody>
+      </p:sp>
+      <p:sp>
+        <p:nvSpPr>
+          <p:cNvPr id="3" name="Content Placeholder 2">
+            <a:extLst>
+              <a:ext uri="{FF2B5EF4-FFF2-40B4-BE49-F238E27FC236}">
+                <a16:creationId xmlns:a16="http://schemas.microsoft.com/office/drawing/2014/main" id="{3E93905C-C8D0-91D0-3F88-367C0568C970}"/>
+              </a:ext>
+            </a:extLst>
+          </p:cNvPr>
+          <p:cNvSpPr>
+            <a:spLocks noGrp="1"/>
+          </p:cNvSpPr>
+          <p:nvPr>
+            <p:ph idx="1"/>
+          </p:nvPr>
+        </p:nvSpPr>
+        <p:spPr/>
+        <p:txBody>
+          <a:bodyPr/>
+          <a:lstStyle/>
+          <a:p>
+            <a:endParaRPr lang="ru-RU"/>
+          </a:p>
+        </p:txBody>
+      </p:sp>
+    </p:spTree>
+    <p:extLst>
+      <p:ext uri="{BB962C8B-B14F-4D97-AF65-F5344CB8AC3E}">
+        <p14:creationId xmlns:p14="http://schemas.microsoft.com/office/powerpoint/2010/main" val="1722653702"/>
+      </p:ext>
+    </p:extLst>
+  </p:cSld>
+  <p:clrMapOvr>
+    <a:masterClrMapping/>
+  </p:clrMapOvr>
+</p:sld>
+</file>
+
+<file path=ppt/slides/slide8.xml><?xml version="1.0" encoding="utf-8"?>
+<p:sld xmlns:a="http://schemas.openxmlformats.org/drawingml/2006/main" xmlns:r="http://schemas.openxmlformats.org/officeDocument/2006/relationships" xmlns:p="http://schemas.openxmlformats.org/presentationml/2006/main">
+  <p:cSld>
+    <p:spTree>
+      <p:nvGrpSpPr>
+        <p:cNvPr id="1" name="">
+          <a:extLst>
+            <a:ext uri="{FF2B5EF4-FFF2-40B4-BE49-F238E27FC236}">
+              <a16:creationId xmlns:a16="http://schemas.microsoft.com/office/drawing/2014/main" id="{14232443-9AF1-949C-65EC-C1F81CB5C465}"/>
+            </a:ext>
+          </a:extLst>
+        </p:cNvPr>
+        <p:cNvGrpSpPr/>
+        <p:nvPr/>
+      </p:nvGrpSpPr>
+      <p:grpSpPr>
+        <a:xfrm>
+          <a:off x="0" y="0"/>
+          <a:ext cx="0" cy="0"/>
+          <a:chOff x="0" y="0"/>
+          <a:chExt cx="0" cy="0"/>
+        </a:xfrm>
+      </p:grpSpPr>
+      <p:sp>
+        <p:nvSpPr>
+          <p:cNvPr id="2" name="Рамка 1">
+            <a:extLst>
+              <a:ext uri="{FF2B5EF4-FFF2-40B4-BE49-F238E27FC236}">
+                <a16:creationId xmlns:a16="http://schemas.microsoft.com/office/drawing/2014/main" id="{313A98FA-0C8E-85FD-F506-18C41EBD55D3}"/>
+              </a:ext>
+            </a:extLst>
+          </p:cNvPr>
+          <p:cNvSpPr/>
+          <p:nvPr/>
+        </p:nvSpPr>
+        <p:spPr>
+          <a:xfrm>
+            <a:off x="0" y="0"/>
+            <a:ext cx="12192000" cy="6858000"/>
+          </a:xfrm>
+          <a:prstGeom prst="frame">
+            <a:avLst>
+              <a:gd name="adj1" fmla="val 2233"/>
+            </a:avLst>
+          </a:prstGeom>
+          <a:solidFill>
+            <a:srgbClr val="9B2D1F"/>
+          </a:solidFill>
+          <a:ln>
+            <a:solidFill>
+              <a:srgbClr val="9B2D1F"/>
+            </a:solidFill>
+          </a:ln>
+        </p:spPr>
+        <p:style>
+          <a:lnRef idx="2">
+            <a:schemeClr val="accent1">
+              <a:shade val="15000"/>
+            </a:schemeClr>
+          </a:lnRef>
+          <a:fillRef idx="1">
+            <a:schemeClr val="accent1"/>
+          </a:fillRef>
+          <a:effectRef idx="0">
+            <a:schemeClr val="accent1"/>
+          </a:effectRef>
+          <a:fontRef idx="minor">
+            <a:schemeClr val="lt1"/>
+          </a:fontRef>
+        </p:style>
+        <p:txBody>
+          <a:bodyPr rtlCol="0" anchor="ctr"/>
+          <a:lstStyle/>
+          <a:p>
+            <a:pPr algn="ctr"/>
+            <a:endParaRPr lang="ru-RU">
+              <a:solidFill>
+                <a:schemeClr val="tx1"/>
+              </a:solidFill>
+            </a:endParaRPr>
+          </a:p>
+        </p:txBody>
+      </p:sp>
+      <p:sp>
+        <p:nvSpPr>
+          <p:cNvPr id="11" name="Заголовок 6">
+            <a:extLst>
+              <a:ext uri="{FF2B5EF4-FFF2-40B4-BE49-F238E27FC236}">
+                <a16:creationId xmlns:a16="http://schemas.microsoft.com/office/drawing/2014/main" id="{515A834E-666C-FE70-B060-6E581BBB1E46}"/>
+              </a:ext>
+            </a:extLst>
+          </p:cNvPr>
+          <p:cNvSpPr>
+            <a:spLocks noGrp="1"/>
+          </p:cNvSpPr>
+          <p:nvPr>
+            <p:ph type="title"/>
+          </p:nvPr>
+        </p:nvSpPr>
+        <p:spPr>
+          <a:xfrm>
+            <a:off x="2110000" y="475816"/>
+            <a:ext cx="7972000" cy="634082"/>
+          </a:xfrm>
+        </p:spPr>
+        <p:txBody>
+          <a:bodyPr vert="horz" lIns="91440" tIns="45720" rIns="91440" bIns="45720" rtlCol="0" anchor="ctr">
+            <a:normAutofit/>
+          </a:bodyPr>
+          <a:lstStyle/>
+          <a:p>
+            <a:pPr algn="ctr"/>
+            <a:r>
+              <a:rPr lang="ru-RU" sz="3200" b="1" dirty="0">
+                <a:solidFill>
+                  <a:srgbClr val="9B2D1F"/>
+                </a:solidFill>
+                <a:latin typeface="Arial"/>
+                <a:cs typeface="Arial"/>
+              </a:rPr>
+              <a:t>ВЕРСТКА ПРОФИЛЯ</a:t>
+            </a:r>
+            <a:endParaRPr lang="ru-RU"/>
+          </a:p>
+        </p:txBody>
+      </p:sp>
+      <p:pic>
+        <p:nvPicPr>
+          <p:cNvPr id="4" name="Рисунок 3" descr="Изображение выглядит как текст, снимок экрана&#10;&#10;Содержимое, созданное искусственным интеллектом, может быть неверным.">
+            <a:extLst>
+              <a:ext uri="{FF2B5EF4-FFF2-40B4-BE49-F238E27FC236}">
+                <a16:creationId xmlns:a16="http://schemas.microsoft.com/office/drawing/2014/main" id="{2B0BF448-3856-6EE6-C297-3644E3C6C4F6}"/>
+              </a:ext>
+            </a:extLst>
+          </p:cNvPr>
+          <p:cNvPicPr>
+            <a:picLocks noChangeAspect="1"/>
+          </p:cNvPicPr>
+          <p:nvPr/>
+        </p:nvPicPr>
+        <p:blipFill>
+          <a:blip r:embed="rId2"/>
+          <a:stretch>
+            <a:fillRect/>
+          </a:stretch>
+        </p:blipFill>
+        <p:spPr>
+          <a:xfrm>
+            <a:off x="6358982" y="1853330"/>
+            <a:ext cx="5288202" cy="3151340"/>
+          </a:xfrm>
+          <a:prstGeom prst="rect">
+            <a:avLst/>
+          </a:prstGeom>
+        </p:spPr>
+      </p:pic>
+      <p:pic>
+        <p:nvPicPr>
+          <p:cNvPr id="5" name="Рисунок 4" descr="Изображение выглядит как текст, снимок экрана, Шрифт&#10;&#10;Содержимое, созданное искусственным интеллектом, может быть неверным.">
+            <a:extLst>
+              <a:ext uri="{FF2B5EF4-FFF2-40B4-BE49-F238E27FC236}">
+                <a16:creationId xmlns:a16="http://schemas.microsoft.com/office/drawing/2014/main" id="{1CA7302F-5102-62C2-4726-C9D27CC5AC46}"/>
+              </a:ext>
+            </a:extLst>
+          </p:cNvPr>
+          <p:cNvPicPr>
+            <a:picLocks noChangeAspect="1"/>
+          </p:cNvPicPr>
+          <p:nvPr/>
+        </p:nvPicPr>
+        <p:blipFill>
+          <a:blip r:embed="rId3"/>
+          <a:stretch>
+            <a:fillRect/>
+          </a:stretch>
+        </p:blipFill>
+        <p:spPr>
+          <a:xfrm>
+            <a:off x="773025" y="1644629"/>
+            <a:ext cx="5124060" cy="3359977"/>
+          </a:xfrm>
+          <a:prstGeom prst="rect">
+            <a:avLst/>
+          </a:prstGeom>
+        </p:spPr>
+      </p:pic>
+    </p:spTree>
+    <p:extLst>
+      <p:ext uri="{BB962C8B-B14F-4D97-AF65-F5344CB8AC3E}">
+        <p14:creationId xmlns:p14="http://schemas.microsoft.com/office/powerpoint/2010/main" val="649349780"/>
+      </p:ext>
+    </p:extLst>
+  </p:cSld>
+  <p:clrMapOvr>
+    <a:masterClrMapping/>
+  </p:clrMapOvr>
+</p:sld>
+</file>
+
+<file path=ppt/slides/slide9.xml><?xml version="1.0" encoding="utf-8"?>
+<p:sld xmlns:a="http://schemas.openxmlformats.org/drawingml/2006/main" xmlns:r="http://schemas.openxmlformats.org/officeDocument/2006/relationships" xmlns:p="http://schemas.openxmlformats.org/presentationml/2006/main">
+  <p:cSld>
+    <p:spTree>
+      <p:nvGrpSpPr>
+        <p:cNvPr id="1" name="">
+          <a:extLst>
+            <a:ext uri="{FF2B5EF4-FFF2-40B4-BE49-F238E27FC236}">
+              <a16:creationId xmlns:a16="http://schemas.microsoft.com/office/drawing/2014/main" id="{3A2CB0AF-40A3-248C-292E-133C749CA2FF}"/>
+            </a:ext>
+          </a:extLst>
+        </p:cNvPr>
+        <p:cNvGrpSpPr/>
+        <p:nvPr/>
+      </p:nvGrpSpPr>
+      <p:grpSpPr>
+        <a:xfrm>
+          <a:off x="0" y="0"/>
+          <a:ext cx="0" cy="0"/>
+          <a:chOff x="0" y="0"/>
+          <a:chExt cx="0" cy="0"/>
+        </a:xfrm>
+      </p:grpSpPr>
+      <p:sp>
+        <p:nvSpPr>
+          <p:cNvPr id="2" name="Рамка 1">
+            <a:extLst>
+              <a:ext uri="{FF2B5EF4-FFF2-40B4-BE49-F238E27FC236}">
+                <a16:creationId xmlns:a16="http://schemas.microsoft.com/office/drawing/2014/main" id="{3A97DA3F-BA15-CB43-73C0-A4727483C5C5}"/>
+              </a:ext>
+            </a:extLst>
+          </p:cNvPr>
+          <p:cNvSpPr/>
+          <p:nvPr/>
+        </p:nvSpPr>
+        <p:spPr>
+          <a:xfrm>
+            <a:off x="0" y="0"/>
+            <a:ext cx="12192000" cy="6858000"/>
+          </a:xfrm>
+          <a:prstGeom prst="frame">
+            <a:avLst>
+              <a:gd name="adj1" fmla="val 2233"/>
+            </a:avLst>
+          </a:prstGeom>
+          <a:solidFill>
+            <a:srgbClr val="9B2D1F"/>
+          </a:solidFill>
+          <a:ln>
+            <a:solidFill>
+              <a:srgbClr val="9B2D1F"/>
+            </a:solidFill>
+          </a:ln>
+        </p:spPr>
+        <p:style>
+          <a:lnRef idx="2">
+            <a:schemeClr val="accent1">
+              <a:shade val="15000"/>
+            </a:schemeClr>
+          </a:lnRef>
+          <a:fillRef idx="1">
+            <a:schemeClr val="accent1"/>
+          </a:fillRef>
+          <a:effectRef idx="0">
+            <a:schemeClr val="accent1"/>
+          </a:effectRef>
+          <a:fontRef idx="minor">
+            <a:schemeClr val="lt1"/>
+          </a:fontRef>
+        </p:style>
+        <p:txBody>
+          <a:bodyPr rtlCol="0" anchor="ctr"/>
+          <a:lstStyle/>
+          <a:p>
+            <a:pPr algn="ctr"/>
+            <a:endParaRPr lang="ru-RU">
+              <a:solidFill>
+                <a:schemeClr val="tx1"/>
+              </a:solidFill>
+            </a:endParaRPr>
+          </a:p>
+        </p:txBody>
+      </p:sp>
+      <p:sp>
+        <p:nvSpPr>
+          <p:cNvPr id="11" name="Заголовок 6">
+            <a:extLst>
+              <a:ext uri="{FF2B5EF4-FFF2-40B4-BE49-F238E27FC236}">
+                <a16:creationId xmlns:a16="http://schemas.microsoft.com/office/drawing/2014/main" id="{F27582B6-3BB0-4422-8521-4425D28AEEE4}"/>
+              </a:ext>
+            </a:extLst>
+          </p:cNvPr>
+          <p:cNvSpPr>
+            <a:spLocks noGrp="1"/>
+          </p:cNvSpPr>
+          <p:nvPr>
+            <p:ph type="title"/>
+          </p:nvPr>
+        </p:nvSpPr>
+        <p:spPr>
+          <a:xfrm>
+            <a:off x="2110000" y="475816"/>
+            <a:ext cx="7972000" cy="634082"/>
+          </a:xfrm>
+        </p:spPr>
+        <p:txBody>
+          <a:bodyPr vert="horz" lIns="91440" tIns="45720" rIns="91440" bIns="45720" rtlCol="0" anchor="ctr">
+            <a:normAutofit/>
+          </a:bodyPr>
+          <a:lstStyle/>
+          <a:p>
+            <a:pPr algn="ctr"/>
+            <a:r>
+              <a:rPr lang="ru-RU" sz="3200" b="1" dirty="0">
+                <a:solidFill>
+                  <a:srgbClr val="9B2D1F"/>
+                </a:solidFill>
+                <a:latin typeface="Arial"/>
+                <a:cs typeface="Arial"/>
+              </a:rPr>
+              <a:t>ВЕРСТКА ПРОФИЛЯ</a:t>
+            </a:r>
+            <a:endParaRPr lang="ru-RU"/>
+          </a:p>
+        </p:txBody>
+      </p:sp>
+      <p:pic>
+        <p:nvPicPr>
+          <p:cNvPr id="4" name="Рисунок 3" descr="Изображение выглядит как текст, снимок экрана, дисплей, программное обеспечение&#10;&#10;Содержимое, созданное искусственным интеллектом, может быть неверным.">
+            <a:extLst>
+              <a:ext uri="{FF2B5EF4-FFF2-40B4-BE49-F238E27FC236}">
+                <a16:creationId xmlns:a16="http://schemas.microsoft.com/office/drawing/2014/main" id="{7787C951-8755-A710-754B-8E10B8CF0722}"/>
+              </a:ext>
+            </a:extLst>
+          </p:cNvPr>
+          <p:cNvPicPr>
+            <a:picLocks noChangeAspect="1"/>
+          </p:cNvPicPr>
+          <p:nvPr/>
+        </p:nvPicPr>
+        <p:blipFill>
+          <a:blip r:embed="rId2"/>
+          <a:stretch>
+            <a:fillRect/>
+          </a:stretch>
+        </p:blipFill>
+        <p:spPr>
+          <a:xfrm>
+            <a:off x="542469" y="1105227"/>
+            <a:ext cx="4520461" cy="4031685"/>
+          </a:xfrm>
+          <a:prstGeom prst="rect">
+            <a:avLst/>
+          </a:prstGeom>
+        </p:spPr>
+      </p:pic>
+      <p:pic>
+        <p:nvPicPr>
+          <p:cNvPr id="7" name="Рисунок 6" descr="Изображение выглядит как текст, снимок экрана, Шрифт, число&#10;&#10;Содержимое, созданное искусственным интеллектом, может быть неверным.">
+            <a:extLst>
+              <a:ext uri="{FF2B5EF4-FFF2-40B4-BE49-F238E27FC236}">
+                <a16:creationId xmlns:a16="http://schemas.microsoft.com/office/drawing/2014/main" id="{69384556-5EF4-947D-63DA-ACB850529FCC}"/>
+              </a:ext>
+            </a:extLst>
+          </p:cNvPr>
+          <p:cNvPicPr>
+            <a:picLocks noChangeAspect="1"/>
+          </p:cNvPicPr>
+          <p:nvPr/>
+        </p:nvPicPr>
+        <p:blipFill>
+          <a:blip r:embed="rId3"/>
+          <a:stretch>
+            <a:fillRect/>
+          </a:stretch>
+        </p:blipFill>
+        <p:spPr>
+          <a:xfrm>
+            <a:off x="385763" y="5406677"/>
+            <a:ext cx="11420475" cy="971550"/>
+          </a:xfrm>
+          <a:prstGeom prst="rect">
+            <a:avLst/>
+          </a:prstGeom>
+        </p:spPr>
+      </p:pic>
+      <p:pic>
+        <p:nvPicPr>
+          <p:cNvPr id="8" name="Рисунок 7" descr="Изображение выглядит как текст, снимок экрана, Шрифт&#10;&#10;Содержимое, созданное искусственным интеллектом, может быть неверным.">
+            <a:extLst>
+              <a:ext uri="{FF2B5EF4-FFF2-40B4-BE49-F238E27FC236}">
+                <a16:creationId xmlns:a16="http://schemas.microsoft.com/office/drawing/2014/main" id="{369FCE98-D1CC-B888-8BA5-0FCD490374D9}"/>
+              </a:ext>
+            </a:extLst>
+          </p:cNvPr>
+          <p:cNvPicPr>
+            <a:picLocks noChangeAspect="1"/>
+          </p:cNvPicPr>
+          <p:nvPr/>
+        </p:nvPicPr>
+        <p:blipFill>
+          <a:blip r:embed="rId4"/>
+          <a:stretch>
+            <a:fillRect/>
+          </a:stretch>
+        </p:blipFill>
+        <p:spPr>
+          <a:xfrm>
+            <a:off x="5289833" y="1240729"/>
+            <a:ext cx="6372225" cy="3562350"/>
+          </a:xfrm>
+          <a:prstGeom prst="rect">
+            <a:avLst/>
+          </a:prstGeom>
+        </p:spPr>
+      </p:pic>
+    </p:spTree>
+    <p:extLst>
+      <p:ext uri="{BB962C8B-B14F-4D97-AF65-F5344CB8AC3E}">
+        <p14:creationId xmlns:p14="http://schemas.microsoft.com/office/powerpoint/2010/main" val="956662569"/>
       </p:ext>
     </p:extLst>
   </p:cSld>

--- a/документы/ЗащитаУП.pptx
+++ b/документы/ЗащитаУП.pptx
@@ -4,6 +4,9 @@
   <p:sldMasterIdLst>
     <p:sldMasterId id="2147483648" r:id="rId1"/>
   </p:sldMasterIdLst>
+  <p:notesMasterIdLst>
+    <p:notesMasterId r:id="rId17"/>
+  </p:notesMasterIdLst>
   <p:sldIdLst>
     <p:sldId id="257" r:id="rId2"/>
     <p:sldId id="259" r:id="rId3"/>
@@ -11,13 +14,15 @@
     <p:sldId id="260" r:id="rId5"/>
     <p:sldId id="262" r:id="rId6"/>
     <p:sldId id="263" r:id="rId7"/>
-    <p:sldId id="264" r:id="rId8"/>
-    <p:sldId id="265" r:id="rId9"/>
-    <p:sldId id="268" r:id="rId10"/>
-    <p:sldId id="267" r:id="rId11"/>
-    <p:sldId id="270" r:id="rId12"/>
-    <p:sldId id="271" r:id="rId13"/>
-    <p:sldId id="272" r:id="rId14"/>
+    <p:sldId id="265" r:id="rId8"/>
+    <p:sldId id="268" r:id="rId9"/>
+    <p:sldId id="267" r:id="rId10"/>
+    <p:sldId id="270" r:id="rId11"/>
+    <p:sldId id="271" r:id="rId12"/>
+    <p:sldId id="272" r:id="rId13"/>
+    <p:sldId id="264" r:id="rId14"/>
+    <p:sldId id="273" r:id="rId15"/>
+    <p:sldId id="266" r:id="rId16"/>
   </p:sldIdLst>
   <p:sldSz cx="12192000" cy="6858000"/>
   <p:notesSz cx="6858000" cy="9144000"/>
@@ -132,6 +137,439 @@
 </p1510:revInfo>
 </file>
 
+<file path=ppt/notesMasters/notesMaster1.xml><?xml version="1.0" encoding="utf-8"?>
+<p:notesMaster xmlns:a="http://schemas.openxmlformats.org/drawingml/2006/main" xmlns:r="http://schemas.openxmlformats.org/officeDocument/2006/relationships" xmlns:p="http://schemas.openxmlformats.org/presentationml/2006/main">
+  <p:cSld>
+    <p:bg>
+      <p:bgRef idx="1001">
+        <a:schemeClr val="bg1"/>
+      </p:bgRef>
+    </p:bg>
+    <p:spTree>
+      <p:nvGrpSpPr>
+        <p:cNvPr id="1" name=""/>
+        <p:cNvGrpSpPr/>
+        <p:nvPr/>
+      </p:nvGrpSpPr>
+      <p:grpSpPr>
+        <a:xfrm>
+          <a:off x="0" y="0"/>
+          <a:ext cx="0" cy="0"/>
+          <a:chOff x="0" y="0"/>
+          <a:chExt cx="0" cy="0"/>
+        </a:xfrm>
+      </p:grpSpPr>
+      <p:sp>
+        <p:nvSpPr>
+          <p:cNvPr id="2" name="Верхний колонтитул 1"/>
+          <p:cNvSpPr>
+            <a:spLocks noGrp="1"/>
+          </p:cNvSpPr>
+          <p:nvPr>
+            <p:ph type="hdr" sz="quarter"/>
+          </p:nvPr>
+        </p:nvSpPr>
+        <p:spPr>
+          <a:xfrm>
+            <a:off x="0" y="0"/>
+            <a:ext cx="2971800" cy="458788"/>
+          </a:xfrm>
+          <a:prstGeom prst="rect">
+            <a:avLst/>
+          </a:prstGeom>
+        </p:spPr>
+        <p:txBody>
+          <a:bodyPr vert="horz" lIns="91440" tIns="45720" rIns="91440" bIns="45720" rtlCol="0"/>
+          <a:lstStyle>
+            <a:lvl1pPr algn="l">
+              <a:defRPr sz="1200"/>
+            </a:lvl1pPr>
+          </a:lstStyle>
+          <a:p>
+            <a:endParaRPr lang="ru-RU"/>
+          </a:p>
+        </p:txBody>
+      </p:sp>
+      <p:sp>
+        <p:nvSpPr>
+          <p:cNvPr id="3" name="Дата 2"/>
+          <p:cNvSpPr>
+            <a:spLocks noGrp="1"/>
+          </p:cNvSpPr>
+          <p:nvPr>
+            <p:ph type="dt" idx="1"/>
+          </p:nvPr>
+        </p:nvSpPr>
+        <p:spPr>
+          <a:xfrm>
+            <a:off x="3884613" y="0"/>
+            <a:ext cx="2971800" cy="458788"/>
+          </a:xfrm>
+          <a:prstGeom prst="rect">
+            <a:avLst/>
+          </a:prstGeom>
+        </p:spPr>
+        <p:txBody>
+          <a:bodyPr vert="horz" lIns="91440" tIns="45720" rIns="91440" bIns="45720" rtlCol="0"/>
+          <a:lstStyle>
+            <a:lvl1pPr algn="r">
+              <a:defRPr sz="1200"/>
+            </a:lvl1pPr>
+          </a:lstStyle>
+          <a:p>
+            <a:fld id="{5F7F35AE-5826-4457-B24A-19C705F098BE}" type="datetimeFigureOut">
+              <a:rPr lang="ru-RU" smtClean="0"/>
+              <a:t>05.06.2025</a:t>
+            </a:fld>
+            <a:endParaRPr lang="ru-RU"/>
+          </a:p>
+        </p:txBody>
+      </p:sp>
+      <p:sp>
+        <p:nvSpPr>
+          <p:cNvPr id="4" name="Образ слайда 3"/>
+          <p:cNvSpPr>
+            <a:spLocks noGrp="1" noRot="1" noChangeAspect="1"/>
+          </p:cNvSpPr>
+          <p:nvPr>
+            <p:ph type="sldImg" idx="2"/>
+          </p:nvPr>
+        </p:nvSpPr>
+        <p:spPr>
+          <a:xfrm>
+            <a:off x="685800" y="1143000"/>
+            <a:ext cx="5486400" cy="3086100"/>
+          </a:xfrm>
+          <a:prstGeom prst="rect">
+            <a:avLst/>
+          </a:prstGeom>
+          <a:noFill/>
+          <a:ln w="12700">
+            <a:solidFill>
+              <a:prstClr val="black"/>
+            </a:solidFill>
+          </a:ln>
+        </p:spPr>
+        <p:txBody>
+          <a:bodyPr vert="horz" lIns="91440" tIns="45720" rIns="91440" bIns="45720" rtlCol="0" anchor="ctr"/>
+          <a:lstStyle/>
+          <a:p>
+            <a:endParaRPr lang="ru-RU"/>
+          </a:p>
+        </p:txBody>
+      </p:sp>
+      <p:sp>
+        <p:nvSpPr>
+          <p:cNvPr id="5" name="Заметки 4"/>
+          <p:cNvSpPr>
+            <a:spLocks noGrp="1"/>
+          </p:cNvSpPr>
+          <p:nvPr>
+            <p:ph type="body" sz="quarter" idx="3"/>
+          </p:nvPr>
+        </p:nvSpPr>
+        <p:spPr>
+          <a:xfrm>
+            <a:off x="685800" y="4400550"/>
+            <a:ext cx="5486400" cy="3600450"/>
+          </a:xfrm>
+          <a:prstGeom prst="rect">
+            <a:avLst/>
+          </a:prstGeom>
+        </p:spPr>
+        <p:txBody>
+          <a:bodyPr vert="horz" lIns="91440" tIns="45720" rIns="91440" bIns="45720" rtlCol="0"/>
+          <a:lstStyle/>
+          <a:p>
+            <a:pPr lvl="0"/>
+            <a:r>
+              <a:rPr lang="ru-RU"/>
+              <a:t>Образец текста</a:t>
+            </a:r>
+          </a:p>
+          <a:p>
+            <a:pPr lvl="1"/>
+            <a:r>
+              <a:rPr lang="ru-RU"/>
+              <a:t>Второй уровень</a:t>
+            </a:r>
+          </a:p>
+          <a:p>
+            <a:pPr lvl="2"/>
+            <a:r>
+              <a:rPr lang="ru-RU"/>
+              <a:t>Третий уровень</a:t>
+            </a:r>
+          </a:p>
+          <a:p>
+            <a:pPr lvl="3"/>
+            <a:r>
+              <a:rPr lang="ru-RU"/>
+              <a:t>Четвертый уровень</a:t>
+            </a:r>
+          </a:p>
+          <a:p>
+            <a:pPr lvl="4"/>
+            <a:r>
+              <a:rPr lang="ru-RU"/>
+              <a:t>Пятый уровень</a:t>
+            </a:r>
+          </a:p>
+        </p:txBody>
+      </p:sp>
+      <p:sp>
+        <p:nvSpPr>
+          <p:cNvPr id="6" name="Нижний колонтитул 5"/>
+          <p:cNvSpPr>
+            <a:spLocks noGrp="1"/>
+          </p:cNvSpPr>
+          <p:nvPr>
+            <p:ph type="ftr" sz="quarter" idx="4"/>
+          </p:nvPr>
+        </p:nvSpPr>
+        <p:spPr>
+          <a:xfrm>
+            <a:off x="0" y="8685213"/>
+            <a:ext cx="2971800" cy="458787"/>
+          </a:xfrm>
+          <a:prstGeom prst="rect">
+            <a:avLst/>
+          </a:prstGeom>
+        </p:spPr>
+        <p:txBody>
+          <a:bodyPr vert="horz" lIns="91440" tIns="45720" rIns="91440" bIns="45720" rtlCol="0" anchor="b"/>
+          <a:lstStyle>
+            <a:lvl1pPr algn="l">
+              <a:defRPr sz="1200"/>
+            </a:lvl1pPr>
+          </a:lstStyle>
+          <a:p>
+            <a:endParaRPr lang="ru-RU"/>
+          </a:p>
+        </p:txBody>
+      </p:sp>
+      <p:sp>
+        <p:nvSpPr>
+          <p:cNvPr id="7" name="Номер слайда 6"/>
+          <p:cNvSpPr>
+            <a:spLocks noGrp="1"/>
+          </p:cNvSpPr>
+          <p:nvPr>
+            <p:ph type="sldNum" sz="quarter" idx="5"/>
+          </p:nvPr>
+        </p:nvSpPr>
+        <p:spPr>
+          <a:xfrm>
+            <a:off x="3884613" y="8685213"/>
+            <a:ext cx="2971800" cy="458787"/>
+          </a:xfrm>
+          <a:prstGeom prst="rect">
+            <a:avLst/>
+          </a:prstGeom>
+        </p:spPr>
+        <p:txBody>
+          <a:bodyPr vert="horz" lIns="91440" tIns="45720" rIns="91440" bIns="45720" rtlCol="0" anchor="b"/>
+          <a:lstStyle>
+            <a:lvl1pPr algn="r">
+              <a:defRPr sz="1200"/>
+            </a:lvl1pPr>
+          </a:lstStyle>
+          <a:p>
+            <a:fld id="{219F90D2-60C2-44BC-8039-AC2405A88F9D}" type="slidenum">
+              <a:rPr lang="ru-RU" smtClean="0"/>
+              <a:t>‹#›</a:t>
+            </a:fld>
+            <a:endParaRPr lang="ru-RU"/>
+          </a:p>
+        </p:txBody>
+      </p:sp>
+    </p:spTree>
+    <p:extLst>
+      <p:ext uri="{BB962C8B-B14F-4D97-AF65-F5344CB8AC3E}">
+        <p14:creationId xmlns:p14="http://schemas.microsoft.com/office/powerpoint/2010/main" val="2502509128"/>
+      </p:ext>
+    </p:extLst>
+  </p:cSld>
+  <p:clrMap bg1="lt1" tx1="dk1" bg2="lt2" tx2="dk2" accent1="accent1" accent2="accent2" accent3="accent3" accent4="accent4" accent5="accent5" accent6="accent6" hlink="hlink" folHlink="folHlink"/>
+  <p:notesStyle>
+    <a:lvl1pPr marL="0" algn="l" defTabSz="914400" rtl="0" eaLnBrk="1" latinLnBrk="0" hangingPunct="1">
+      <a:defRPr sz="1200" kern="1200">
+        <a:solidFill>
+          <a:schemeClr val="tx1"/>
+        </a:solidFill>
+        <a:latin typeface="+mn-lt"/>
+        <a:ea typeface="+mn-ea"/>
+        <a:cs typeface="+mn-cs"/>
+      </a:defRPr>
+    </a:lvl1pPr>
+    <a:lvl2pPr marL="457200" algn="l" defTabSz="914400" rtl="0" eaLnBrk="1" latinLnBrk="0" hangingPunct="1">
+      <a:defRPr sz="1200" kern="1200">
+        <a:solidFill>
+          <a:schemeClr val="tx1"/>
+        </a:solidFill>
+        <a:latin typeface="+mn-lt"/>
+        <a:ea typeface="+mn-ea"/>
+        <a:cs typeface="+mn-cs"/>
+      </a:defRPr>
+    </a:lvl2pPr>
+    <a:lvl3pPr marL="914400" algn="l" defTabSz="914400" rtl="0" eaLnBrk="1" latinLnBrk="0" hangingPunct="1">
+      <a:defRPr sz="1200" kern="1200">
+        <a:solidFill>
+          <a:schemeClr val="tx1"/>
+        </a:solidFill>
+        <a:latin typeface="+mn-lt"/>
+        <a:ea typeface="+mn-ea"/>
+        <a:cs typeface="+mn-cs"/>
+      </a:defRPr>
+    </a:lvl3pPr>
+    <a:lvl4pPr marL="1371600" algn="l" defTabSz="914400" rtl="0" eaLnBrk="1" latinLnBrk="0" hangingPunct="1">
+      <a:defRPr sz="1200" kern="1200">
+        <a:solidFill>
+          <a:schemeClr val="tx1"/>
+        </a:solidFill>
+        <a:latin typeface="+mn-lt"/>
+        <a:ea typeface="+mn-ea"/>
+        <a:cs typeface="+mn-cs"/>
+      </a:defRPr>
+    </a:lvl4pPr>
+    <a:lvl5pPr marL="1828800" algn="l" defTabSz="914400" rtl="0" eaLnBrk="1" latinLnBrk="0" hangingPunct="1">
+      <a:defRPr sz="1200" kern="1200">
+        <a:solidFill>
+          <a:schemeClr val="tx1"/>
+        </a:solidFill>
+        <a:latin typeface="+mn-lt"/>
+        <a:ea typeface="+mn-ea"/>
+        <a:cs typeface="+mn-cs"/>
+      </a:defRPr>
+    </a:lvl5pPr>
+    <a:lvl6pPr marL="2286000" algn="l" defTabSz="914400" rtl="0" eaLnBrk="1" latinLnBrk="0" hangingPunct="1">
+      <a:defRPr sz="1200" kern="1200">
+        <a:solidFill>
+          <a:schemeClr val="tx1"/>
+        </a:solidFill>
+        <a:latin typeface="+mn-lt"/>
+        <a:ea typeface="+mn-ea"/>
+        <a:cs typeface="+mn-cs"/>
+      </a:defRPr>
+    </a:lvl6pPr>
+    <a:lvl7pPr marL="2743200" algn="l" defTabSz="914400" rtl="0" eaLnBrk="1" latinLnBrk="0" hangingPunct="1">
+      <a:defRPr sz="1200" kern="1200">
+        <a:solidFill>
+          <a:schemeClr val="tx1"/>
+        </a:solidFill>
+        <a:latin typeface="+mn-lt"/>
+        <a:ea typeface="+mn-ea"/>
+        <a:cs typeface="+mn-cs"/>
+      </a:defRPr>
+    </a:lvl7pPr>
+    <a:lvl8pPr marL="3200400" algn="l" defTabSz="914400" rtl="0" eaLnBrk="1" latinLnBrk="0" hangingPunct="1">
+      <a:defRPr sz="1200" kern="1200">
+        <a:solidFill>
+          <a:schemeClr val="tx1"/>
+        </a:solidFill>
+        <a:latin typeface="+mn-lt"/>
+        <a:ea typeface="+mn-ea"/>
+        <a:cs typeface="+mn-cs"/>
+      </a:defRPr>
+    </a:lvl8pPr>
+    <a:lvl9pPr marL="3657600" algn="l" defTabSz="914400" rtl="0" eaLnBrk="1" latinLnBrk="0" hangingPunct="1">
+      <a:defRPr sz="1200" kern="1200">
+        <a:solidFill>
+          <a:schemeClr val="tx1"/>
+        </a:solidFill>
+        <a:latin typeface="+mn-lt"/>
+        <a:ea typeface="+mn-ea"/>
+        <a:cs typeface="+mn-cs"/>
+      </a:defRPr>
+    </a:lvl9pPr>
+  </p:notesStyle>
+</p:notesMaster>
+</file>
+
+<file path=ppt/notesSlides/notesSlide1.xml><?xml version="1.0" encoding="utf-8"?>
+<p:notes xmlns:a="http://schemas.openxmlformats.org/drawingml/2006/main" xmlns:r="http://schemas.openxmlformats.org/officeDocument/2006/relationships" xmlns:p="http://schemas.openxmlformats.org/presentationml/2006/main">
+  <p:cSld>
+    <p:spTree>
+      <p:nvGrpSpPr>
+        <p:cNvPr id="1" name=""/>
+        <p:cNvGrpSpPr/>
+        <p:nvPr/>
+      </p:nvGrpSpPr>
+      <p:grpSpPr>
+        <a:xfrm>
+          <a:off x="0" y="0"/>
+          <a:ext cx="0" cy="0"/>
+          <a:chOff x="0" y="0"/>
+          <a:chExt cx="0" cy="0"/>
+        </a:xfrm>
+      </p:grpSpPr>
+      <p:sp>
+        <p:nvSpPr>
+          <p:cNvPr id="2" name="Образ слайда 1"/>
+          <p:cNvSpPr>
+            <a:spLocks noGrp="1" noRot="1" noChangeAspect="1"/>
+          </p:cNvSpPr>
+          <p:nvPr>
+            <p:ph type="sldImg"/>
+          </p:nvPr>
+        </p:nvSpPr>
+        <p:spPr/>
+      </p:sp>
+      <p:sp>
+        <p:nvSpPr>
+          <p:cNvPr id="3" name="Заметки 2"/>
+          <p:cNvSpPr>
+            <a:spLocks noGrp="1"/>
+          </p:cNvSpPr>
+          <p:nvPr>
+            <p:ph type="body" idx="1"/>
+          </p:nvPr>
+        </p:nvSpPr>
+        <p:spPr/>
+        <p:txBody>
+          <a:bodyPr/>
+          <a:lstStyle/>
+          <a:p>
+            <a:endParaRPr lang="ru-RU" dirty="0"/>
+          </a:p>
+        </p:txBody>
+      </p:sp>
+      <p:sp>
+        <p:nvSpPr>
+          <p:cNvPr id="4" name="Номер слайда 3"/>
+          <p:cNvSpPr>
+            <a:spLocks noGrp="1"/>
+          </p:cNvSpPr>
+          <p:nvPr>
+            <p:ph type="sldNum" sz="quarter" idx="5"/>
+          </p:nvPr>
+        </p:nvSpPr>
+        <p:spPr/>
+        <p:txBody>
+          <a:bodyPr/>
+          <a:lstStyle/>
+          <a:p>
+            <a:fld id="{549F299E-BC29-4E8C-81AD-DAA5C8B84D4A}" type="slidenum">
+              <a:rPr lang="ru-RU" smtClean="0"/>
+              <a:t>13</a:t>
+            </a:fld>
+            <a:endParaRPr lang="ru-RU"/>
+          </a:p>
+        </p:txBody>
+      </p:sp>
+    </p:spTree>
+    <p:extLst>
+      <p:ext uri="{BB962C8B-B14F-4D97-AF65-F5344CB8AC3E}">
+        <p14:creationId xmlns:p14="http://schemas.microsoft.com/office/powerpoint/2010/main" val="3972558591"/>
+      </p:ext>
+    </p:extLst>
+  </p:cSld>
+  <p:clrMapOvr>
+    <a:masterClrMapping/>
+  </p:clrMapOvr>
+</p:notes>
+</file>
+
 <file path=ppt/slideLayouts/slideLayout1.xml><?xml version="1.0" encoding="utf-8"?>
 <p:sldLayout xmlns:a="http://schemas.openxmlformats.org/drawingml/2006/main" xmlns:r="http://schemas.openxmlformats.org/officeDocument/2006/relationships" xmlns:p="http://schemas.openxmlformats.org/presentationml/2006/main" type="title" preserve="1">
   <p:cSld name="Титульный слайд">
@@ -279,7 +717,7 @@
           <a:p>
             <a:fld id="{846093D9-F444-4FAD-BC44-82FCF8E2D7DB}" type="datetimeFigureOut">
               <a:rPr lang="ru-RU" smtClean="0"/>
-              <a:t>04.06.2025</a:t>
+              <a:t>05.06.2025</a:t>
             </a:fld>
             <a:endParaRPr lang="ru-RU"/>
           </a:p>
@@ -477,7 +915,7 @@
           <a:p>
             <a:fld id="{846093D9-F444-4FAD-BC44-82FCF8E2D7DB}" type="datetimeFigureOut">
               <a:rPr lang="ru-RU" smtClean="0"/>
-              <a:t>04.06.2025</a:t>
+              <a:t>05.06.2025</a:t>
             </a:fld>
             <a:endParaRPr lang="ru-RU"/>
           </a:p>
@@ -685,7 +1123,7 @@
           <a:p>
             <a:fld id="{846093D9-F444-4FAD-BC44-82FCF8E2D7DB}" type="datetimeFigureOut">
               <a:rPr lang="ru-RU" smtClean="0"/>
-              <a:t>04.06.2025</a:t>
+              <a:t>05.06.2025</a:t>
             </a:fld>
             <a:endParaRPr lang="ru-RU"/>
           </a:p>
@@ -883,7 +1321,7 @@
           <a:p>
             <a:fld id="{846093D9-F444-4FAD-BC44-82FCF8E2D7DB}" type="datetimeFigureOut">
               <a:rPr lang="ru-RU" smtClean="0"/>
-              <a:t>04.06.2025</a:t>
+              <a:t>05.06.2025</a:t>
             </a:fld>
             <a:endParaRPr lang="ru-RU"/>
           </a:p>
@@ -1158,7 +1596,7 @@
           <a:p>
             <a:fld id="{846093D9-F444-4FAD-BC44-82FCF8E2D7DB}" type="datetimeFigureOut">
               <a:rPr lang="ru-RU" smtClean="0"/>
-              <a:t>04.06.2025</a:t>
+              <a:t>05.06.2025</a:t>
             </a:fld>
             <a:endParaRPr lang="ru-RU"/>
           </a:p>
@@ -1423,7 +1861,7 @@
           <a:p>
             <a:fld id="{846093D9-F444-4FAD-BC44-82FCF8E2D7DB}" type="datetimeFigureOut">
               <a:rPr lang="ru-RU" smtClean="0"/>
-              <a:t>04.06.2025</a:t>
+              <a:t>05.06.2025</a:t>
             </a:fld>
             <a:endParaRPr lang="ru-RU"/>
           </a:p>
@@ -1835,7 +2273,7 @@
           <a:p>
             <a:fld id="{846093D9-F444-4FAD-BC44-82FCF8E2D7DB}" type="datetimeFigureOut">
               <a:rPr lang="ru-RU" smtClean="0"/>
-              <a:t>04.06.2025</a:t>
+              <a:t>05.06.2025</a:t>
             </a:fld>
             <a:endParaRPr lang="ru-RU"/>
           </a:p>
@@ -1976,7 +2414,7 @@
           <a:p>
             <a:fld id="{846093D9-F444-4FAD-BC44-82FCF8E2D7DB}" type="datetimeFigureOut">
               <a:rPr lang="ru-RU" smtClean="0"/>
-              <a:t>04.06.2025</a:t>
+              <a:t>05.06.2025</a:t>
             </a:fld>
             <a:endParaRPr lang="ru-RU"/>
           </a:p>
@@ -2089,7 +2527,7 @@
           <a:p>
             <a:fld id="{846093D9-F444-4FAD-BC44-82FCF8E2D7DB}" type="datetimeFigureOut">
               <a:rPr lang="ru-RU" smtClean="0"/>
-              <a:t>04.06.2025</a:t>
+              <a:t>05.06.2025</a:t>
             </a:fld>
             <a:endParaRPr lang="ru-RU"/>
           </a:p>
@@ -2400,7 +2838,7 @@
           <a:p>
             <a:fld id="{846093D9-F444-4FAD-BC44-82FCF8E2D7DB}" type="datetimeFigureOut">
               <a:rPr lang="ru-RU" smtClean="0"/>
-              <a:t>04.06.2025</a:t>
+              <a:t>05.06.2025</a:t>
             </a:fld>
             <a:endParaRPr lang="ru-RU"/>
           </a:p>
@@ -2688,7 +3126,7 @@
           <a:p>
             <a:fld id="{846093D9-F444-4FAD-BC44-82FCF8E2D7DB}" type="datetimeFigureOut">
               <a:rPr lang="ru-RU" smtClean="0"/>
-              <a:t>04.06.2025</a:t>
+              <a:t>05.06.2025</a:t>
             </a:fld>
             <a:endParaRPr lang="ru-RU"/>
           </a:p>
@@ -2929,7 +3367,7 @@
           <a:p>
             <a:fld id="{846093D9-F444-4FAD-BC44-82FCF8E2D7DB}" type="datetimeFigureOut">
               <a:rPr lang="ru-RU" smtClean="0"/>
-              <a:t>04.06.2025</a:t>
+              <a:t>05.06.2025</a:t>
             </a:fld>
             <a:endParaRPr lang="ru-RU"/>
           </a:p>
@@ -3828,7 +4266,7 @@
         <p:cNvPr id="1" name="">
           <a:extLst>
             <a:ext uri="{FF2B5EF4-FFF2-40B4-BE49-F238E27FC236}">
-              <a16:creationId xmlns:a16="http://schemas.microsoft.com/office/drawing/2014/main" id="{23FA106F-4F80-E868-99AA-BA824C5C49FD}"/>
+              <a16:creationId xmlns:a16="http://schemas.microsoft.com/office/drawing/2014/main" id="{C24AFF42-AC00-FA0F-4FA4-CB21C4B43F28}"/>
             </a:ext>
           </a:extLst>
         </p:cNvPr>
@@ -3848,7 +4286,7 @@
           <p:cNvPr id="2" name="Рамка 1">
             <a:extLst>
               <a:ext uri="{FF2B5EF4-FFF2-40B4-BE49-F238E27FC236}">
-                <a16:creationId xmlns:a16="http://schemas.microsoft.com/office/drawing/2014/main" id="{A5CF5D38-12D2-06CA-1246-67C1AE661BD6}"/>
+                <a16:creationId xmlns:a16="http://schemas.microsoft.com/office/drawing/2014/main" id="{26E1818D-2E7E-2509-0DC4-49BF8AB7C53B}"/>
               </a:ext>
             </a:extLst>
           </p:cNvPr>
@@ -3908,205 +4346,6 @@
           <p:cNvPr id="11" name="Заголовок 6">
             <a:extLst>
               <a:ext uri="{FF2B5EF4-FFF2-40B4-BE49-F238E27FC236}">
-                <a16:creationId xmlns:a16="http://schemas.microsoft.com/office/drawing/2014/main" id="{F53FFCB9-7C46-BB16-D2BF-A7B0E30614CB}"/>
-              </a:ext>
-            </a:extLst>
-          </p:cNvPr>
-          <p:cNvSpPr>
-            <a:spLocks noGrp="1"/>
-          </p:cNvSpPr>
-          <p:nvPr>
-            <p:ph type="title"/>
-          </p:nvPr>
-        </p:nvSpPr>
-        <p:spPr>
-          <a:xfrm>
-            <a:off x="2110000" y="475816"/>
-            <a:ext cx="7972000" cy="634082"/>
-          </a:xfrm>
-        </p:spPr>
-        <p:txBody>
-          <a:bodyPr vert="horz" lIns="91440" tIns="45720" rIns="91440" bIns="45720" rtlCol="0" anchor="ctr">
-            <a:normAutofit/>
-          </a:bodyPr>
-          <a:lstStyle/>
-          <a:p>
-            <a:pPr algn="ctr"/>
-            <a:r>
-              <a:rPr lang="ru-RU" sz="3200" b="1" dirty="0">
-                <a:solidFill>
-                  <a:srgbClr val="9B2D1F"/>
-                </a:solidFill>
-                <a:latin typeface="Arial"/>
-                <a:cs typeface="Arial"/>
-              </a:rPr>
-              <a:t>ВЕРСТКА ПРОФИЛЯ</a:t>
-            </a:r>
-            <a:endParaRPr lang="ru-RU"/>
-          </a:p>
-        </p:txBody>
-      </p:sp>
-      <p:pic>
-        <p:nvPicPr>
-          <p:cNvPr id="3" name="Рисунок 2" descr="Изображение выглядит как текст, снимок экрана&#10;&#10;Содержимое, созданное искусственным интеллектом, может быть неверным.">
-            <a:extLst>
-              <a:ext uri="{FF2B5EF4-FFF2-40B4-BE49-F238E27FC236}">
-                <a16:creationId xmlns:a16="http://schemas.microsoft.com/office/drawing/2014/main" id="{19088A25-7D79-B5F5-669F-CB80BE7B03B7}"/>
-              </a:ext>
-            </a:extLst>
-          </p:cNvPr>
-          <p:cNvPicPr>
-            <a:picLocks noChangeAspect="1"/>
-          </p:cNvPicPr>
-          <p:nvPr/>
-        </p:nvPicPr>
-        <p:blipFill>
-          <a:blip r:embed="rId2"/>
-          <a:stretch>
-            <a:fillRect/>
-          </a:stretch>
-        </p:blipFill>
-        <p:spPr>
-          <a:xfrm>
-            <a:off x="954196" y="1712478"/>
-            <a:ext cx="5137498" cy="3767073"/>
-          </a:xfrm>
-          <a:prstGeom prst="rect">
-            <a:avLst/>
-          </a:prstGeom>
-        </p:spPr>
-      </p:pic>
-      <p:pic>
-        <p:nvPicPr>
-          <p:cNvPr id="6" name="Рисунок 5" descr="Изображение выглядит как текст, снимок экрана&#10;&#10;Содержимое, созданное искусственным интеллектом, может быть неверным.">
-            <a:extLst>
-              <a:ext uri="{FF2B5EF4-FFF2-40B4-BE49-F238E27FC236}">
-                <a16:creationId xmlns:a16="http://schemas.microsoft.com/office/drawing/2014/main" id="{6B5779B6-A723-B929-5FCA-C9B0C421A88A}"/>
-              </a:ext>
-            </a:extLst>
-          </p:cNvPr>
-          <p:cNvPicPr>
-            <a:picLocks noChangeAspect="1"/>
-          </p:cNvPicPr>
-          <p:nvPr/>
-        </p:nvPicPr>
-        <p:blipFill>
-          <a:blip r:embed="rId3"/>
-          <a:stretch>
-            <a:fillRect/>
-          </a:stretch>
-        </p:blipFill>
-        <p:spPr>
-          <a:xfrm>
-            <a:off x="6276518" y="1416029"/>
-            <a:ext cx="5588827" cy="4359971"/>
-          </a:xfrm>
-          <a:prstGeom prst="rect">
-            <a:avLst/>
-          </a:prstGeom>
-        </p:spPr>
-      </p:pic>
-    </p:spTree>
-    <p:extLst>
-      <p:ext uri="{BB962C8B-B14F-4D97-AF65-F5344CB8AC3E}">
-        <p14:creationId xmlns:p14="http://schemas.microsoft.com/office/powerpoint/2010/main" val="3925909502"/>
-      </p:ext>
-    </p:extLst>
-  </p:cSld>
-  <p:clrMapOvr>
-    <a:masterClrMapping/>
-  </p:clrMapOvr>
-</p:sld>
-</file>
-
-<file path=ppt/slides/slide11.xml><?xml version="1.0" encoding="utf-8"?>
-<p:sld xmlns:a="http://schemas.openxmlformats.org/drawingml/2006/main" xmlns:r="http://schemas.openxmlformats.org/officeDocument/2006/relationships" xmlns:p="http://schemas.openxmlformats.org/presentationml/2006/main">
-  <p:cSld>
-    <p:spTree>
-      <p:nvGrpSpPr>
-        <p:cNvPr id="1" name="">
-          <a:extLst>
-            <a:ext uri="{FF2B5EF4-FFF2-40B4-BE49-F238E27FC236}">
-              <a16:creationId xmlns:a16="http://schemas.microsoft.com/office/drawing/2014/main" id="{C24AFF42-AC00-FA0F-4FA4-CB21C4B43F28}"/>
-            </a:ext>
-          </a:extLst>
-        </p:cNvPr>
-        <p:cNvGrpSpPr/>
-        <p:nvPr/>
-      </p:nvGrpSpPr>
-      <p:grpSpPr>
-        <a:xfrm>
-          <a:off x="0" y="0"/>
-          <a:ext cx="0" cy="0"/>
-          <a:chOff x="0" y="0"/>
-          <a:chExt cx="0" cy="0"/>
-        </a:xfrm>
-      </p:grpSpPr>
-      <p:sp>
-        <p:nvSpPr>
-          <p:cNvPr id="2" name="Рамка 1">
-            <a:extLst>
-              <a:ext uri="{FF2B5EF4-FFF2-40B4-BE49-F238E27FC236}">
-                <a16:creationId xmlns:a16="http://schemas.microsoft.com/office/drawing/2014/main" id="{26E1818D-2E7E-2509-0DC4-49BF8AB7C53B}"/>
-              </a:ext>
-            </a:extLst>
-          </p:cNvPr>
-          <p:cNvSpPr/>
-          <p:nvPr/>
-        </p:nvSpPr>
-        <p:spPr>
-          <a:xfrm>
-            <a:off x="0" y="0"/>
-            <a:ext cx="12192000" cy="6858000"/>
-          </a:xfrm>
-          <a:prstGeom prst="frame">
-            <a:avLst>
-              <a:gd name="adj1" fmla="val 2233"/>
-            </a:avLst>
-          </a:prstGeom>
-          <a:solidFill>
-            <a:srgbClr val="9B2D1F"/>
-          </a:solidFill>
-          <a:ln>
-            <a:solidFill>
-              <a:srgbClr val="9B2D1F"/>
-            </a:solidFill>
-          </a:ln>
-        </p:spPr>
-        <p:style>
-          <a:lnRef idx="2">
-            <a:schemeClr val="accent1">
-              <a:shade val="15000"/>
-            </a:schemeClr>
-          </a:lnRef>
-          <a:fillRef idx="1">
-            <a:schemeClr val="accent1"/>
-          </a:fillRef>
-          <a:effectRef idx="0">
-            <a:schemeClr val="accent1"/>
-          </a:effectRef>
-          <a:fontRef idx="minor">
-            <a:schemeClr val="lt1"/>
-          </a:fontRef>
-        </p:style>
-        <p:txBody>
-          <a:bodyPr rtlCol="0" anchor="ctr"/>
-          <a:lstStyle/>
-          <a:p>
-            <a:pPr algn="ctr"/>
-            <a:endParaRPr lang="ru-RU">
-              <a:solidFill>
-                <a:schemeClr val="tx1"/>
-              </a:solidFill>
-            </a:endParaRPr>
-          </a:p>
-        </p:txBody>
-      </p:sp>
-      <p:sp>
-        <p:nvSpPr>
-          <p:cNvPr id="11" name="Заголовок 6">
-            <a:extLst>
-              <a:ext uri="{FF2B5EF4-FFF2-40B4-BE49-F238E27FC236}">
                 <a16:creationId xmlns:a16="http://schemas.microsoft.com/office/drawing/2014/main" id="{829483EA-8117-E717-5FA0-73E43AD38B9C}"/>
               </a:ext>
             </a:extLst>
@@ -4301,7 +4540,7 @@
 </p:sld>
 </file>
 
-<file path=ppt/slides/slide12.xml><?xml version="1.0" encoding="utf-8"?>
+<file path=ppt/slides/slide11.xml><?xml version="1.0" encoding="utf-8"?>
 <p:sld xmlns:a="http://schemas.openxmlformats.org/drawingml/2006/main" xmlns:r="http://schemas.openxmlformats.org/officeDocument/2006/relationships" xmlns:p="http://schemas.openxmlformats.org/presentationml/2006/main">
   <p:cSld>
     <p:spTree>
@@ -4549,7 +4788,7 @@
 </p:sld>
 </file>
 
-<file path=ppt/slides/slide13.xml><?xml version="1.0" encoding="utf-8"?>
+<file path=ppt/slides/slide12.xml><?xml version="1.0" encoding="utf-8"?>
 <p:sld xmlns:a="http://schemas.openxmlformats.org/drawingml/2006/main" xmlns:r="http://schemas.openxmlformats.org/officeDocument/2006/relationships" xmlns:p="http://schemas.openxmlformats.org/presentationml/2006/main">
   <p:cSld>
     <p:spTree>
@@ -4769,6 +5008,1129 @@
     <p:extLst>
       <p:ext uri="{BB962C8B-B14F-4D97-AF65-F5344CB8AC3E}">
         <p14:creationId xmlns:p14="http://schemas.microsoft.com/office/powerpoint/2010/main" val="2061596081"/>
+      </p:ext>
+    </p:extLst>
+  </p:cSld>
+  <p:clrMapOvr>
+    <a:masterClrMapping/>
+  </p:clrMapOvr>
+</p:sld>
+</file>
+
+<file path=ppt/slides/slide13.xml><?xml version="1.0" encoding="utf-8"?>
+<p:sld xmlns:a="http://schemas.openxmlformats.org/drawingml/2006/main" xmlns:r="http://schemas.openxmlformats.org/officeDocument/2006/relationships" xmlns:p="http://schemas.openxmlformats.org/presentationml/2006/main">
+  <p:cSld>
+    <p:spTree>
+      <p:nvGrpSpPr>
+        <p:cNvPr id="1" name="">
+          <a:extLst>
+            <a:ext uri="{FF2B5EF4-FFF2-40B4-BE49-F238E27FC236}">
+              <a16:creationId xmlns:a16="http://schemas.microsoft.com/office/drawing/2014/main" id="{D17A73DB-1D6B-E53B-88EF-735F17FFB703}"/>
+            </a:ext>
+          </a:extLst>
+        </p:cNvPr>
+        <p:cNvGrpSpPr/>
+        <p:nvPr/>
+      </p:nvGrpSpPr>
+      <p:grpSpPr>
+        <a:xfrm>
+          <a:off x="0" y="0"/>
+          <a:ext cx="0" cy="0"/>
+          <a:chOff x="0" y="0"/>
+          <a:chExt cx="0" cy="0"/>
+        </a:xfrm>
+      </p:grpSpPr>
+      <p:sp>
+        <p:nvSpPr>
+          <p:cNvPr id="2" name="Рамка 1">
+            <a:extLst>
+              <a:ext uri="{FF2B5EF4-FFF2-40B4-BE49-F238E27FC236}">
+                <a16:creationId xmlns:a16="http://schemas.microsoft.com/office/drawing/2014/main" id="{E445C8AA-A29F-1A51-A57D-A3E265D4FFC5}"/>
+              </a:ext>
+            </a:extLst>
+          </p:cNvPr>
+          <p:cNvSpPr/>
+          <p:nvPr/>
+        </p:nvSpPr>
+        <p:spPr>
+          <a:xfrm>
+            <a:off x="0" y="0"/>
+            <a:ext cx="12192000" cy="6858000"/>
+          </a:xfrm>
+          <a:prstGeom prst="frame">
+            <a:avLst>
+              <a:gd name="adj1" fmla="val 2233"/>
+            </a:avLst>
+          </a:prstGeom>
+          <a:solidFill>
+            <a:srgbClr val="9B2D1F"/>
+          </a:solidFill>
+          <a:ln>
+            <a:solidFill>
+              <a:srgbClr val="9B2D1F"/>
+            </a:solidFill>
+          </a:ln>
+        </p:spPr>
+        <p:style>
+          <a:lnRef idx="2">
+            <a:schemeClr val="accent1">
+              <a:shade val="15000"/>
+            </a:schemeClr>
+          </a:lnRef>
+          <a:fillRef idx="1">
+            <a:schemeClr val="accent1"/>
+          </a:fillRef>
+          <a:effectRef idx="0">
+            <a:schemeClr val="accent1"/>
+          </a:effectRef>
+          <a:fontRef idx="minor">
+            <a:schemeClr val="lt1"/>
+          </a:fontRef>
+        </p:style>
+        <p:txBody>
+          <a:bodyPr rtlCol="0" anchor="ctr"/>
+          <a:lstStyle/>
+          <a:p>
+            <a:pPr algn="ctr"/>
+            <a:endParaRPr lang="ru-RU">
+              <a:solidFill>
+                <a:schemeClr val="tx1"/>
+              </a:solidFill>
+            </a:endParaRPr>
+          </a:p>
+        </p:txBody>
+      </p:sp>
+      <p:sp>
+        <p:nvSpPr>
+          <p:cNvPr id="11" name="Заголовок 6">
+            <a:extLst>
+              <a:ext uri="{FF2B5EF4-FFF2-40B4-BE49-F238E27FC236}">
+                <a16:creationId xmlns:a16="http://schemas.microsoft.com/office/drawing/2014/main" id="{BA365844-923A-D917-776C-D7484F1F6ECC}"/>
+              </a:ext>
+            </a:extLst>
+          </p:cNvPr>
+          <p:cNvSpPr>
+            <a:spLocks noGrp="1"/>
+          </p:cNvSpPr>
+          <p:nvPr>
+            <p:ph type="title"/>
+          </p:nvPr>
+        </p:nvSpPr>
+        <p:spPr>
+          <a:xfrm>
+            <a:off x="4755272" y="306448"/>
+            <a:ext cx="3376400" cy="634082"/>
+          </a:xfrm>
+        </p:spPr>
+        <p:txBody>
+          <a:bodyPr vert="horz" lIns="91440" tIns="45720" rIns="91440" bIns="45720" rtlCol="0" anchor="ctr">
+            <a:normAutofit/>
+          </a:bodyPr>
+          <a:lstStyle/>
+          <a:p>
+            <a:r>
+              <a:rPr lang="ru-RU" sz="3200" b="1" dirty="0">
+                <a:solidFill>
+                  <a:srgbClr val="9B2D1F"/>
+                </a:solidFill>
+                <a:latin typeface="Arial" panose="020B0604020202020204" pitchFamily="34" charset="0"/>
+                <a:cs typeface="Arial" panose="020B0604020202020204" pitchFamily="34" charset="0"/>
+              </a:rPr>
+              <a:t>КОД ПРЮФЕРА</a:t>
+            </a:r>
+          </a:p>
+        </p:txBody>
+      </p:sp>
+      <p:sp>
+        <p:nvSpPr>
+          <p:cNvPr id="4" name="TextBox 3">
+            <a:extLst>
+              <a:ext uri="{FF2B5EF4-FFF2-40B4-BE49-F238E27FC236}">
+                <a16:creationId xmlns:a16="http://schemas.microsoft.com/office/drawing/2014/main" id="{D5C60369-45CE-2446-A65E-1911A3907ADB}"/>
+              </a:ext>
+            </a:extLst>
+          </p:cNvPr>
+          <p:cNvSpPr txBox="1"/>
+          <p:nvPr/>
+        </p:nvSpPr>
+        <p:spPr>
+          <a:xfrm>
+            <a:off x="403860" y="1464097"/>
+            <a:ext cx="5692140" cy="4796185"/>
+          </a:xfrm>
+          <a:prstGeom prst="rect">
+            <a:avLst/>
+          </a:prstGeom>
+          <a:noFill/>
+        </p:spPr>
+        <p:txBody>
+          <a:bodyPr wrap="square">
+            <a:spAutoFit/>
+          </a:bodyPr>
+          <a:lstStyle/>
+          <a:p>
+            <a:pPr indent="450215" algn="just">
+              <a:buNone/>
+            </a:pPr>
+            <a:r>
+              <a:rPr lang="ru-RU" sz="1800" b="1" dirty="0">
+                <a:effectLst/>
+                <a:latin typeface="Arial" panose="020B0604020202020204" pitchFamily="34" charset="0"/>
+                <a:ea typeface="Calibri" panose="020F0502020204030204" pitchFamily="34" charset="0"/>
+                <a:cs typeface="Arial" panose="020B0604020202020204" pitchFamily="34" charset="0"/>
+              </a:rPr>
+              <a:t>Что делает: </a:t>
+            </a:r>
+            <a:r>
+              <a:rPr lang="ru-RU" sz="1800" dirty="0">
+                <a:effectLst/>
+                <a:latin typeface="Arial" panose="020B0604020202020204" pitchFamily="34" charset="0"/>
+                <a:ea typeface="Calibri" panose="020F0502020204030204" pitchFamily="34" charset="0"/>
+                <a:cs typeface="Arial" panose="020B0604020202020204" pitchFamily="34" charset="0"/>
+              </a:rPr>
+              <a:t>преобразует дерево (заданное списком рёбер) в уникальную числовую последовательность.</a:t>
+            </a:r>
+          </a:p>
+          <a:p>
+            <a:pPr indent="450215" algn="just">
+              <a:lnSpc>
+                <a:spcPct val="150000"/>
+              </a:lnSpc>
+              <a:buNone/>
+            </a:pPr>
+            <a:endParaRPr lang="ru-RU" sz="1800" dirty="0">
+              <a:effectLst/>
+              <a:latin typeface="Arial" panose="020B0604020202020204" pitchFamily="34" charset="0"/>
+              <a:ea typeface="Calibri" panose="020F0502020204030204" pitchFamily="34" charset="0"/>
+              <a:cs typeface="Arial" panose="020B0604020202020204" pitchFamily="34" charset="0"/>
+            </a:endParaRPr>
+          </a:p>
+          <a:p>
+            <a:pPr indent="450215" algn="just">
+              <a:lnSpc>
+                <a:spcPct val="150000"/>
+              </a:lnSpc>
+              <a:buNone/>
+            </a:pPr>
+            <a:r>
+              <a:rPr lang="ru-RU" sz="1800" b="1" dirty="0">
+                <a:effectLst/>
+                <a:latin typeface="Arial" panose="020B0604020202020204" pitchFamily="34" charset="0"/>
+                <a:ea typeface="Calibri" panose="020F0502020204030204" pitchFamily="34" charset="0"/>
+                <a:cs typeface="Arial" panose="020B0604020202020204" pitchFamily="34" charset="0"/>
+              </a:rPr>
+              <a:t>Как работает:</a:t>
+            </a:r>
+          </a:p>
+          <a:p>
+            <a:pPr indent="450215" algn="just">
+              <a:lnSpc>
+                <a:spcPct val="150000"/>
+              </a:lnSpc>
+              <a:buNone/>
+            </a:pPr>
+            <a:endParaRPr lang="ru-RU" sz="1800" dirty="0">
+              <a:effectLst/>
+              <a:latin typeface="Arial" panose="020B0604020202020204" pitchFamily="34" charset="0"/>
+              <a:ea typeface="Calibri" panose="020F0502020204030204" pitchFamily="34" charset="0"/>
+              <a:cs typeface="Arial" panose="020B0604020202020204" pitchFamily="34" charset="0"/>
+            </a:endParaRPr>
+          </a:p>
+          <a:p>
+            <a:pPr marL="342900" lvl="0" indent="-342900" algn="l">
+              <a:spcAft>
+                <a:spcPts val="800"/>
+              </a:spcAft>
+              <a:buSzPts val="1400"/>
+              <a:buFont typeface="+mj-lt"/>
+              <a:buAutoNum type="arabicPeriod"/>
+              <a:tabLst>
+                <a:tab pos="457200" algn="l"/>
+              </a:tabLst>
+            </a:pPr>
+            <a:r>
+              <a:rPr lang="ru-RU" sz="1800" dirty="0">
+                <a:effectLst/>
+                <a:latin typeface="Arial" panose="020B0604020202020204" pitchFamily="34" charset="0"/>
+                <a:ea typeface="Calibri" panose="020F0502020204030204" pitchFamily="34" charset="0"/>
+                <a:cs typeface="Arial" panose="020B0604020202020204" pitchFamily="34" charset="0"/>
+              </a:rPr>
+              <a:t>Строит список смежности дерева (для каждой вершины хранит список соседей).</a:t>
+            </a:r>
+          </a:p>
+          <a:p>
+            <a:pPr marL="342900" lvl="0" indent="-342900" algn="l">
+              <a:spcAft>
+                <a:spcPts val="800"/>
+              </a:spcAft>
+              <a:buSzPts val="1400"/>
+              <a:buFont typeface="+mj-lt"/>
+              <a:buAutoNum type="arabicPeriod"/>
+              <a:tabLst>
+                <a:tab pos="457200" algn="l"/>
+              </a:tabLst>
+            </a:pPr>
+            <a:r>
+              <a:rPr lang="ru-RU" sz="1800" dirty="0">
+                <a:effectLst/>
+                <a:latin typeface="Arial" panose="020B0604020202020204" pitchFamily="34" charset="0"/>
+                <a:ea typeface="Calibri" panose="020F0502020204030204" pitchFamily="34" charset="0"/>
+                <a:cs typeface="Arial" panose="020B0604020202020204" pitchFamily="34" charset="0"/>
+              </a:rPr>
+              <a:t>На каждом шаге находит лист с минимальным номером (вершину с одной связью).</a:t>
+            </a:r>
+          </a:p>
+          <a:p>
+            <a:pPr marL="342900" lvl="0" indent="-342900" algn="l">
+              <a:spcAft>
+                <a:spcPts val="800"/>
+              </a:spcAft>
+              <a:buSzPts val="1400"/>
+              <a:buFont typeface="+mj-lt"/>
+              <a:buAutoNum type="arabicPeriod"/>
+              <a:tabLst>
+                <a:tab pos="457200" algn="l"/>
+              </a:tabLst>
+            </a:pPr>
+            <a:r>
+              <a:rPr lang="ru-RU" sz="1800" dirty="0">
+                <a:effectLst/>
+                <a:latin typeface="Arial" panose="020B0604020202020204" pitchFamily="34" charset="0"/>
+                <a:ea typeface="Calibri" panose="020F0502020204030204" pitchFamily="34" charset="0"/>
+                <a:cs typeface="Arial" panose="020B0604020202020204" pitchFamily="34" charset="0"/>
+              </a:rPr>
+              <a:t>Добавляет в код </a:t>
+            </a:r>
+            <a:r>
+              <a:rPr lang="ru-RU" sz="1800" dirty="0" err="1">
+                <a:effectLst/>
+                <a:latin typeface="Arial" panose="020B0604020202020204" pitchFamily="34" charset="0"/>
+                <a:ea typeface="Calibri" panose="020F0502020204030204" pitchFamily="34" charset="0"/>
+                <a:cs typeface="Arial" panose="020B0604020202020204" pitchFamily="34" charset="0"/>
+              </a:rPr>
+              <a:t>Прюфера</a:t>
+            </a:r>
+            <a:r>
+              <a:rPr lang="ru-RU" sz="1800" dirty="0">
+                <a:effectLst/>
+                <a:latin typeface="Arial" panose="020B0604020202020204" pitchFamily="34" charset="0"/>
+                <a:ea typeface="Calibri" panose="020F0502020204030204" pitchFamily="34" charset="0"/>
+                <a:cs typeface="Arial" panose="020B0604020202020204" pitchFamily="34" charset="0"/>
+              </a:rPr>
+              <a:t> номер соседа этого листа.</a:t>
+            </a:r>
+          </a:p>
+          <a:p>
+            <a:pPr marL="342900" lvl="0" indent="-342900" algn="l">
+              <a:spcAft>
+                <a:spcPts val="800"/>
+              </a:spcAft>
+              <a:buSzPts val="1400"/>
+              <a:buFont typeface="+mj-lt"/>
+              <a:buAutoNum type="arabicPeriod"/>
+              <a:tabLst>
+                <a:tab pos="457200" algn="l"/>
+              </a:tabLst>
+            </a:pPr>
+            <a:r>
+              <a:rPr lang="ru-RU" sz="1800" dirty="0">
+                <a:effectLst/>
+                <a:latin typeface="Arial" panose="020B0604020202020204" pitchFamily="34" charset="0"/>
+                <a:ea typeface="Calibri" panose="020F0502020204030204" pitchFamily="34" charset="0"/>
+                <a:cs typeface="Arial" panose="020B0604020202020204" pitchFamily="34" charset="0"/>
+              </a:rPr>
+              <a:t>Удаляет лист из дерева.</a:t>
+            </a:r>
+          </a:p>
+          <a:p>
+            <a:pPr marL="342900" lvl="0" indent="-342900" algn="l">
+              <a:buSzPts val="1400"/>
+              <a:buFont typeface="+mj-lt"/>
+              <a:buAutoNum type="arabicPeriod"/>
+              <a:tabLst>
+                <a:tab pos="457200" algn="l"/>
+              </a:tabLst>
+            </a:pPr>
+            <a:r>
+              <a:rPr lang="ru-RU" sz="1800" dirty="0">
+                <a:effectLst/>
+                <a:latin typeface="Arial" panose="020B0604020202020204" pitchFamily="34" charset="0"/>
+                <a:ea typeface="Calibri" panose="020F0502020204030204" pitchFamily="34" charset="0"/>
+                <a:cs typeface="Arial" panose="020B0604020202020204" pitchFamily="34" charset="0"/>
+              </a:rPr>
+              <a:t>Повторяет, пока не останется 2 вершины.</a:t>
+            </a:r>
+          </a:p>
+        </p:txBody>
+      </p:sp>
+      <p:sp>
+        <p:nvSpPr>
+          <p:cNvPr id="6" name="TextBox 5">
+            <a:extLst>
+              <a:ext uri="{FF2B5EF4-FFF2-40B4-BE49-F238E27FC236}">
+                <a16:creationId xmlns:a16="http://schemas.microsoft.com/office/drawing/2014/main" id="{248B752C-B781-9003-6825-A0D6FF78B027}"/>
+              </a:ext>
+            </a:extLst>
+          </p:cNvPr>
+          <p:cNvSpPr txBox="1"/>
+          <p:nvPr/>
+        </p:nvSpPr>
+        <p:spPr>
+          <a:xfrm>
+            <a:off x="1393698" y="940529"/>
+            <a:ext cx="3712464" cy="456535"/>
+          </a:xfrm>
+          <a:prstGeom prst="rect">
+            <a:avLst/>
+          </a:prstGeom>
+          <a:noFill/>
+        </p:spPr>
+        <p:txBody>
+          <a:bodyPr wrap="square">
+            <a:spAutoFit/>
+          </a:bodyPr>
+          <a:lstStyle/>
+          <a:p>
+            <a:pPr indent="450215" algn="just">
+              <a:lnSpc>
+                <a:spcPct val="150000"/>
+              </a:lnSpc>
+              <a:buNone/>
+            </a:pPr>
+            <a:r>
+              <a:rPr lang="ru-RU" sz="1800" b="1" dirty="0">
+                <a:effectLst/>
+                <a:latin typeface="Arial" panose="020B0604020202020204" pitchFamily="34" charset="0"/>
+                <a:ea typeface="Calibri" panose="020F0502020204030204" pitchFamily="34" charset="0"/>
+                <a:cs typeface="Arial" panose="020B0604020202020204" pitchFamily="34" charset="0"/>
+              </a:rPr>
+              <a:t>Кодирование </a:t>
+            </a:r>
+            <a:r>
+              <a:rPr lang="ru-RU" sz="1800" b="1" dirty="0" err="1">
+                <a:effectLst/>
+                <a:latin typeface="Arial" panose="020B0604020202020204" pitchFamily="34" charset="0"/>
+                <a:ea typeface="Calibri" panose="020F0502020204030204" pitchFamily="34" charset="0"/>
+                <a:cs typeface="Arial" panose="020B0604020202020204" pitchFamily="34" charset="0"/>
+              </a:rPr>
+              <a:t>Прюфера</a:t>
+            </a:r>
+            <a:endParaRPr lang="ru-RU" sz="1800" b="1" dirty="0">
+              <a:effectLst/>
+              <a:latin typeface="Arial" panose="020B0604020202020204" pitchFamily="34" charset="0"/>
+              <a:ea typeface="Calibri" panose="020F0502020204030204" pitchFamily="34" charset="0"/>
+              <a:cs typeface="Arial" panose="020B0604020202020204" pitchFamily="34" charset="0"/>
+            </a:endParaRPr>
+          </a:p>
+        </p:txBody>
+      </p:sp>
+      <p:sp>
+        <p:nvSpPr>
+          <p:cNvPr id="7" name="TextBox 6">
+            <a:extLst>
+              <a:ext uri="{FF2B5EF4-FFF2-40B4-BE49-F238E27FC236}">
+                <a16:creationId xmlns:a16="http://schemas.microsoft.com/office/drawing/2014/main" id="{E69BB9E7-04E2-66AA-502D-0EE075162807}"/>
+              </a:ext>
+            </a:extLst>
+          </p:cNvPr>
+          <p:cNvSpPr txBox="1"/>
+          <p:nvPr/>
+        </p:nvSpPr>
+        <p:spPr>
+          <a:xfrm>
+            <a:off x="7516368" y="957514"/>
+            <a:ext cx="3712464" cy="456535"/>
+          </a:xfrm>
+          <a:prstGeom prst="rect">
+            <a:avLst/>
+          </a:prstGeom>
+          <a:noFill/>
+        </p:spPr>
+        <p:txBody>
+          <a:bodyPr wrap="square">
+            <a:spAutoFit/>
+          </a:bodyPr>
+          <a:lstStyle/>
+          <a:p>
+            <a:pPr indent="450215" algn="just">
+              <a:lnSpc>
+                <a:spcPct val="150000"/>
+              </a:lnSpc>
+              <a:buNone/>
+            </a:pPr>
+            <a:r>
+              <a:rPr lang="ru-RU" sz="1800" b="1" dirty="0">
+                <a:effectLst/>
+                <a:latin typeface="Arial" panose="020B0604020202020204" pitchFamily="34" charset="0"/>
+                <a:ea typeface="Calibri" panose="020F0502020204030204" pitchFamily="34" charset="0"/>
+                <a:cs typeface="Arial" panose="020B0604020202020204" pitchFamily="34" charset="0"/>
+              </a:rPr>
+              <a:t>Декодирование </a:t>
+            </a:r>
+            <a:r>
+              <a:rPr lang="ru-RU" sz="1800" b="1" dirty="0" err="1">
+                <a:effectLst/>
+                <a:latin typeface="Arial" panose="020B0604020202020204" pitchFamily="34" charset="0"/>
+                <a:ea typeface="Calibri" panose="020F0502020204030204" pitchFamily="34" charset="0"/>
+                <a:cs typeface="Arial" panose="020B0604020202020204" pitchFamily="34" charset="0"/>
+              </a:rPr>
+              <a:t>Прюфера</a:t>
+            </a:r>
+            <a:endParaRPr lang="ru-RU" sz="1800" b="1" dirty="0">
+              <a:effectLst/>
+              <a:latin typeface="Arial" panose="020B0604020202020204" pitchFamily="34" charset="0"/>
+              <a:ea typeface="Calibri" panose="020F0502020204030204" pitchFamily="34" charset="0"/>
+              <a:cs typeface="Arial" panose="020B0604020202020204" pitchFamily="34" charset="0"/>
+            </a:endParaRPr>
+          </a:p>
+        </p:txBody>
+      </p:sp>
+      <p:sp>
+        <p:nvSpPr>
+          <p:cNvPr id="9" name="TextBox 8">
+            <a:extLst>
+              <a:ext uri="{FF2B5EF4-FFF2-40B4-BE49-F238E27FC236}">
+                <a16:creationId xmlns:a16="http://schemas.microsoft.com/office/drawing/2014/main" id="{CFF4D343-83E3-8ADA-2E9B-C7D33A5963F1}"/>
+              </a:ext>
+            </a:extLst>
+          </p:cNvPr>
+          <p:cNvSpPr txBox="1"/>
+          <p:nvPr/>
+        </p:nvSpPr>
+        <p:spPr>
+          <a:xfrm>
+            <a:off x="6398514" y="1464097"/>
+            <a:ext cx="5490972" cy="4934684"/>
+          </a:xfrm>
+          <a:prstGeom prst="rect">
+            <a:avLst/>
+          </a:prstGeom>
+          <a:noFill/>
+        </p:spPr>
+        <p:txBody>
+          <a:bodyPr wrap="square">
+            <a:spAutoFit/>
+          </a:bodyPr>
+          <a:lstStyle/>
+          <a:p>
+            <a:pPr indent="450215" algn="just">
+              <a:buNone/>
+            </a:pPr>
+            <a:r>
+              <a:rPr lang="ru-RU" b="1" dirty="0">
+                <a:effectLst/>
+                <a:latin typeface="Arial" panose="020B0604020202020204" pitchFamily="34" charset="0"/>
+                <a:ea typeface="Calibri" panose="020F0502020204030204" pitchFamily="34" charset="0"/>
+                <a:cs typeface="Arial" panose="020B0604020202020204" pitchFamily="34" charset="0"/>
+              </a:rPr>
+              <a:t>Что делает: </a:t>
+            </a:r>
+            <a:r>
+              <a:rPr lang="ru-RU" dirty="0">
+                <a:effectLst/>
+                <a:latin typeface="Arial" panose="020B0604020202020204" pitchFamily="34" charset="0"/>
+                <a:ea typeface="Calibri" panose="020F0502020204030204" pitchFamily="34" charset="0"/>
+                <a:cs typeface="Arial" panose="020B0604020202020204" pitchFamily="34" charset="0"/>
+              </a:rPr>
+              <a:t>восстанавливает исходное дерево по коду </a:t>
+            </a:r>
+            <a:r>
+              <a:rPr lang="ru-RU" dirty="0" err="1">
+                <a:effectLst/>
+                <a:latin typeface="Arial" panose="020B0604020202020204" pitchFamily="34" charset="0"/>
+                <a:ea typeface="Calibri" panose="020F0502020204030204" pitchFamily="34" charset="0"/>
+                <a:cs typeface="Arial" panose="020B0604020202020204" pitchFamily="34" charset="0"/>
+              </a:rPr>
+              <a:t>Прюфера</a:t>
+            </a:r>
+            <a:r>
+              <a:rPr lang="ru-RU" dirty="0">
+                <a:effectLst/>
+                <a:latin typeface="Arial" panose="020B0604020202020204" pitchFamily="34" charset="0"/>
+                <a:ea typeface="Calibri" panose="020F0502020204030204" pitchFamily="34" charset="0"/>
+                <a:cs typeface="Arial" panose="020B0604020202020204" pitchFamily="34" charset="0"/>
+              </a:rPr>
+              <a:t>.</a:t>
+            </a:r>
+          </a:p>
+          <a:p>
+            <a:pPr indent="450215" algn="just">
+              <a:buNone/>
+            </a:pPr>
+            <a:endParaRPr lang="ru-RU" dirty="0">
+              <a:effectLst/>
+              <a:latin typeface="Arial" panose="020B0604020202020204" pitchFamily="34" charset="0"/>
+              <a:ea typeface="Calibri" panose="020F0502020204030204" pitchFamily="34" charset="0"/>
+              <a:cs typeface="Arial" panose="020B0604020202020204" pitchFamily="34" charset="0"/>
+            </a:endParaRPr>
+          </a:p>
+          <a:p>
+            <a:pPr indent="450215" algn="just">
+              <a:buNone/>
+            </a:pPr>
+            <a:r>
+              <a:rPr lang="ru-RU" b="1" dirty="0">
+                <a:effectLst/>
+                <a:latin typeface="Arial" panose="020B0604020202020204" pitchFamily="34" charset="0"/>
+                <a:ea typeface="Calibri" panose="020F0502020204030204" pitchFamily="34" charset="0"/>
+                <a:cs typeface="Arial" panose="020B0604020202020204" pitchFamily="34" charset="0"/>
+              </a:rPr>
+              <a:t>Как работает:</a:t>
+            </a:r>
+          </a:p>
+          <a:p>
+            <a:pPr indent="450215" algn="just">
+              <a:buNone/>
+            </a:pPr>
+            <a:endParaRPr lang="ru-RU" dirty="0">
+              <a:effectLst/>
+              <a:latin typeface="Arial" panose="020B0604020202020204" pitchFamily="34" charset="0"/>
+              <a:ea typeface="Calibri" panose="020F0502020204030204" pitchFamily="34" charset="0"/>
+              <a:cs typeface="Arial" panose="020B0604020202020204" pitchFamily="34" charset="0"/>
+            </a:endParaRPr>
+          </a:p>
+          <a:p>
+            <a:pPr marL="742950" lvl="1" indent="-285750" algn="l">
+              <a:spcAft>
+                <a:spcPts val="800"/>
+              </a:spcAft>
+              <a:buSzPts val="1400"/>
+              <a:buFont typeface="+mj-lt"/>
+              <a:buAutoNum type="arabicPeriod"/>
+            </a:pPr>
+            <a:r>
+              <a:rPr lang="ru-RU" dirty="0">
+                <a:effectLst/>
+                <a:latin typeface="Arial" panose="020B0604020202020204" pitchFamily="34" charset="0"/>
+                <a:ea typeface="Calibri" panose="020F0502020204030204" pitchFamily="34" charset="0"/>
+                <a:cs typeface="Arial" panose="020B0604020202020204" pitchFamily="34" charset="0"/>
+              </a:rPr>
+              <a:t>Определяет количество вершин (длина кода + 2).</a:t>
+            </a:r>
+          </a:p>
+          <a:p>
+            <a:pPr marL="742950" lvl="1" indent="-285750" algn="l">
+              <a:spcAft>
+                <a:spcPts val="800"/>
+              </a:spcAft>
+              <a:buSzPts val="1400"/>
+              <a:buFont typeface="+mj-lt"/>
+              <a:buAutoNum type="arabicPeriod"/>
+            </a:pPr>
+            <a:r>
+              <a:rPr lang="ru-RU" dirty="0">
+                <a:effectLst/>
+                <a:latin typeface="Arial" panose="020B0604020202020204" pitchFamily="34" charset="0"/>
+                <a:ea typeface="Calibri" panose="020F0502020204030204" pitchFamily="34" charset="0"/>
+                <a:cs typeface="Arial" panose="020B0604020202020204" pitchFamily="34" charset="0"/>
+              </a:rPr>
+              <a:t>Вычисляет степени вершин (сколько раз каждая встречается в коде + 1).</a:t>
+            </a:r>
+          </a:p>
+          <a:p>
+            <a:pPr marL="742950" lvl="1" indent="-285750" algn="l">
+              <a:spcAft>
+                <a:spcPts val="800"/>
+              </a:spcAft>
+              <a:buSzPts val="1400"/>
+              <a:buFont typeface="+mj-lt"/>
+              <a:buAutoNum type="arabicPeriod"/>
+            </a:pPr>
+            <a:r>
+              <a:rPr lang="ru-RU" dirty="0">
+                <a:effectLst/>
+                <a:latin typeface="Arial" panose="020B0604020202020204" pitchFamily="34" charset="0"/>
+                <a:ea typeface="Calibri" panose="020F0502020204030204" pitchFamily="34" charset="0"/>
+                <a:cs typeface="Arial" panose="020B0604020202020204" pitchFamily="34" charset="0"/>
+              </a:rPr>
+              <a:t>На каждом шаге соединяет наименьший доступный лист с текущей вершиной из кода.</a:t>
+            </a:r>
+          </a:p>
+          <a:p>
+            <a:pPr marL="742950" lvl="1" indent="-285750" algn="l">
+              <a:spcAft>
+                <a:spcPts val="800"/>
+              </a:spcAft>
+              <a:buSzPts val="1400"/>
+              <a:buFont typeface="+mj-lt"/>
+              <a:buAutoNum type="arabicPeriod"/>
+            </a:pPr>
+            <a:r>
+              <a:rPr lang="ru-RU" dirty="0">
+                <a:effectLst/>
+                <a:latin typeface="Arial" panose="020B0604020202020204" pitchFamily="34" charset="0"/>
+                <a:ea typeface="Calibri" panose="020F0502020204030204" pitchFamily="34" charset="0"/>
+                <a:cs typeface="Arial" panose="020B0604020202020204" pitchFamily="34" charset="0"/>
+              </a:rPr>
+              <a:t>Уменьшает степени вершин и обновляет список листьев.</a:t>
+            </a:r>
+          </a:p>
+          <a:p>
+            <a:pPr marL="742950" lvl="1" indent="-285750" algn="l">
+              <a:buSzPts val="1400"/>
+              <a:buFont typeface="+mj-lt"/>
+              <a:buAutoNum type="arabicPeriod"/>
+            </a:pPr>
+            <a:r>
+              <a:rPr lang="ru-RU" dirty="0">
+                <a:effectLst/>
+                <a:latin typeface="Arial" panose="020B0604020202020204" pitchFamily="34" charset="0"/>
+                <a:ea typeface="Calibri" panose="020F0502020204030204" pitchFamily="34" charset="0"/>
+                <a:cs typeface="Arial" panose="020B0604020202020204" pitchFamily="34" charset="0"/>
+              </a:rPr>
+              <a:t>В конце соединяет две оставшиеся вершины.</a:t>
+            </a:r>
+          </a:p>
+        </p:txBody>
+      </p:sp>
+    </p:spTree>
+    <p:extLst>
+      <p:ext uri="{BB962C8B-B14F-4D97-AF65-F5344CB8AC3E}">
+        <p14:creationId xmlns:p14="http://schemas.microsoft.com/office/powerpoint/2010/main" val="1706416265"/>
+      </p:ext>
+    </p:extLst>
+  </p:cSld>
+  <p:clrMapOvr>
+    <a:masterClrMapping/>
+  </p:clrMapOvr>
+</p:sld>
+</file>
+
+<file path=ppt/slides/slide14.xml><?xml version="1.0" encoding="utf-8"?>
+<p:sld xmlns:a="http://schemas.openxmlformats.org/drawingml/2006/main" xmlns:r="http://schemas.openxmlformats.org/officeDocument/2006/relationships" xmlns:p="http://schemas.openxmlformats.org/presentationml/2006/main">
+  <p:cSld>
+    <p:spTree>
+      <p:nvGrpSpPr>
+        <p:cNvPr id="1" name="">
+          <a:extLst>
+            <a:ext uri="{FF2B5EF4-FFF2-40B4-BE49-F238E27FC236}">
+              <a16:creationId xmlns:a16="http://schemas.microsoft.com/office/drawing/2014/main" id="{F760D6A4-FF77-CBB4-F693-3217FD612576}"/>
+            </a:ext>
+          </a:extLst>
+        </p:cNvPr>
+        <p:cNvGrpSpPr/>
+        <p:nvPr/>
+      </p:nvGrpSpPr>
+      <p:grpSpPr>
+        <a:xfrm>
+          <a:off x="0" y="0"/>
+          <a:ext cx="0" cy="0"/>
+          <a:chOff x="0" y="0"/>
+          <a:chExt cx="0" cy="0"/>
+        </a:xfrm>
+      </p:grpSpPr>
+      <p:sp>
+        <p:nvSpPr>
+          <p:cNvPr id="2" name="Рамка 1">
+            <a:extLst>
+              <a:ext uri="{FF2B5EF4-FFF2-40B4-BE49-F238E27FC236}">
+                <a16:creationId xmlns:a16="http://schemas.microsoft.com/office/drawing/2014/main" id="{5F803ECF-79D4-0F95-7F47-E85A2B8483ED}"/>
+              </a:ext>
+            </a:extLst>
+          </p:cNvPr>
+          <p:cNvSpPr/>
+          <p:nvPr/>
+        </p:nvSpPr>
+        <p:spPr>
+          <a:xfrm>
+            <a:off x="0" y="0"/>
+            <a:ext cx="12192000" cy="6858000"/>
+          </a:xfrm>
+          <a:prstGeom prst="frame">
+            <a:avLst>
+              <a:gd name="adj1" fmla="val 2233"/>
+            </a:avLst>
+          </a:prstGeom>
+          <a:solidFill>
+            <a:srgbClr val="9B2D1F"/>
+          </a:solidFill>
+          <a:ln>
+            <a:solidFill>
+              <a:srgbClr val="9B2D1F"/>
+            </a:solidFill>
+          </a:ln>
+        </p:spPr>
+        <p:style>
+          <a:lnRef idx="2">
+            <a:schemeClr val="accent1">
+              <a:shade val="15000"/>
+            </a:schemeClr>
+          </a:lnRef>
+          <a:fillRef idx="1">
+            <a:schemeClr val="accent1"/>
+          </a:fillRef>
+          <a:effectRef idx="0">
+            <a:schemeClr val="accent1"/>
+          </a:effectRef>
+          <a:fontRef idx="minor">
+            <a:schemeClr val="lt1"/>
+          </a:fontRef>
+        </p:style>
+        <p:txBody>
+          <a:bodyPr rtlCol="0" anchor="ctr"/>
+          <a:lstStyle/>
+          <a:p>
+            <a:pPr algn="ctr"/>
+            <a:endParaRPr lang="ru-RU">
+              <a:solidFill>
+                <a:schemeClr val="tx1"/>
+              </a:solidFill>
+            </a:endParaRPr>
+          </a:p>
+        </p:txBody>
+      </p:sp>
+      <p:sp>
+        <p:nvSpPr>
+          <p:cNvPr id="11" name="Заголовок 6">
+            <a:extLst>
+              <a:ext uri="{FF2B5EF4-FFF2-40B4-BE49-F238E27FC236}">
+                <a16:creationId xmlns:a16="http://schemas.microsoft.com/office/drawing/2014/main" id="{41A9F986-5973-365E-8F3F-DEBEFC7808F8}"/>
+              </a:ext>
+            </a:extLst>
+          </p:cNvPr>
+          <p:cNvSpPr>
+            <a:spLocks noGrp="1"/>
+          </p:cNvSpPr>
+          <p:nvPr>
+            <p:ph type="title"/>
+          </p:nvPr>
+        </p:nvSpPr>
+        <p:spPr>
+          <a:xfrm>
+            <a:off x="3800415" y="318443"/>
+            <a:ext cx="4885552" cy="634082"/>
+          </a:xfrm>
+        </p:spPr>
+        <p:txBody>
+          <a:bodyPr vert="horz" lIns="91440" tIns="45720" rIns="91440" bIns="45720" rtlCol="0" anchor="ctr">
+            <a:normAutofit/>
+          </a:bodyPr>
+          <a:lstStyle/>
+          <a:p>
+            <a:r>
+              <a:rPr lang="ru-RU" sz="3200" b="1" dirty="0">
+                <a:solidFill>
+                  <a:srgbClr val="9B2D1F"/>
+                </a:solidFill>
+                <a:latin typeface="Arial" panose="020B0604020202020204" pitchFamily="34" charset="0"/>
+                <a:cs typeface="Arial" panose="020B0604020202020204" pitchFamily="34" charset="0"/>
+              </a:rPr>
+              <a:t>МЕТОД МОНТЕ КАРЛО</a:t>
+            </a:r>
+          </a:p>
+        </p:txBody>
+      </p:sp>
+      <p:sp>
+        <p:nvSpPr>
+          <p:cNvPr id="6" name="TextBox 5">
+            <a:extLst>
+              <a:ext uri="{FF2B5EF4-FFF2-40B4-BE49-F238E27FC236}">
+                <a16:creationId xmlns:a16="http://schemas.microsoft.com/office/drawing/2014/main" id="{997A4A22-2432-07CA-6DE8-C60235C38464}"/>
+              </a:ext>
+            </a:extLst>
+          </p:cNvPr>
+          <p:cNvSpPr txBox="1"/>
+          <p:nvPr/>
+        </p:nvSpPr>
+        <p:spPr>
+          <a:xfrm>
+            <a:off x="4386959" y="814433"/>
+            <a:ext cx="3712464" cy="456535"/>
+          </a:xfrm>
+          <a:prstGeom prst="rect">
+            <a:avLst/>
+          </a:prstGeom>
+          <a:noFill/>
+        </p:spPr>
+        <p:txBody>
+          <a:bodyPr wrap="square">
+            <a:spAutoFit/>
+          </a:bodyPr>
+          <a:lstStyle/>
+          <a:p>
+            <a:pPr indent="450215" algn="just">
+              <a:lnSpc>
+                <a:spcPct val="150000"/>
+              </a:lnSpc>
+              <a:buNone/>
+            </a:pPr>
+            <a:r>
+              <a:rPr lang="ru-RU" sz="1800" b="1" dirty="0">
+                <a:effectLst/>
+                <a:latin typeface="Arial" panose="020B0604020202020204" pitchFamily="34" charset="0"/>
+                <a:ea typeface="Calibri" panose="020F0502020204030204" pitchFamily="34" charset="0"/>
+                <a:cs typeface="Arial" panose="020B0604020202020204" pitchFamily="34" charset="0"/>
+              </a:rPr>
+              <a:t>Нахождение числа </a:t>
+            </a:r>
+            <a:r>
+              <a:rPr lang="en-US" sz="1800" b="1" dirty="0">
+                <a:effectLst/>
+                <a:latin typeface="Arial" panose="020B0604020202020204" pitchFamily="34" charset="0"/>
+                <a:ea typeface="Calibri" panose="020F0502020204030204" pitchFamily="34" charset="0"/>
+                <a:cs typeface="Arial" panose="020B0604020202020204" pitchFamily="34" charset="0"/>
+                <a:sym typeface="Symbol" panose="05050102010706020507" pitchFamily="18" charset="2"/>
+              </a:rPr>
+              <a:t></a:t>
+            </a:r>
+            <a:endParaRPr lang="ru-RU" sz="1800" b="1" dirty="0">
+              <a:effectLst/>
+              <a:latin typeface="Arial" panose="020B0604020202020204" pitchFamily="34" charset="0"/>
+              <a:ea typeface="Calibri" panose="020F0502020204030204" pitchFamily="34" charset="0"/>
+              <a:cs typeface="Arial" panose="020B0604020202020204" pitchFamily="34" charset="0"/>
+            </a:endParaRPr>
+          </a:p>
+        </p:txBody>
+      </p:sp>
+      <p:pic>
+        <p:nvPicPr>
+          <p:cNvPr id="5" name="Рисунок 4">
+            <a:extLst>
+              <a:ext uri="{FF2B5EF4-FFF2-40B4-BE49-F238E27FC236}">
+                <a16:creationId xmlns:a16="http://schemas.microsoft.com/office/drawing/2014/main" id="{61DF60F9-AE85-B1EE-A178-D17B74E73328}"/>
+              </a:ext>
+            </a:extLst>
+          </p:cNvPr>
+          <p:cNvPicPr>
+            <a:picLocks noChangeAspect="1"/>
+          </p:cNvPicPr>
+          <p:nvPr/>
+        </p:nvPicPr>
+        <p:blipFill>
+          <a:blip r:embed="rId2"/>
+          <a:stretch>
+            <a:fillRect/>
+          </a:stretch>
+        </p:blipFill>
+        <p:spPr>
+          <a:xfrm>
+            <a:off x="1323275" y="1448515"/>
+            <a:ext cx="9545449" cy="4834708"/>
+          </a:xfrm>
+          <a:prstGeom prst="rect">
+            <a:avLst/>
+          </a:prstGeom>
+        </p:spPr>
+      </p:pic>
+    </p:spTree>
+    <p:extLst>
+      <p:ext uri="{BB962C8B-B14F-4D97-AF65-F5344CB8AC3E}">
+        <p14:creationId xmlns:p14="http://schemas.microsoft.com/office/powerpoint/2010/main" val="2103499643"/>
+      </p:ext>
+    </p:extLst>
+  </p:cSld>
+  <p:clrMapOvr>
+    <a:masterClrMapping/>
+  </p:clrMapOvr>
+</p:sld>
+</file>
+
+<file path=ppt/slides/slide15.xml><?xml version="1.0" encoding="utf-8"?>
+<p:sld xmlns:a="http://schemas.openxmlformats.org/drawingml/2006/main" xmlns:r="http://schemas.openxmlformats.org/officeDocument/2006/relationships" xmlns:p="http://schemas.openxmlformats.org/presentationml/2006/main">
+  <p:cSld>
+    <p:spTree>
+      <p:nvGrpSpPr>
+        <p:cNvPr id="1" name="">
+          <a:extLst>
+            <a:ext uri="{FF2B5EF4-FFF2-40B4-BE49-F238E27FC236}">
+              <a16:creationId xmlns:a16="http://schemas.microsoft.com/office/drawing/2014/main" id="{B7F9C7EC-1BB0-DC0B-2588-441C2CE340B2}"/>
+            </a:ext>
+          </a:extLst>
+        </p:cNvPr>
+        <p:cNvGrpSpPr/>
+        <p:nvPr/>
+      </p:nvGrpSpPr>
+      <p:grpSpPr>
+        <a:xfrm>
+          <a:off x="0" y="0"/>
+          <a:ext cx="0" cy="0"/>
+          <a:chOff x="0" y="0"/>
+          <a:chExt cx="0" cy="0"/>
+        </a:xfrm>
+      </p:grpSpPr>
+      <p:sp>
+        <p:nvSpPr>
+          <p:cNvPr id="2" name="Рамка 1">
+            <a:extLst>
+              <a:ext uri="{FF2B5EF4-FFF2-40B4-BE49-F238E27FC236}">
+                <a16:creationId xmlns:a16="http://schemas.microsoft.com/office/drawing/2014/main" id="{AD8AC6EE-0A17-F1C7-D904-ADC0646DFD8F}"/>
+              </a:ext>
+            </a:extLst>
+          </p:cNvPr>
+          <p:cNvSpPr/>
+          <p:nvPr/>
+        </p:nvSpPr>
+        <p:spPr>
+          <a:xfrm>
+            <a:off x="0" y="0"/>
+            <a:ext cx="12192000" cy="6858000"/>
+          </a:xfrm>
+          <a:prstGeom prst="frame">
+            <a:avLst>
+              <a:gd name="adj1" fmla="val 2233"/>
+            </a:avLst>
+          </a:prstGeom>
+          <a:solidFill>
+            <a:srgbClr val="9B2D1F"/>
+          </a:solidFill>
+          <a:ln>
+            <a:solidFill>
+              <a:srgbClr val="9B2D1F"/>
+            </a:solidFill>
+          </a:ln>
+        </p:spPr>
+        <p:style>
+          <a:lnRef idx="2">
+            <a:schemeClr val="accent1">
+              <a:shade val="15000"/>
+            </a:schemeClr>
+          </a:lnRef>
+          <a:fillRef idx="1">
+            <a:schemeClr val="accent1"/>
+          </a:fillRef>
+          <a:effectRef idx="0">
+            <a:schemeClr val="accent1"/>
+          </a:effectRef>
+          <a:fontRef idx="minor">
+            <a:schemeClr val="lt1"/>
+          </a:fontRef>
+        </p:style>
+        <p:txBody>
+          <a:bodyPr rtlCol="0" anchor="ctr"/>
+          <a:lstStyle/>
+          <a:p>
+            <a:pPr algn="ctr"/>
+            <a:endParaRPr lang="ru-RU">
+              <a:solidFill>
+                <a:schemeClr val="tx1"/>
+              </a:solidFill>
+            </a:endParaRPr>
+          </a:p>
+        </p:txBody>
+      </p:sp>
+      <p:sp>
+        <p:nvSpPr>
+          <p:cNvPr id="11" name="Заголовок 6">
+            <a:extLst>
+              <a:ext uri="{FF2B5EF4-FFF2-40B4-BE49-F238E27FC236}">
+                <a16:creationId xmlns:a16="http://schemas.microsoft.com/office/drawing/2014/main" id="{98FA1511-A553-1EC5-41F3-EA046E4E9AD0}"/>
+              </a:ext>
+            </a:extLst>
+          </p:cNvPr>
+          <p:cNvSpPr>
+            <a:spLocks noGrp="1"/>
+          </p:cNvSpPr>
+          <p:nvPr>
+            <p:ph type="title"/>
+          </p:nvPr>
+        </p:nvSpPr>
+        <p:spPr>
+          <a:xfrm>
+            <a:off x="3800415" y="353461"/>
+            <a:ext cx="4885552" cy="634082"/>
+          </a:xfrm>
+        </p:spPr>
+        <p:txBody>
+          <a:bodyPr vert="horz" lIns="91440" tIns="45720" rIns="91440" bIns="45720" rtlCol="0" anchor="ctr">
+            <a:normAutofit/>
+          </a:bodyPr>
+          <a:lstStyle/>
+          <a:p>
+            <a:r>
+              <a:rPr lang="ru-RU" sz="3200" b="1" dirty="0">
+                <a:solidFill>
+                  <a:srgbClr val="9B2D1F"/>
+                </a:solidFill>
+                <a:latin typeface="Arial" panose="020B0604020202020204" pitchFamily="34" charset="0"/>
+                <a:cs typeface="Arial" panose="020B0604020202020204" pitchFamily="34" charset="0"/>
+              </a:rPr>
+              <a:t>МЕТОД МОНТЕ КАРЛО</a:t>
+            </a:r>
+          </a:p>
+        </p:txBody>
+      </p:sp>
+      <p:sp>
+        <p:nvSpPr>
+          <p:cNvPr id="6" name="TextBox 5">
+            <a:extLst>
+              <a:ext uri="{FF2B5EF4-FFF2-40B4-BE49-F238E27FC236}">
+                <a16:creationId xmlns:a16="http://schemas.microsoft.com/office/drawing/2014/main" id="{840114B9-9A3A-23A4-E5BB-2822D776894D}"/>
+              </a:ext>
+            </a:extLst>
+          </p:cNvPr>
+          <p:cNvSpPr txBox="1"/>
+          <p:nvPr/>
+        </p:nvSpPr>
+        <p:spPr>
+          <a:xfrm>
+            <a:off x="4239768" y="877929"/>
+            <a:ext cx="3712464" cy="463075"/>
+          </a:xfrm>
+          <a:prstGeom prst="rect">
+            <a:avLst/>
+          </a:prstGeom>
+          <a:noFill/>
+        </p:spPr>
+        <p:txBody>
+          <a:bodyPr wrap="square">
+            <a:spAutoFit/>
+          </a:bodyPr>
+          <a:lstStyle/>
+          <a:p>
+            <a:pPr indent="450215" algn="just">
+              <a:lnSpc>
+                <a:spcPct val="150000"/>
+              </a:lnSpc>
+              <a:buNone/>
+            </a:pPr>
+            <a:r>
+              <a:rPr lang="ru-RU" b="1" dirty="0"/>
+              <a:t>Вычисление площади фигуры </a:t>
+            </a:r>
+            <a:endParaRPr lang="ru-RU" sz="1800" b="1" dirty="0">
+              <a:effectLst/>
+              <a:latin typeface="Arial" panose="020B0604020202020204" pitchFamily="34" charset="0"/>
+              <a:ea typeface="Calibri" panose="020F0502020204030204" pitchFamily="34" charset="0"/>
+              <a:cs typeface="Arial" panose="020B0604020202020204" pitchFamily="34" charset="0"/>
+            </a:endParaRPr>
+          </a:p>
+        </p:txBody>
+      </p:sp>
+      <p:pic>
+        <p:nvPicPr>
+          <p:cNvPr id="4" name="Рисунок 3">
+            <a:extLst>
+              <a:ext uri="{FF2B5EF4-FFF2-40B4-BE49-F238E27FC236}">
+                <a16:creationId xmlns:a16="http://schemas.microsoft.com/office/drawing/2014/main" id="{0CF2EC5B-3F45-9B74-0034-771707F0376B}"/>
+              </a:ext>
+            </a:extLst>
+          </p:cNvPr>
+          <p:cNvPicPr>
+            <a:picLocks noChangeAspect="1"/>
+          </p:cNvPicPr>
+          <p:nvPr/>
+        </p:nvPicPr>
+        <p:blipFill>
+          <a:blip r:embed="rId2"/>
+          <a:srcRect l="300" r="1"/>
+          <a:stretch>
+            <a:fillRect/>
+          </a:stretch>
+        </p:blipFill>
+        <p:spPr>
+          <a:xfrm>
+            <a:off x="779526" y="1582677"/>
+            <a:ext cx="10632948" cy="3893813"/>
+          </a:xfrm>
+          <a:prstGeom prst="rect">
+            <a:avLst/>
+          </a:prstGeom>
+        </p:spPr>
+      </p:pic>
+    </p:spTree>
+    <p:extLst>
+      <p:ext uri="{BB962C8B-B14F-4D97-AF65-F5344CB8AC3E}">
+        <p14:creationId xmlns:p14="http://schemas.microsoft.com/office/powerpoint/2010/main" val="1356525527"/>
       </p:ext>
     </p:extLst>
   </p:cSld>
@@ -6350,86 +7712,6 @@
   <p:cSld>
     <p:spTree>
       <p:nvGrpSpPr>
-        <p:cNvPr id="1" name=""/>
-        <p:cNvGrpSpPr/>
-        <p:nvPr/>
-      </p:nvGrpSpPr>
-      <p:grpSpPr>
-        <a:xfrm>
-          <a:off x="0" y="0"/>
-          <a:ext cx="0" cy="0"/>
-          <a:chOff x="0" y="0"/>
-          <a:chExt cx="0" cy="0"/>
-        </a:xfrm>
-      </p:grpSpPr>
-      <p:sp>
-        <p:nvSpPr>
-          <p:cNvPr id="2" name="Title 1">
-            <a:extLst>
-              <a:ext uri="{FF2B5EF4-FFF2-40B4-BE49-F238E27FC236}">
-                <a16:creationId xmlns:a16="http://schemas.microsoft.com/office/drawing/2014/main" id="{3E9642DF-F77C-E76B-37D4-19B4E22575D7}"/>
-              </a:ext>
-            </a:extLst>
-          </p:cNvPr>
-          <p:cNvSpPr>
-            <a:spLocks noGrp="1"/>
-          </p:cNvSpPr>
-          <p:nvPr>
-            <p:ph type="title"/>
-          </p:nvPr>
-        </p:nvSpPr>
-        <p:spPr/>
-        <p:txBody>
-          <a:bodyPr/>
-          <a:lstStyle/>
-          <a:p>
-            <a:endParaRPr lang="ru-RU"/>
-          </a:p>
-        </p:txBody>
-      </p:sp>
-      <p:sp>
-        <p:nvSpPr>
-          <p:cNvPr id="3" name="Content Placeholder 2">
-            <a:extLst>
-              <a:ext uri="{FF2B5EF4-FFF2-40B4-BE49-F238E27FC236}">
-                <a16:creationId xmlns:a16="http://schemas.microsoft.com/office/drawing/2014/main" id="{3E93905C-C8D0-91D0-3F88-367C0568C970}"/>
-              </a:ext>
-            </a:extLst>
-          </p:cNvPr>
-          <p:cNvSpPr>
-            <a:spLocks noGrp="1"/>
-          </p:cNvSpPr>
-          <p:nvPr>
-            <p:ph idx="1"/>
-          </p:nvPr>
-        </p:nvSpPr>
-        <p:spPr/>
-        <p:txBody>
-          <a:bodyPr/>
-          <a:lstStyle/>
-          <a:p>
-            <a:endParaRPr lang="ru-RU"/>
-          </a:p>
-        </p:txBody>
-      </p:sp>
-    </p:spTree>
-    <p:extLst>
-      <p:ext uri="{BB962C8B-B14F-4D97-AF65-F5344CB8AC3E}">
-        <p14:creationId xmlns:p14="http://schemas.microsoft.com/office/powerpoint/2010/main" val="1722653702"/>
-      </p:ext>
-    </p:extLst>
-  </p:cSld>
-  <p:clrMapOvr>
-    <a:masterClrMapping/>
-  </p:clrMapOvr>
-</p:sld>
-</file>
-
-<file path=ppt/slides/slide8.xml><?xml version="1.0" encoding="utf-8"?>
-<p:sld xmlns:a="http://schemas.openxmlformats.org/drawingml/2006/main" xmlns:r="http://schemas.openxmlformats.org/officeDocument/2006/relationships" xmlns:p="http://schemas.openxmlformats.org/presentationml/2006/main">
-  <p:cSld>
-    <p:spTree>
-      <p:nvGrpSpPr>
         <p:cNvPr id="1" name="">
           <a:extLst>
             <a:ext uri="{FF2B5EF4-FFF2-40B4-BE49-F238E27FC236}">
@@ -6624,7 +7906,7 @@
 </p:sld>
 </file>
 
-<file path=ppt/slides/slide9.xml><?xml version="1.0" encoding="utf-8"?>
+<file path=ppt/slides/slide8.xml><?xml version="1.0" encoding="utf-8"?>
 <p:sld xmlns:a="http://schemas.openxmlformats.org/drawingml/2006/main" xmlns:r="http://schemas.openxmlformats.org/officeDocument/2006/relationships" xmlns:p="http://schemas.openxmlformats.org/presentationml/2006/main">
   <p:cSld>
     <p:spTree>
@@ -6844,6 +8126,205 @@
     <p:extLst>
       <p:ext uri="{BB962C8B-B14F-4D97-AF65-F5344CB8AC3E}">
         <p14:creationId xmlns:p14="http://schemas.microsoft.com/office/powerpoint/2010/main" val="956662569"/>
+      </p:ext>
+    </p:extLst>
+  </p:cSld>
+  <p:clrMapOvr>
+    <a:masterClrMapping/>
+  </p:clrMapOvr>
+</p:sld>
+</file>
+
+<file path=ppt/slides/slide9.xml><?xml version="1.0" encoding="utf-8"?>
+<p:sld xmlns:a="http://schemas.openxmlformats.org/drawingml/2006/main" xmlns:r="http://schemas.openxmlformats.org/officeDocument/2006/relationships" xmlns:p="http://schemas.openxmlformats.org/presentationml/2006/main">
+  <p:cSld>
+    <p:spTree>
+      <p:nvGrpSpPr>
+        <p:cNvPr id="1" name="">
+          <a:extLst>
+            <a:ext uri="{FF2B5EF4-FFF2-40B4-BE49-F238E27FC236}">
+              <a16:creationId xmlns:a16="http://schemas.microsoft.com/office/drawing/2014/main" id="{23FA106F-4F80-E868-99AA-BA824C5C49FD}"/>
+            </a:ext>
+          </a:extLst>
+        </p:cNvPr>
+        <p:cNvGrpSpPr/>
+        <p:nvPr/>
+      </p:nvGrpSpPr>
+      <p:grpSpPr>
+        <a:xfrm>
+          <a:off x="0" y="0"/>
+          <a:ext cx="0" cy="0"/>
+          <a:chOff x="0" y="0"/>
+          <a:chExt cx="0" cy="0"/>
+        </a:xfrm>
+      </p:grpSpPr>
+      <p:sp>
+        <p:nvSpPr>
+          <p:cNvPr id="2" name="Рамка 1">
+            <a:extLst>
+              <a:ext uri="{FF2B5EF4-FFF2-40B4-BE49-F238E27FC236}">
+                <a16:creationId xmlns:a16="http://schemas.microsoft.com/office/drawing/2014/main" id="{A5CF5D38-12D2-06CA-1246-67C1AE661BD6}"/>
+              </a:ext>
+            </a:extLst>
+          </p:cNvPr>
+          <p:cNvSpPr/>
+          <p:nvPr/>
+        </p:nvSpPr>
+        <p:spPr>
+          <a:xfrm>
+            <a:off x="0" y="0"/>
+            <a:ext cx="12192000" cy="6858000"/>
+          </a:xfrm>
+          <a:prstGeom prst="frame">
+            <a:avLst>
+              <a:gd name="adj1" fmla="val 2233"/>
+            </a:avLst>
+          </a:prstGeom>
+          <a:solidFill>
+            <a:srgbClr val="9B2D1F"/>
+          </a:solidFill>
+          <a:ln>
+            <a:solidFill>
+              <a:srgbClr val="9B2D1F"/>
+            </a:solidFill>
+          </a:ln>
+        </p:spPr>
+        <p:style>
+          <a:lnRef idx="2">
+            <a:schemeClr val="accent1">
+              <a:shade val="15000"/>
+            </a:schemeClr>
+          </a:lnRef>
+          <a:fillRef idx="1">
+            <a:schemeClr val="accent1"/>
+          </a:fillRef>
+          <a:effectRef idx="0">
+            <a:schemeClr val="accent1"/>
+          </a:effectRef>
+          <a:fontRef idx="minor">
+            <a:schemeClr val="lt1"/>
+          </a:fontRef>
+        </p:style>
+        <p:txBody>
+          <a:bodyPr rtlCol="0" anchor="ctr"/>
+          <a:lstStyle/>
+          <a:p>
+            <a:pPr algn="ctr"/>
+            <a:endParaRPr lang="ru-RU">
+              <a:solidFill>
+                <a:schemeClr val="tx1"/>
+              </a:solidFill>
+            </a:endParaRPr>
+          </a:p>
+        </p:txBody>
+      </p:sp>
+      <p:sp>
+        <p:nvSpPr>
+          <p:cNvPr id="11" name="Заголовок 6">
+            <a:extLst>
+              <a:ext uri="{FF2B5EF4-FFF2-40B4-BE49-F238E27FC236}">
+                <a16:creationId xmlns:a16="http://schemas.microsoft.com/office/drawing/2014/main" id="{F53FFCB9-7C46-BB16-D2BF-A7B0E30614CB}"/>
+              </a:ext>
+            </a:extLst>
+          </p:cNvPr>
+          <p:cNvSpPr>
+            <a:spLocks noGrp="1"/>
+          </p:cNvSpPr>
+          <p:nvPr>
+            <p:ph type="title"/>
+          </p:nvPr>
+        </p:nvSpPr>
+        <p:spPr>
+          <a:xfrm>
+            <a:off x="2110000" y="475816"/>
+            <a:ext cx="7972000" cy="634082"/>
+          </a:xfrm>
+        </p:spPr>
+        <p:txBody>
+          <a:bodyPr vert="horz" lIns="91440" tIns="45720" rIns="91440" bIns="45720" rtlCol="0" anchor="ctr">
+            <a:normAutofit/>
+          </a:bodyPr>
+          <a:lstStyle/>
+          <a:p>
+            <a:pPr algn="ctr"/>
+            <a:r>
+              <a:rPr lang="ru-RU" sz="3200" b="1" dirty="0">
+                <a:solidFill>
+                  <a:srgbClr val="9B2D1F"/>
+                </a:solidFill>
+                <a:latin typeface="Arial"/>
+                <a:cs typeface="Arial"/>
+              </a:rPr>
+              <a:t>ВЕРСТКА ПРОФИЛЯ</a:t>
+            </a:r>
+            <a:endParaRPr lang="ru-RU"/>
+          </a:p>
+        </p:txBody>
+      </p:sp>
+      <p:pic>
+        <p:nvPicPr>
+          <p:cNvPr id="3" name="Рисунок 2" descr="Изображение выглядит как текст, снимок экрана&#10;&#10;Содержимое, созданное искусственным интеллектом, может быть неверным.">
+            <a:extLst>
+              <a:ext uri="{FF2B5EF4-FFF2-40B4-BE49-F238E27FC236}">
+                <a16:creationId xmlns:a16="http://schemas.microsoft.com/office/drawing/2014/main" id="{19088A25-7D79-B5F5-669F-CB80BE7B03B7}"/>
+              </a:ext>
+            </a:extLst>
+          </p:cNvPr>
+          <p:cNvPicPr>
+            <a:picLocks noChangeAspect="1"/>
+          </p:cNvPicPr>
+          <p:nvPr/>
+        </p:nvPicPr>
+        <p:blipFill>
+          <a:blip r:embed="rId2"/>
+          <a:stretch>
+            <a:fillRect/>
+          </a:stretch>
+        </p:blipFill>
+        <p:spPr>
+          <a:xfrm>
+            <a:off x="954196" y="1712478"/>
+            <a:ext cx="5137498" cy="3767073"/>
+          </a:xfrm>
+          <a:prstGeom prst="rect">
+            <a:avLst/>
+          </a:prstGeom>
+        </p:spPr>
+      </p:pic>
+      <p:pic>
+        <p:nvPicPr>
+          <p:cNvPr id="6" name="Рисунок 5" descr="Изображение выглядит как текст, снимок экрана&#10;&#10;Содержимое, созданное искусственным интеллектом, может быть неверным.">
+            <a:extLst>
+              <a:ext uri="{FF2B5EF4-FFF2-40B4-BE49-F238E27FC236}">
+                <a16:creationId xmlns:a16="http://schemas.microsoft.com/office/drawing/2014/main" id="{6B5779B6-A723-B929-5FCA-C9B0C421A88A}"/>
+              </a:ext>
+            </a:extLst>
+          </p:cNvPr>
+          <p:cNvPicPr>
+            <a:picLocks noChangeAspect="1"/>
+          </p:cNvPicPr>
+          <p:nvPr/>
+        </p:nvPicPr>
+        <p:blipFill>
+          <a:blip r:embed="rId3"/>
+          <a:stretch>
+            <a:fillRect/>
+          </a:stretch>
+        </p:blipFill>
+        <p:spPr>
+          <a:xfrm>
+            <a:off x="6276518" y="1416029"/>
+            <a:ext cx="5588827" cy="4359971"/>
+          </a:xfrm>
+          <a:prstGeom prst="rect">
+            <a:avLst/>
+          </a:prstGeom>
+        </p:spPr>
+      </p:pic>
+    </p:spTree>
+    <p:extLst>
+      <p:ext uri="{BB962C8B-B14F-4D97-AF65-F5344CB8AC3E}">
+        <p14:creationId xmlns:p14="http://schemas.microsoft.com/office/powerpoint/2010/main" val="3925909502"/>
       </p:ext>
     </p:extLst>
   </p:cSld>
@@ -7146,4 +8627,299 @@
     </a:ext>
   </a:extLst>
 </a:theme>
+</file>
+
+<file path=ppt/theme/theme2.xml><?xml version="1.0" encoding="utf-8"?>
+<a:theme xmlns:a="http://schemas.openxmlformats.org/drawingml/2006/main" name="Тема Office">
+  <a:themeElements>
+    <a:clrScheme name="Стандартная">
+      <a:dk1>
+        <a:sysClr val="windowText" lastClr="000000"/>
+      </a:dk1>
+      <a:lt1>
+        <a:sysClr val="window" lastClr="FFFFFF"/>
+      </a:lt1>
+      <a:dk2>
+        <a:srgbClr val="44546A"/>
+      </a:dk2>
+      <a:lt2>
+        <a:srgbClr val="E7E6E6"/>
+      </a:lt2>
+      <a:accent1>
+        <a:srgbClr val="4472C4"/>
+      </a:accent1>
+      <a:accent2>
+        <a:srgbClr val="ED7D31"/>
+      </a:accent2>
+      <a:accent3>
+        <a:srgbClr val="A5A5A5"/>
+      </a:accent3>
+      <a:accent4>
+        <a:srgbClr val="FFC000"/>
+      </a:accent4>
+      <a:accent5>
+        <a:srgbClr val="5B9BD5"/>
+      </a:accent5>
+      <a:accent6>
+        <a:srgbClr val="70AD47"/>
+      </a:accent6>
+      <a:hlink>
+        <a:srgbClr val="0563C1"/>
+      </a:hlink>
+      <a:folHlink>
+        <a:srgbClr val="954F72"/>
+      </a:folHlink>
+    </a:clrScheme>
+    <a:fontScheme name="Стандартная">
+      <a:majorFont>
+        <a:latin typeface="Calibri Light" panose="020F0302020204030204"/>
+        <a:ea typeface=""/>
+        <a:cs typeface=""/>
+        <a:font script="Jpan" typeface="游ゴシック Light"/>
+        <a:font script="Hang" typeface="맑은 고딕"/>
+        <a:font script="Hans" typeface="等线 Light"/>
+        <a:font script="Hant" typeface="新細明體"/>
+        <a:font script="Arab" typeface="Times New Roman"/>
+        <a:font script="Hebr" typeface="Times New Roman"/>
+        <a:font script="Thai" typeface="Angsana New"/>
+        <a:font script="Ethi" typeface="Nyala"/>
+        <a:font script="Beng" typeface="Vrinda"/>
+        <a:font script="Gujr" typeface="Shruti"/>
+        <a:font script="Khmr" typeface="MoolBoran"/>
+        <a:font script="Knda" typeface="Tunga"/>
+        <a:font script="Guru" typeface="Raavi"/>
+        <a:font script="Cans" typeface="Euphemia"/>
+        <a:font script="Cher" typeface="Plantagenet Cherokee"/>
+        <a:font script="Yiii" typeface="Microsoft Yi Baiti"/>
+        <a:font script="Tibt" typeface="Microsoft Himalaya"/>
+        <a:font script="Thaa" typeface="MV Boli"/>
+        <a:font script="Deva" typeface="Mangal"/>
+        <a:font script="Telu" typeface="Gautami"/>
+        <a:font script="Taml" typeface="Latha"/>
+        <a:font script="Syrc" typeface="Estrangelo Edessa"/>
+        <a:font script="Orya" typeface="Kalinga"/>
+        <a:font script="Mlym" typeface="Kartika"/>
+        <a:font script="Laoo" typeface="DokChampa"/>
+        <a:font script="Sinh" typeface="Iskoola Pota"/>
+        <a:font script="Mong" typeface="Mongolian Baiti"/>
+        <a:font script="Viet" typeface="Times New Roman"/>
+        <a:font script="Uigh" typeface="Microsoft Uighur"/>
+        <a:font script="Geor" typeface="Sylfaen"/>
+        <a:font script="Armn" typeface="Arial"/>
+        <a:font script="Bugi" typeface="Leelawadee UI"/>
+        <a:font script="Bopo" typeface="Microsoft JhengHei"/>
+        <a:font script="Java" typeface="Javanese Text"/>
+        <a:font script="Lisu" typeface="Segoe UI"/>
+        <a:font script="Mymr" typeface="Myanmar Text"/>
+        <a:font script="Nkoo" typeface="Ebrima"/>
+        <a:font script="Olck" typeface="Nirmala UI"/>
+        <a:font script="Osma" typeface="Ebrima"/>
+        <a:font script="Phag" typeface="Phagspa"/>
+        <a:font script="Syrn" typeface="Estrangelo Edessa"/>
+        <a:font script="Syrj" typeface="Estrangelo Edessa"/>
+        <a:font script="Syre" typeface="Estrangelo Edessa"/>
+        <a:font script="Sora" typeface="Nirmala UI"/>
+        <a:font script="Tale" typeface="Microsoft Tai Le"/>
+        <a:font script="Talu" typeface="Microsoft New Tai Lue"/>
+        <a:font script="Tfng" typeface="Ebrima"/>
+      </a:majorFont>
+      <a:minorFont>
+        <a:latin typeface="Calibri" panose="020F0502020204030204"/>
+        <a:ea typeface=""/>
+        <a:cs typeface=""/>
+        <a:font script="Jpan" typeface="游ゴシック"/>
+        <a:font script="Hang" typeface="맑은 고딕"/>
+        <a:font script="Hans" typeface="等线"/>
+        <a:font script="Hant" typeface="新細明體"/>
+        <a:font script="Arab" typeface="Arial"/>
+        <a:font script="Hebr" typeface="Arial"/>
+        <a:font script="Thai" typeface="Cordia New"/>
+        <a:font script="Ethi" typeface="Nyala"/>
+        <a:font script="Beng" typeface="Vrinda"/>
+        <a:font script="Gujr" typeface="Shruti"/>
+        <a:font script="Khmr" typeface="DaunPenh"/>
+        <a:font script="Knda" typeface="Tunga"/>
+        <a:font script="Guru" typeface="Raavi"/>
+        <a:font script="Cans" typeface="Euphemia"/>
+        <a:font script="Cher" typeface="Plantagenet Cherokee"/>
+        <a:font script="Yiii" typeface="Microsoft Yi Baiti"/>
+        <a:font script="Tibt" typeface="Microsoft Himalaya"/>
+        <a:font script="Thaa" typeface="MV Boli"/>
+        <a:font script="Deva" typeface="Mangal"/>
+        <a:font script="Telu" typeface="Gautami"/>
+        <a:font script="Taml" typeface="Latha"/>
+        <a:font script="Syrc" typeface="Estrangelo Edessa"/>
+        <a:font script="Orya" typeface="Kalinga"/>
+        <a:font script="Mlym" typeface="Kartika"/>
+        <a:font script="Laoo" typeface="DokChampa"/>
+        <a:font script="Sinh" typeface="Iskoola Pota"/>
+        <a:font script="Mong" typeface="Mongolian Baiti"/>
+        <a:font script="Viet" typeface="Arial"/>
+        <a:font script="Uigh" typeface="Microsoft Uighur"/>
+        <a:font script="Geor" typeface="Sylfaen"/>
+        <a:font script="Armn" typeface="Arial"/>
+        <a:font script="Bugi" typeface="Leelawadee UI"/>
+        <a:font script="Bopo" typeface="Microsoft JhengHei"/>
+        <a:font script="Java" typeface="Javanese Text"/>
+        <a:font script="Lisu" typeface="Segoe UI"/>
+        <a:font script="Mymr" typeface="Myanmar Text"/>
+        <a:font script="Nkoo" typeface="Ebrima"/>
+        <a:font script="Olck" typeface="Nirmala UI"/>
+        <a:font script="Osma" typeface="Ebrima"/>
+        <a:font script="Phag" typeface="Phagspa"/>
+        <a:font script="Syrn" typeface="Estrangelo Edessa"/>
+        <a:font script="Syrj" typeface="Estrangelo Edessa"/>
+        <a:font script="Syre" typeface="Estrangelo Edessa"/>
+        <a:font script="Sora" typeface="Nirmala UI"/>
+        <a:font script="Tale" typeface="Microsoft Tai Le"/>
+        <a:font script="Talu" typeface="Microsoft New Tai Lue"/>
+        <a:font script="Tfng" typeface="Ebrima"/>
+      </a:minorFont>
+    </a:fontScheme>
+    <a:fmtScheme name="Стандартная">
+      <a:fillStyleLst>
+        <a:solidFill>
+          <a:schemeClr val="phClr"/>
+        </a:solidFill>
+        <a:gradFill rotWithShape="1">
+          <a:gsLst>
+            <a:gs pos="0">
+              <a:schemeClr val="phClr">
+                <a:lumMod val="110000"/>
+                <a:satMod val="105000"/>
+                <a:tint val="67000"/>
+              </a:schemeClr>
+            </a:gs>
+            <a:gs pos="50000">
+              <a:schemeClr val="phClr">
+                <a:lumMod val="105000"/>
+                <a:satMod val="103000"/>
+                <a:tint val="73000"/>
+              </a:schemeClr>
+            </a:gs>
+            <a:gs pos="100000">
+              <a:schemeClr val="phClr">
+                <a:lumMod val="105000"/>
+                <a:satMod val="109000"/>
+                <a:tint val="81000"/>
+              </a:schemeClr>
+            </a:gs>
+          </a:gsLst>
+          <a:lin ang="5400000" scaled="0"/>
+        </a:gradFill>
+        <a:gradFill rotWithShape="1">
+          <a:gsLst>
+            <a:gs pos="0">
+              <a:schemeClr val="phClr">
+                <a:satMod val="103000"/>
+                <a:lumMod val="102000"/>
+                <a:tint val="94000"/>
+              </a:schemeClr>
+            </a:gs>
+            <a:gs pos="50000">
+              <a:schemeClr val="phClr">
+                <a:satMod val="110000"/>
+                <a:lumMod val="100000"/>
+                <a:shade val="100000"/>
+              </a:schemeClr>
+            </a:gs>
+            <a:gs pos="100000">
+              <a:schemeClr val="phClr">
+                <a:lumMod val="99000"/>
+                <a:satMod val="120000"/>
+                <a:shade val="78000"/>
+              </a:schemeClr>
+            </a:gs>
+          </a:gsLst>
+          <a:lin ang="5400000" scaled="0"/>
+        </a:gradFill>
+      </a:fillStyleLst>
+      <a:lnStyleLst>
+        <a:ln w="6350" cap="flat" cmpd="sng" algn="ctr">
+          <a:solidFill>
+            <a:schemeClr val="phClr"/>
+          </a:solidFill>
+          <a:prstDash val="solid"/>
+          <a:miter lim="800000"/>
+        </a:ln>
+        <a:ln w="12700" cap="flat" cmpd="sng" algn="ctr">
+          <a:solidFill>
+            <a:schemeClr val="phClr"/>
+          </a:solidFill>
+          <a:prstDash val="solid"/>
+          <a:miter lim="800000"/>
+        </a:ln>
+        <a:ln w="19050" cap="flat" cmpd="sng" algn="ctr">
+          <a:solidFill>
+            <a:schemeClr val="phClr"/>
+          </a:solidFill>
+          <a:prstDash val="solid"/>
+          <a:miter lim="800000"/>
+        </a:ln>
+      </a:lnStyleLst>
+      <a:effectStyleLst>
+        <a:effectStyle>
+          <a:effectLst/>
+        </a:effectStyle>
+        <a:effectStyle>
+          <a:effectLst/>
+        </a:effectStyle>
+        <a:effectStyle>
+          <a:effectLst>
+            <a:outerShdw blurRad="57150" dist="19050" dir="5400000" algn="ctr" rotWithShape="0">
+              <a:srgbClr val="000000">
+                <a:alpha val="63000"/>
+              </a:srgbClr>
+            </a:outerShdw>
+          </a:effectLst>
+        </a:effectStyle>
+      </a:effectStyleLst>
+      <a:bgFillStyleLst>
+        <a:solidFill>
+          <a:schemeClr val="phClr"/>
+        </a:solidFill>
+        <a:solidFill>
+          <a:schemeClr val="phClr">
+            <a:tint val="95000"/>
+            <a:satMod val="170000"/>
+          </a:schemeClr>
+        </a:solidFill>
+        <a:gradFill rotWithShape="1">
+          <a:gsLst>
+            <a:gs pos="0">
+              <a:schemeClr val="phClr">
+                <a:tint val="93000"/>
+                <a:satMod val="150000"/>
+                <a:shade val="98000"/>
+                <a:lumMod val="102000"/>
+              </a:schemeClr>
+            </a:gs>
+            <a:gs pos="50000">
+              <a:schemeClr val="phClr">
+                <a:tint val="98000"/>
+                <a:satMod val="130000"/>
+                <a:shade val="90000"/>
+                <a:lumMod val="103000"/>
+              </a:schemeClr>
+            </a:gs>
+            <a:gs pos="100000">
+              <a:schemeClr val="phClr">
+                <a:shade val="63000"/>
+                <a:satMod val="120000"/>
+              </a:schemeClr>
+            </a:gs>
+          </a:gsLst>
+          <a:lin ang="5400000" scaled="0"/>
+        </a:gradFill>
+      </a:bgFillStyleLst>
+    </a:fmtScheme>
+  </a:themeElements>
+  <a:objectDefaults/>
+  <a:extraClrSchemeLst/>
+  <a:extLst>
+    <a:ext uri="{05A4C25C-085E-4340-85A3-A5531E510DB2}">
+      <thm15:themeFamily xmlns:thm15="http://schemas.microsoft.com/office/thememl/2012/main" name="Office Theme" id="{62F939B6-93AF-4DB8-9C6B-D6C7DFDC589F}" vid="{4A3C46E8-61CC-4603-A589-7422A47A8E4A}"/>
+    </a:ext>
+  </a:extLst>
+</a:theme>
 </file>
--- a/документы/ЗащитаУП.pptx
+++ b/документы/ЗащитаУП.pptx
@@ -5,7 +5,7 @@
     <p:sldMasterId id="2147483648" r:id="rId1"/>
   </p:sldMasterIdLst>
   <p:notesMasterIdLst>
-    <p:notesMasterId r:id="rId17"/>
+    <p:notesMasterId r:id="rId21"/>
   </p:notesMasterIdLst>
   <p:sldIdLst>
     <p:sldId id="257" r:id="rId2"/>
@@ -14,15 +14,19 @@
     <p:sldId id="260" r:id="rId5"/>
     <p:sldId id="262" r:id="rId6"/>
     <p:sldId id="263" r:id="rId7"/>
-    <p:sldId id="265" r:id="rId8"/>
-    <p:sldId id="268" r:id="rId9"/>
-    <p:sldId id="267" r:id="rId10"/>
-    <p:sldId id="270" r:id="rId11"/>
-    <p:sldId id="271" r:id="rId12"/>
-    <p:sldId id="272" r:id="rId13"/>
-    <p:sldId id="264" r:id="rId14"/>
-    <p:sldId id="273" r:id="rId15"/>
-    <p:sldId id="266" r:id="rId16"/>
+    <p:sldId id="277" r:id="rId8"/>
+    <p:sldId id="270" r:id="rId9"/>
+    <p:sldId id="274" r:id="rId10"/>
+    <p:sldId id="275" r:id="rId11"/>
+    <p:sldId id="276" r:id="rId12"/>
+    <p:sldId id="265" r:id="rId13"/>
+    <p:sldId id="268" r:id="rId14"/>
+    <p:sldId id="267" r:id="rId15"/>
+    <p:sldId id="271" r:id="rId16"/>
+    <p:sldId id="272" r:id="rId17"/>
+    <p:sldId id="264" r:id="rId18"/>
+    <p:sldId id="273" r:id="rId19"/>
+    <p:sldId id="266" r:id="rId20"/>
   </p:sldIdLst>
   <p:sldSz cx="12192000" cy="6858000"/>
   <p:notesSz cx="6858000" cy="9144000"/>
@@ -551,7 +555,7 @@
           <a:p>
             <a:fld id="{549F299E-BC29-4E8C-81AD-DAA5C8B84D4A}" type="slidenum">
               <a:rPr lang="ru-RU" smtClean="0"/>
-              <a:t>13</a:t>
+              <a:t>17</a:t>
             </a:fld>
             <a:endParaRPr lang="ru-RU"/>
           </a:p>
@@ -4266,7 +4270,7 @@
         <p:cNvPr id="1" name="">
           <a:extLst>
             <a:ext uri="{FF2B5EF4-FFF2-40B4-BE49-F238E27FC236}">
-              <a16:creationId xmlns:a16="http://schemas.microsoft.com/office/drawing/2014/main" id="{C24AFF42-AC00-FA0F-4FA4-CB21C4B43F28}"/>
+              <a16:creationId xmlns:a16="http://schemas.microsoft.com/office/drawing/2014/main" id="{EEEAB3FC-5E8B-FB6B-DFFD-5D10DA747621}"/>
             </a:ext>
           </a:extLst>
         </p:cNvPr>
@@ -4286,7 +4290,7 @@
           <p:cNvPr id="2" name="Рамка 1">
             <a:extLst>
               <a:ext uri="{FF2B5EF4-FFF2-40B4-BE49-F238E27FC236}">
-                <a16:creationId xmlns:a16="http://schemas.microsoft.com/office/drawing/2014/main" id="{26E1818D-2E7E-2509-0DC4-49BF8AB7C53B}"/>
+                <a16:creationId xmlns:a16="http://schemas.microsoft.com/office/drawing/2014/main" id="{19058424-D6EE-62C7-17CE-63EF24AA2AB2}"/>
               </a:ext>
             </a:extLst>
           </p:cNvPr>
@@ -4346,7 +4350,7 @@
           <p:cNvPr id="11" name="Заголовок 6">
             <a:extLst>
               <a:ext uri="{FF2B5EF4-FFF2-40B4-BE49-F238E27FC236}">
-                <a16:creationId xmlns:a16="http://schemas.microsoft.com/office/drawing/2014/main" id="{829483EA-8117-E717-5FA0-73E43AD38B9C}"/>
+                <a16:creationId xmlns:a16="http://schemas.microsoft.com/office/drawing/2014/main" id="{C4C602A8-503E-7B4D-E0D7-BC25F8F61550}"/>
               </a:ext>
             </a:extLst>
           </p:cNvPr>
@@ -4359,8 +4363,8 @@
         </p:nvSpPr>
         <p:spPr>
           <a:xfrm>
-            <a:off x="1441946" y="475816"/>
-            <a:ext cx="9120218" cy="634082"/>
+            <a:off x="1768232" y="463148"/>
+            <a:ext cx="9502880" cy="634082"/>
           </a:xfrm>
         </p:spPr>
         <p:txBody>
@@ -4378,7 +4382,7 @@
                 <a:latin typeface="Arial"/>
                 <a:cs typeface="Arial"/>
               </a:rPr>
-              <a:t>UML-ДИАГРАММЫ ДЛЯ АВТОРИЗАЦИИ</a:t>
+              <a:t>СТРАНИЦА СОЗДАНИЯ РЕЦЕПТОВ</a:t>
             </a:r>
             <a:endParaRPr lang="ru-RU" dirty="0"/>
           </a:p>
@@ -4386,10 +4390,397 @@
       </p:sp>
       <p:pic>
         <p:nvPicPr>
-          <p:cNvPr id="4" name="Рисунок 3" descr="Изображение выглядит как текст, снимок экрана, диаграмма, Шрифт&#10;&#10;Содержимое, созданное искусственным интеллектом, может быть неверным.">
-            <a:extLst>
-              <a:ext uri="{FF2B5EF4-FFF2-40B4-BE49-F238E27FC236}">
-                <a16:creationId xmlns:a16="http://schemas.microsoft.com/office/drawing/2014/main" id="{CD288F2F-6A63-FF0D-942F-98A384C6BDDC}"/>
+          <p:cNvPr id="3" name="Рисунок 2">
+            <a:extLst>
+              <a:ext uri="{FF2B5EF4-FFF2-40B4-BE49-F238E27FC236}">
+                <a16:creationId xmlns:a16="http://schemas.microsoft.com/office/drawing/2014/main" id="{EC3AEC86-AF24-F89C-9BF3-08AE0B171BEE}"/>
+              </a:ext>
+            </a:extLst>
+          </p:cNvPr>
+          <p:cNvPicPr>
+            <a:picLocks noChangeAspect="1"/>
+          </p:cNvPicPr>
+          <p:nvPr/>
+        </p:nvPicPr>
+        <p:blipFill>
+          <a:blip r:embed="rId2">
+            <a:extLst>
+              <a:ext uri="{28A0092B-C50C-407E-A947-70E740481C1C}">
+                <a14:useLocalDpi xmlns:a14="http://schemas.microsoft.com/office/drawing/2010/main" val="0"/>
+              </a:ext>
+            </a:extLst>
+          </a:blip>
+          <a:stretch>
+            <a:fillRect/>
+          </a:stretch>
+        </p:blipFill>
+        <p:spPr>
+          <a:xfrm>
+            <a:off x="2647981" y="1097230"/>
+            <a:ext cx="7904195" cy="5191168"/>
+          </a:xfrm>
+          <a:prstGeom prst="rect">
+            <a:avLst/>
+          </a:prstGeom>
+        </p:spPr>
+      </p:pic>
+    </p:spTree>
+    <p:extLst>
+      <p:ext uri="{BB962C8B-B14F-4D97-AF65-F5344CB8AC3E}">
+        <p14:creationId xmlns:p14="http://schemas.microsoft.com/office/powerpoint/2010/main" val="2820606663"/>
+      </p:ext>
+    </p:extLst>
+  </p:cSld>
+  <p:clrMapOvr>
+    <a:masterClrMapping/>
+  </p:clrMapOvr>
+</p:sld>
+</file>
+
+<file path=ppt/slides/slide11.xml><?xml version="1.0" encoding="utf-8"?>
+<p:sld xmlns:a="http://schemas.openxmlformats.org/drawingml/2006/main" xmlns:r="http://schemas.openxmlformats.org/officeDocument/2006/relationships" xmlns:p="http://schemas.openxmlformats.org/presentationml/2006/main">
+  <p:cSld>
+    <p:spTree>
+      <p:nvGrpSpPr>
+        <p:cNvPr id="1" name="">
+          <a:extLst>
+            <a:ext uri="{FF2B5EF4-FFF2-40B4-BE49-F238E27FC236}">
+              <a16:creationId xmlns:a16="http://schemas.microsoft.com/office/drawing/2014/main" id="{B8BB3923-0455-1846-DFA6-CA8BE8895431}"/>
+            </a:ext>
+          </a:extLst>
+        </p:cNvPr>
+        <p:cNvGrpSpPr/>
+        <p:nvPr/>
+      </p:nvGrpSpPr>
+      <p:grpSpPr>
+        <a:xfrm>
+          <a:off x="0" y="0"/>
+          <a:ext cx="0" cy="0"/>
+          <a:chOff x="0" y="0"/>
+          <a:chExt cx="0" cy="0"/>
+        </a:xfrm>
+      </p:grpSpPr>
+      <p:sp>
+        <p:nvSpPr>
+          <p:cNvPr id="2" name="Рамка 1">
+            <a:extLst>
+              <a:ext uri="{FF2B5EF4-FFF2-40B4-BE49-F238E27FC236}">
+                <a16:creationId xmlns:a16="http://schemas.microsoft.com/office/drawing/2014/main" id="{A1497ED2-98DD-08E0-BBA5-4C7458116D27}"/>
+              </a:ext>
+            </a:extLst>
+          </p:cNvPr>
+          <p:cNvSpPr/>
+          <p:nvPr/>
+        </p:nvSpPr>
+        <p:spPr>
+          <a:xfrm>
+            <a:off x="0" y="0"/>
+            <a:ext cx="12192000" cy="6858000"/>
+          </a:xfrm>
+          <a:prstGeom prst="frame">
+            <a:avLst>
+              <a:gd name="adj1" fmla="val 2233"/>
+            </a:avLst>
+          </a:prstGeom>
+          <a:solidFill>
+            <a:srgbClr val="9B2D1F"/>
+          </a:solidFill>
+          <a:ln>
+            <a:solidFill>
+              <a:srgbClr val="9B2D1F"/>
+            </a:solidFill>
+          </a:ln>
+        </p:spPr>
+        <p:style>
+          <a:lnRef idx="2">
+            <a:schemeClr val="accent1">
+              <a:shade val="15000"/>
+            </a:schemeClr>
+          </a:lnRef>
+          <a:fillRef idx="1">
+            <a:schemeClr val="accent1"/>
+          </a:fillRef>
+          <a:effectRef idx="0">
+            <a:schemeClr val="accent1"/>
+          </a:effectRef>
+          <a:fontRef idx="minor">
+            <a:schemeClr val="lt1"/>
+          </a:fontRef>
+        </p:style>
+        <p:txBody>
+          <a:bodyPr rtlCol="0" anchor="ctr"/>
+          <a:lstStyle/>
+          <a:p>
+            <a:pPr algn="ctr"/>
+            <a:endParaRPr lang="ru-RU">
+              <a:solidFill>
+                <a:schemeClr val="tx1"/>
+              </a:solidFill>
+            </a:endParaRPr>
+          </a:p>
+        </p:txBody>
+      </p:sp>
+      <p:sp>
+        <p:nvSpPr>
+          <p:cNvPr id="11" name="Заголовок 6">
+            <a:extLst>
+              <a:ext uri="{FF2B5EF4-FFF2-40B4-BE49-F238E27FC236}">
+                <a16:creationId xmlns:a16="http://schemas.microsoft.com/office/drawing/2014/main" id="{E4533061-65A1-C8D7-7BE7-CC0C2937EA80}"/>
+              </a:ext>
+            </a:extLst>
+          </p:cNvPr>
+          <p:cNvSpPr>
+            <a:spLocks noGrp="1"/>
+          </p:cNvSpPr>
+          <p:nvPr>
+            <p:ph type="title"/>
+          </p:nvPr>
+        </p:nvSpPr>
+        <p:spPr>
+          <a:xfrm>
+            <a:off x="1768232" y="463148"/>
+            <a:ext cx="9502880" cy="634082"/>
+          </a:xfrm>
+        </p:spPr>
+        <p:txBody>
+          <a:bodyPr vert="horz" lIns="91440" tIns="45720" rIns="91440" bIns="45720" rtlCol="0" anchor="ctr">
+            <a:normAutofit/>
+          </a:bodyPr>
+          <a:lstStyle/>
+          <a:p>
+            <a:pPr algn="ctr"/>
+            <a:r>
+              <a:rPr lang="ru-RU" sz="3200" b="1" dirty="0">
+                <a:solidFill>
+                  <a:srgbClr val="9B2D1F"/>
+                </a:solidFill>
+                <a:latin typeface="Arial"/>
+                <a:cs typeface="Arial"/>
+              </a:rPr>
+              <a:t>ГЛАВНАЯ СТРАНИЦА И КАРТОЧКА РЕЦЕПТА</a:t>
+            </a:r>
+            <a:endParaRPr lang="ru-RU" dirty="0"/>
+          </a:p>
+        </p:txBody>
+      </p:sp>
+      <p:pic>
+        <p:nvPicPr>
+          <p:cNvPr id="4" name="Рисунок 3">
+            <a:extLst>
+              <a:ext uri="{FF2B5EF4-FFF2-40B4-BE49-F238E27FC236}">
+                <a16:creationId xmlns:a16="http://schemas.microsoft.com/office/drawing/2014/main" id="{06C6F9ED-A783-B439-EE9B-5553A7A311A6}"/>
+              </a:ext>
+            </a:extLst>
+          </p:cNvPr>
+          <p:cNvPicPr>
+            <a:picLocks noChangeAspect="1"/>
+          </p:cNvPicPr>
+          <p:nvPr/>
+        </p:nvPicPr>
+        <p:blipFill>
+          <a:blip r:embed="rId2" cstate="print">
+            <a:extLst>
+              <a:ext uri="{28A0092B-C50C-407E-A947-70E740481C1C}">
+                <a14:useLocalDpi xmlns:a14="http://schemas.microsoft.com/office/drawing/2010/main" val="0"/>
+              </a:ext>
+            </a:extLst>
+          </a:blip>
+          <a:stretch>
+            <a:fillRect/>
+          </a:stretch>
+        </p:blipFill>
+        <p:spPr>
+          <a:xfrm>
+            <a:off x="595947" y="2727896"/>
+            <a:ext cx="6289704" cy="1597216"/>
+          </a:xfrm>
+          <a:prstGeom prst="rect">
+            <a:avLst/>
+          </a:prstGeom>
+        </p:spPr>
+      </p:pic>
+      <p:pic>
+        <p:nvPicPr>
+          <p:cNvPr id="5" name="Рисунок 4">
+            <a:extLst>
+              <a:ext uri="{FF2B5EF4-FFF2-40B4-BE49-F238E27FC236}">
+                <a16:creationId xmlns:a16="http://schemas.microsoft.com/office/drawing/2014/main" id="{4084A964-C1A2-5308-72C9-8E3BE671AA1B}"/>
+              </a:ext>
+            </a:extLst>
+          </p:cNvPr>
+          <p:cNvPicPr>
+            <a:picLocks noChangeAspect="1"/>
+          </p:cNvPicPr>
+          <p:nvPr/>
+        </p:nvPicPr>
+        <p:blipFill>
+          <a:blip r:embed="rId3" cstate="print">
+            <a:extLst>
+              <a:ext uri="{28A0092B-C50C-407E-A947-70E740481C1C}">
+                <a14:useLocalDpi xmlns:a14="http://schemas.microsoft.com/office/drawing/2010/main" val="0"/>
+              </a:ext>
+            </a:extLst>
+          </a:blip>
+          <a:srcRect l="19592" t="8098" r="23641"/>
+          <a:stretch>
+            <a:fillRect/>
+          </a:stretch>
+        </p:blipFill>
+        <p:spPr>
+          <a:xfrm>
+            <a:off x="6649149" y="1097230"/>
+            <a:ext cx="4946904" cy="5376402"/>
+          </a:xfrm>
+          <a:prstGeom prst="rect">
+            <a:avLst/>
+          </a:prstGeom>
+        </p:spPr>
+      </p:pic>
+    </p:spTree>
+    <p:extLst>
+      <p:ext uri="{BB962C8B-B14F-4D97-AF65-F5344CB8AC3E}">
+        <p14:creationId xmlns:p14="http://schemas.microsoft.com/office/powerpoint/2010/main" val="869160037"/>
+      </p:ext>
+    </p:extLst>
+  </p:cSld>
+  <p:clrMapOvr>
+    <a:masterClrMapping/>
+  </p:clrMapOvr>
+</p:sld>
+</file>
+
+<file path=ppt/slides/slide12.xml><?xml version="1.0" encoding="utf-8"?>
+<p:sld xmlns:a="http://schemas.openxmlformats.org/drawingml/2006/main" xmlns:r="http://schemas.openxmlformats.org/officeDocument/2006/relationships" xmlns:p="http://schemas.openxmlformats.org/presentationml/2006/main">
+  <p:cSld>
+    <p:spTree>
+      <p:nvGrpSpPr>
+        <p:cNvPr id="1" name="">
+          <a:extLst>
+            <a:ext uri="{FF2B5EF4-FFF2-40B4-BE49-F238E27FC236}">
+              <a16:creationId xmlns:a16="http://schemas.microsoft.com/office/drawing/2014/main" id="{14232443-9AF1-949C-65EC-C1F81CB5C465}"/>
+            </a:ext>
+          </a:extLst>
+        </p:cNvPr>
+        <p:cNvGrpSpPr/>
+        <p:nvPr/>
+      </p:nvGrpSpPr>
+      <p:grpSpPr>
+        <a:xfrm>
+          <a:off x="0" y="0"/>
+          <a:ext cx="0" cy="0"/>
+          <a:chOff x="0" y="0"/>
+          <a:chExt cx="0" cy="0"/>
+        </a:xfrm>
+      </p:grpSpPr>
+      <p:sp>
+        <p:nvSpPr>
+          <p:cNvPr id="2" name="Рамка 1">
+            <a:extLst>
+              <a:ext uri="{FF2B5EF4-FFF2-40B4-BE49-F238E27FC236}">
+                <a16:creationId xmlns:a16="http://schemas.microsoft.com/office/drawing/2014/main" id="{313A98FA-0C8E-85FD-F506-18C41EBD55D3}"/>
+              </a:ext>
+            </a:extLst>
+          </p:cNvPr>
+          <p:cNvSpPr/>
+          <p:nvPr/>
+        </p:nvSpPr>
+        <p:spPr>
+          <a:xfrm>
+            <a:off x="0" y="0"/>
+            <a:ext cx="12192000" cy="6858000"/>
+          </a:xfrm>
+          <a:prstGeom prst="frame">
+            <a:avLst>
+              <a:gd name="adj1" fmla="val 2233"/>
+            </a:avLst>
+          </a:prstGeom>
+          <a:solidFill>
+            <a:srgbClr val="9B2D1F"/>
+          </a:solidFill>
+          <a:ln>
+            <a:solidFill>
+              <a:srgbClr val="9B2D1F"/>
+            </a:solidFill>
+          </a:ln>
+        </p:spPr>
+        <p:style>
+          <a:lnRef idx="2">
+            <a:schemeClr val="accent1">
+              <a:shade val="15000"/>
+            </a:schemeClr>
+          </a:lnRef>
+          <a:fillRef idx="1">
+            <a:schemeClr val="accent1"/>
+          </a:fillRef>
+          <a:effectRef idx="0">
+            <a:schemeClr val="accent1"/>
+          </a:effectRef>
+          <a:fontRef idx="minor">
+            <a:schemeClr val="lt1"/>
+          </a:fontRef>
+        </p:style>
+        <p:txBody>
+          <a:bodyPr rtlCol="0" anchor="ctr"/>
+          <a:lstStyle/>
+          <a:p>
+            <a:pPr algn="ctr"/>
+            <a:endParaRPr lang="ru-RU">
+              <a:solidFill>
+                <a:schemeClr val="tx1"/>
+              </a:solidFill>
+            </a:endParaRPr>
+          </a:p>
+        </p:txBody>
+      </p:sp>
+      <p:sp>
+        <p:nvSpPr>
+          <p:cNvPr id="11" name="Заголовок 6">
+            <a:extLst>
+              <a:ext uri="{FF2B5EF4-FFF2-40B4-BE49-F238E27FC236}">
+                <a16:creationId xmlns:a16="http://schemas.microsoft.com/office/drawing/2014/main" id="{515A834E-666C-FE70-B060-6E581BBB1E46}"/>
+              </a:ext>
+            </a:extLst>
+          </p:cNvPr>
+          <p:cNvSpPr>
+            <a:spLocks noGrp="1"/>
+          </p:cNvSpPr>
+          <p:nvPr>
+            <p:ph type="title"/>
+          </p:nvPr>
+        </p:nvSpPr>
+        <p:spPr>
+          <a:xfrm>
+            <a:off x="2110000" y="475816"/>
+            <a:ext cx="7972000" cy="634082"/>
+          </a:xfrm>
+        </p:spPr>
+        <p:txBody>
+          <a:bodyPr vert="horz" lIns="91440" tIns="45720" rIns="91440" bIns="45720" rtlCol="0" anchor="ctr">
+            <a:normAutofit/>
+          </a:bodyPr>
+          <a:lstStyle/>
+          <a:p>
+            <a:pPr algn="ctr"/>
+            <a:r>
+              <a:rPr lang="ru-RU" sz="3200" b="1" dirty="0">
+                <a:solidFill>
+                  <a:srgbClr val="9B2D1F"/>
+                </a:solidFill>
+                <a:latin typeface="Arial"/>
+                <a:cs typeface="Arial"/>
+              </a:rPr>
+              <a:t>ВЕРСТКА ПРОФИЛЯ</a:t>
+            </a:r>
+            <a:endParaRPr lang="ru-RU"/>
+          </a:p>
+        </p:txBody>
+      </p:sp>
+      <p:pic>
+        <p:nvPicPr>
+          <p:cNvPr id="4" name="Рисунок 3" descr="Изображение выглядит как текст, снимок экрана&#10;&#10;Содержимое, созданное искусственным интеллектом, может быть неверным.">
+            <a:extLst>
+              <a:ext uri="{FF2B5EF4-FFF2-40B4-BE49-F238E27FC236}">
+                <a16:creationId xmlns:a16="http://schemas.microsoft.com/office/drawing/2014/main" id="{2B0BF448-3856-6EE6-C297-3644E3C6C4F6}"/>
               </a:ext>
             </a:extLst>
           </p:cNvPr>
@@ -4406,8 +4797,8 @@
         </p:blipFill>
         <p:spPr>
           <a:xfrm>
-            <a:off x="932080" y="1716196"/>
-            <a:ext cx="5348745" cy="3039390"/>
+            <a:off x="6358982" y="1853330"/>
+            <a:ext cx="5288202" cy="3151340"/>
           </a:xfrm>
           <a:prstGeom prst="rect">
             <a:avLst/>
@@ -4416,10 +4807,10 @@
       </p:pic>
       <p:pic>
         <p:nvPicPr>
-          <p:cNvPr id="5" name="Рисунок 4" descr="Изображение выглядит как текст, снимок экрана, диаграмма, дизайн&#10;&#10;Содержимое, созданное искусственным интеллектом, может быть неверным.">
-            <a:extLst>
-              <a:ext uri="{FF2B5EF4-FFF2-40B4-BE49-F238E27FC236}">
-                <a16:creationId xmlns:a16="http://schemas.microsoft.com/office/drawing/2014/main" id="{CE5AF5C3-C019-1255-2CFD-F7AD1D1B5D38}"/>
+          <p:cNvPr id="5" name="Рисунок 4" descr="Изображение выглядит как текст, снимок экрана, Шрифт&#10;&#10;Содержимое, созданное искусственным интеллектом, может быть неверным.">
+            <a:extLst>
+              <a:ext uri="{FF2B5EF4-FFF2-40B4-BE49-F238E27FC236}">
+                <a16:creationId xmlns:a16="http://schemas.microsoft.com/office/drawing/2014/main" id="{1CA7302F-5102-62C2-4726-C9D27CC5AC46}"/>
               </a:ext>
             </a:extLst>
           </p:cNvPr>
@@ -4436,101 +4827,18 @@
         </p:blipFill>
         <p:spPr>
           <a:xfrm>
-            <a:off x="4480925" y="4172341"/>
-            <a:ext cx="7092342" cy="2072797"/>
+            <a:off x="773025" y="1644629"/>
+            <a:ext cx="5124060" cy="3359977"/>
           </a:xfrm>
           <a:prstGeom prst="rect">
             <a:avLst/>
           </a:prstGeom>
         </p:spPr>
       </p:pic>
-      <p:sp>
-        <p:nvSpPr>
-          <p:cNvPr id="7" name="TextBox 6">
-            <a:extLst>
-              <a:ext uri="{FF2B5EF4-FFF2-40B4-BE49-F238E27FC236}">
-                <a16:creationId xmlns:a16="http://schemas.microsoft.com/office/drawing/2014/main" id="{E298D324-8A45-AAD0-5AEF-DA4FF798D941}"/>
-              </a:ext>
-            </a:extLst>
-          </p:cNvPr>
-          <p:cNvSpPr txBox="1"/>
-          <p:nvPr/>
-        </p:nvSpPr>
-        <p:spPr>
-          <a:xfrm>
-            <a:off x="6284344" y="1718300"/>
-            <a:ext cx="3048530" cy="369332"/>
-          </a:xfrm>
-          <a:prstGeom prst="rect">
-            <a:avLst/>
-          </a:prstGeom>
-          <a:noFill/>
-        </p:spPr>
-        <p:txBody>
-          <a:bodyPr rot="0" spcFirstLastPara="0" vertOverflow="overflow" horzOverflow="overflow" vert="horz" wrap="square" lIns="91440" tIns="45720" rIns="91440" bIns="45720" numCol="1" spcCol="0" rtlCol="0" fromWordArt="0" anchor="t" anchorCtr="0" forceAA="0" compatLnSpc="1">
-            <a:prstTxWarp prst="textNoShape">
-              <a:avLst/>
-            </a:prstTxWarp>
-            <a:spAutoFit/>
-          </a:bodyPr>
-          <a:lstStyle/>
-          <a:p>
-            <a:r>
-              <a:rPr lang="ru-RU" dirty="0">
-                <a:ea typeface="Calibri"/>
-                <a:cs typeface="Calibri"/>
-              </a:rPr>
-              <a:t>Диаграмма коммуникации</a:t>
-            </a:r>
-          </a:p>
-        </p:txBody>
-      </p:sp>
-      <p:sp>
-        <p:nvSpPr>
-          <p:cNvPr id="9" name="TextBox 8">
-            <a:extLst>
-              <a:ext uri="{FF2B5EF4-FFF2-40B4-BE49-F238E27FC236}">
-                <a16:creationId xmlns:a16="http://schemas.microsoft.com/office/drawing/2014/main" id="{12A83E40-B25B-A824-F6B0-D5A1ECDDDC64}"/>
-              </a:ext>
-            </a:extLst>
-          </p:cNvPr>
-          <p:cNvSpPr txBox="1"/>
-          <p:nvPr/>
-        </p:nvSpPr>
-        <p:spPr>
-          <a:xfrm>
-            <a:off x="2317769" y="5048134"/>
-            <a:ext cx="2411791" cy="369332"/>
-          </a:xfrm>
-          <a:prstGeom prst="rect">
-            <a:avLst/>
-          </a:prstGeom>
-          <a:noFill/>
-        </p:spPr>
-        <p:txBody>
-          <a:bodyPr rot="0" spcFirstLastPara="0" vertOverflow="overflow" horzOverflow="overflow" vert="horz" wrap="square" lIns="91440" tIns="45720" rIns="91440" bIns="45720" numCol="1" spcCol="0" rtlCol="0" fromWordArt="0" anchor="t" anchorCtr="0" forceAA="0" compatLnSpc="1">
-            <a:prstTxWarp prst="textNoShape">
-              <a:avLst/>
-            </a:prstTxWarp>
-            <a:spAutoFit/>
-          </a:bodyPr>
-          <a:lstStyle/>
-          <a:p>
-            <a:r>
-              <a:rPr lang="ru-RU" dirty="0">
-                <a:ea typeface="Calibri"/>
-                <a:cs typeface="Calibri"/>
-              </a:rPr>
-              <a:t>Диаграмма состояний</a:t>
-            </a:r>
-            <a:endParaRPr lang="ru-RU" dirty="0"/>
-          </a:p>
-        </p:txBody>
-      </p:sp>
     </p:spTree>
     <p:extLst>
       <p:ext uri="{BB962C8B-B14F-4D97-AF65-F5344CB8AC3E}">
-        <p14:creationId xmlns:p14="http://schemas.microsoft.com/office/powerpoint/2010/main" val="1240342847"/>
+        <p14:creationId xmlns:p14="http://schemas.microsoft.com/office/powerpoint/2010/main" val="649349780"/>
       </p:ext>
     </p:extLst>
   </p:cSld>
@@ -4540,7 +4848,435 @@
 </p:sld>
 </file>
 
-<file path=ppt/slides/slide11.xml><?xml version="1.0" encoding="utf-8"?>
+<file path=ppt/slides/slide13.xml><?xml version="1.0" encoding="utf-8"?>
+<p:sld xmlns:a="http://schemas.openxmlformats.org/drawingml/2006/main" xmlns:r="http://schemas.openxmlformats.org/officeDocument/2006/relationships" xmlns:p="http://schemas.openxmlformats.org/presentationml/2006/main">
+  <p:cSld>
+    <p:spTree>
+      <p:nvGrpSpPr>
+        <p:cNvPr id="1" name="">
+          <a:extLst>
+            <a:ext uri="{FF2B5EF4-FFF2-40B4-BE49-F238E27FC236}">
+              <a16:creationId xmlns:a16="http://schemas.microsoft.com/office/drawing/2014/main" id="{3A2CB0AF-40A3-248C-292E-133C749CA2FF}"/>
+            </a:ext>
+          </a:extLst>
+        </p:cNvPr>
+        <p:cNvGrpSpPr/>
+        <p:nvPr/>
+      </p:nvGrpSpPr>
+      <p:grpSpPr>
+        <a:xfrm>
+          <a:off x="0" y="0"/>
+          <a:ext cx="0" cy="0"/>
+          <a:chOff x="0" y="0"/>
+          <a:chExt cx="0" cy="0"/>
+        </a:xfrm>
+      </p:grpSpPr>
+      <p:sp>
+        <p:nvSpPr>
+          <p:cNvPr id="2" name="Рамка 1">
+            <a:extLst>
+              <a:ext uri="{FF2B5EF4-FFF2-40B4-BE49-F238E27FC236}">
+                <a16:creationId xmlns:a16="http://schemas.microsoft.com/office/drawing/2014/main" id="{3A97DA3F-BA15-CB43-73C0-A4727483C5C5}"/>
+              </a:ext>
+            </a:extLst>
+          </p:cNvPr>
+          <p:cNvSpPr/>
+          <p:nvPr/>
+        </p:nvSpPr>
+        <p:spPr>
+          <a:xfrm>
+            <a:off x="0" y="0"/>
+            <a:ext cx="12192000" cy="6858000"/>
+          </a:xfrm>
+          <a:prstGeom prst="frame">
+            <a:avLst>
+              <a:gd name="adj1" fmla="val 2233"/>
+            </a:avLst>
+          </a:prstGeom>
+          <a:solidFill>
+            <a:srgbClr val="9B2D1F"/>
+          </a:solidFill>
+          <a:ln>
+            <a:solidFill>
+              <a:srgbClr val="9B2D1F"/>
+            </a:solidFill>
+          </a:ln>
+        </p:spPr>
+        <p:style>
+          <a:lnRef idx="2">
+            <a:schemeClr val="accent1">
+              <a:shade val="15000"/>
+            </a:schemeClr>
+          </a:lnRef>
+          <a:fillRef idx="1">
+            <a:schemeClr val="accent1"/>
+          </a:fillRef>
+          <a:effectRef idx="0">
+            <a:schemeClr val="accent1"/>
+          </a:effectRef>
+          <a:fontRef idx="minor">
+            <a:schemeClr val="lt1"/>
+          </a:fontRef>
+        </p:style>
+        <p:txBody>
+          <a:bodyPr rtlCol="0" anchor="ctr"/>
+          <a:lstStyle/>
+          <a:p>
+            <a:pPr algn="ctr"/>
+            <a:endParaRPr lang="ru-RU">
+              <a:solidFill>
+                <a:schemeClr val="tx1"/>
+              </a:solidFill>
+            </a:endParaRPr>
+          </a:p>
+        </p:txBody>
+      </p:sp>
+      <p:sp>
+        <p:nvSpPr>
+          <p:cNvPr id="11" name="Заголовок 6">
+            <a:extLst>
+              <a:ext uri="{FF2B5EF4-FFF2-40B4-BE49-F238E27FC236}">
+                <a16:creationId xmlns:a16="http://schemas.microsoft.com/office/drawing/2014/main" id="{F27582B6-3BB0-4422-8521-4425D28AEEE4}"/>
+              </a:ext>
+            </a:extLst>
+          </p:cNvPr>
+          <p:cNvSpPr>
+            <a:spLocks noGrp="1"/>
+          </p:cNvSpPr>
+          <p:nvPr>
+            <p:ph type="title"/>
+          </p:nvPr>
+        </p:nvSpPr>
+        <p:spPr>
+          <a:xfrm>
+            <a:off x="2110000" y="475816"/>
+            <a:ext cx="7972000" cy="634082"/>
+          </a:xfrm>
+        </p:spPr>
+        <p:txBody>
+          <a:bodyPr vert="horz" lIns="91440" tIns="45720" rIns="91440" bIns="45720" rtlCol="0" anchor="ctr">
+            <a:normAutofit/>
+          </a:bodyPr>
+          <a:lstStyle/>
+          <a:p>
+            <a:pPr algn="ctr"/>
+            <a:r>
+              <a:rPr lang="ru-RU" sz="3200" b="1" dirty="0">
+                <a:solidFill>
+                  <a:srgbClr val="9B2D1F"/>
+                </a:solidFill>
+                <a:latin typeface="Arial"/>
+                <a:cs typeface="Arial"/>
+              </a:rPr>
+              <a:t>ВЕРСТКА ПРОФИЛЯ</a:t>
+            </a:r>
+            <a:endParaRPr lang="ru-RU"/>
+          </a:p>
+        </p:txBody>
+      </p:sp>
+      <p:pic>
+        <p:nvPicPr>
+          <p:cNvPr id="4" name="Рисунок 3" descr="Изображение выглядит как текст, снимок экрана, дисплей, программное обеспечение&#10;&#10;Содержимое, созданное искусственным интеллектом, может быть неверным.">
+            <a:extLst>
+              <a:ext uri="{FF2B5EF4-FFF2-40B4-BE49-F238E27FC236}">
+                <a16:creationId xmlns:a16="http://schemas.microsoft.com/office/drawing/2014/main" id="{7787C951-8755-A710-754B-8E10B8CF0722}"/>
+              </a:ext>
+            </a:extLst>
+          </p:cNvPr>
+          <p:cNvPicPr>
+            <a:picLocks noChangeAspect="1"/>
+          </p:cNvPicPr>
+          <p:nvPr/>
+        </p:nvPicPr>
+        <p:blipFill>
+          <a:blip r:embed="rId2"/>
+          <a:stretch>
+            <a:fillRect/>
+          </a:stretch>
+        </p:blipFill>
+        <p:spPr>
+          <a:xfrm>
+            <a:off x="542469" y="1105227"/>
+            <a:ext cx="4520461" cy="4031685"/>
+          </a:xfrm>
+          <a:prstGeom prst="rect">
+            <a:avLst/>
+          </a:prstGeom>
+        </p:spPr>
+      </p:pic>
+      <p:pic>
+        <p:nvPicPr>
+          <p:cNvPr id="7" name="Рисунок 6" descr="Изображение выглядит как текст, снимок экрана, Шрифт, число&#10;&#10;Содержимое, созданное искусственным интеллектом, может быть неверным.">
+            <a:extLst>
+              <a:ext uri="{FF2B5EF4-FFF2-40B4-BE49-F238E27FC236}">
+                <a16:creationId xmlns:a16="http://schemas.microsoft.com/office/drawing/2014/main" id="{69384556-5EF4-947D-63DA-ACB850529FCC}"/>
+              </a:ext>
+            </a:extLst>
+          </p:cNvPr>
+          <p:cNvPicPr>
+            <a:picLocks noChangeAspect="1"/>
+          </p:cNvPicPr>
+          <p:nvPr/>
+        </p:nvPicPr>
+        <p:blipFill>
+          <a:blip r:embed="rId3"/>
+          <a:stretch>
+            <a:fillRect/>
+          </a:stretch>
+        </p:blipFill>
+        <p:spPr>
+          <a:xfrm>
+            <a:off x="385763" y="5406677"/>
+            <a:ext cx="11420475" cy="971550"/>
+          </a:xfrm>
+          <a:prstGeom prst="rect">
+            <a:avLst/>
+          </a:prstGeom>
+        </p:spPr>
+      </p:pic>
+      <p:pic>
+        <p:nvPicPr>
+          <p:cNvPr id="8" name="Рисунок 7" descr="Изображение выглядит как текст, снимок экрана, Шрифт&#10;&#10;Содержимое, созданное искусственным интеллектом, может быть неверным.">
+            <a:extLst>
+              <a:ext uri="{FF2B5EF4-FFF2-40B4-BE49-F238E27FC236}">
+                <a16:creationId xmlns:a16="http://schemas.microsoft.com/office/drawing/2014/main" id="{369FCE98-D1CC-B888-8BA5-0FCD490374D9}"/>
+              </a:ext>
+            </a:extLst>
+          </p:cNvPr>
+          <p:cNvPicPr>
+            <a:picLocks noChangeAspect="1"/>
+          </p:cNvPicPr>
+          <p:nvPr/>
+        </p:nvPicPr>
+        <p:blipFill>
+          <a:blip r:embed="rId4"/>
+          <a:stretch>
+            <a:fillRect/>
+          </a:stretch>
+        </p:blipFill>
+        <p:spPr>
+          <a:xfrm>
+            <a:off x="5289833" y="1240729"/>
+            <a:ext cx="6372225" cy="3562350"/>
+          </a:xfrm>
+          <a:prstGeom prst="rect">
+            <a:avLst/>
+          </a:prstGeom>
+        </p:spPr>
+      </p:pic>
+    </p:spTree>
+    <p:extLst>
+      <p:ext uri="{BB962C8B-B14F-4D97-AF65-F5344CB8AC3E}">
+        <p14:creationId xmlns:p14="http://schemas.microsoft.com/office/powerpoint/2010/main" val="956662569"/>
+      </p:ext>
+    </p:extLst>
+  </p:cSld>
+  <p:clrMapOvr>
+    <a:masterClrMapping/>
+  </p:clrMapOvr>
+</p:sld>
+</file>
+
+<file path=ppt/slides/slide14.xml><?xml version="1.0" encoding="utf-8"?>
+<p:sld xmlns:a="http://schemas.openxmlformats.org/drawingml/2006/main" xmlns:r="http://schemas.openxmlformats.org/officeDocument/2006/relationships" xmlns:p="http://schemas.openxmlformats.org/presentationml/2006/main">
+  <p:cSld>
+    <p:spTree>
+      <p:nvGrpSpPr>
+        <p:cNvPr id="1" name="">
+          <a:extLst>
+            <a:ext uri="{FF2B5EF4-FFF2-40B4-BE49-F238E27FC236}">
+              <a16:creationId xmlns:a16="http://schemas.microsoft.com/office/drawing/2014/main" id="{23FA106F-4F80-E868-99AA-BA824C5C49FD}"/>
+            </a:ext>
+          </a:extLst>
+        </p:cNvPr>
+        <p:cNvGrpSpPr/>
+        <p:nvPr/>
+      </p:nvGrpSpPr>
+      <p:grpSpPr>
+        <a:xfrm>
+          <a:off x="0" y="0"/>
+          <a:ext cx="0" cy="0"/>
+          <a:chOff x="0" y="0"/>
+          <a:chExt cx="0" cy="0"/>
+        </a:xfrm>
+      </p:grpSpPr>
+      <p:sp>
+        <p:nvSpPr>
+          <p:cNvPr id="2" name="Рамка 1">
+            <a:extLst>
+              <a:ext uri="{FF2B5EF4-FFF2-40B4-BE49-F238E27FC236}">
+                <a16:creationId xmlns:a16="http://schemas.microsoft.com/office/drawing/2014/main" id="{A5CF5D38-12D2-06CA-1246-67C1AE661BD6}"/>
+              </a:ext>
+            </a:extLst>
+          </p:cNvPr>
+          <p:cNvSpPr/>
+          <p:nvPr/>
+        </p:nvSpPr>
+        <p:spPr>
+          <a:xfrm>
+            <a:off x="0" y="0"/>
+            <a:ext cx="12192000" cy="6858000"/>
+          </a:xfrm>
+          <a:prstGeom prst="frame">
+            <a:avLst>
+              <a:gd name="adj1" fmla="val 2233"/>
+            </a:avLst>
+          </a:prstGeom>
+          <a:solidFill>
+            <a:srgbClr val="9B2D1F"/>
+          </a:solidFill>
+          <a:ln>
+            <a:solidFill>
+              <a:srgbClr val="9B2D1F"/>
+            </a:solidFill>
+          </a:ln>
+        </p:spPr>
+        <p:style>
+          <a:lnRef idx="2">
+            <a:schemeClr val="accent1">
+              <a:shade val="15000"/>
+            </a:schemeClr>
+          </a:lnRef>
+          <a:fillRef idx="1">
+            <a:schemeClr val="accent1"/>
+          </a:fillRef>
+          <a:effectRef idx="0">
+            <a:schemeClr val="accent1"/>
+          </a:effectRef>
+          <a:fontRef idx="minor">
+            <a:schemeClr val="lt1"/>
+          </a:fontRef>
+        </p:style>
+        <p:txBody>
+          <a:bodyPr rtlCol="0" anchor="ctr"/>
+          <a:lstStyle/>
+          <a:p>
+            <a:pPr algn="ctr"/>
+            <a:endParaRPr lang="ru-RU">
+              <a:solidFill>
+                <a:schemeClr val="tx1"/>
+              </a:solidFill>
+            </a:endParaRPr>
+          </a:p>
+        </p:txBody>
+      </p:sp>
+      <p:sp>
+        <p:nvSpPr>
+          <p:cNvPr id="11" name="Заголовок 6">
+            <a:extLst>
+              <a:ext uri="{FF2B5EF4-FFF2-40B4-BE49-F238E27FC236}">
+                <a16:creationId xmlns:a16="http://schemas.microsoft.com/office/drawing/2014/main" id="{F53FFCB9-7C46-BB16-D2BF-A7B0E30614CB}"/>
+              </a:ext>
+            </a:extLst>
+          </p:cNvPr>
+          <p:cNvSpPr>
+            <a:spLocks noGrp="1"/>
+          </p:cNvSpPr>
+          <p:nvPr>
+            <p:ph type="title"/>
+          </p:nvPr>
+        </p:nvSpPr>
+        <p:spPr>
+          <a:xfrm>
+            <a:off x="2110000" y="475816"/>
+            <a:ext cx="7972000" cy="634082"/>
+          </a:xfrm>
+        </p:spPr>
+        <p:txBody>
+          <a:bodyPr vert="horz" lIns="91440" tIns="45720" rIns="91440" bIns="45720" rtlCol="0" anchor="ctr">
+            <a:normAutofit/>
+          </a:bodyPr>
+          <a:lstStyle/>
+          <a:p>
+            <a:pPr algn="ctr"/>
+            <a:r>
+              <a:rPr lang="ru-RU" sz="3200" b="1" dirty="0">
+                <a:solidFill>
+                  <a:srgbClr val="9B2D1F"/>
+                </a:solidFill>
+                <a:latin typeface="Arial"/>
+                <a:cs typeface="Arial"/>
+              </a:rPr>
+              <a:t>ВЕРСТКА ПРОФИЛЯ</a:t>
+            </a:r>
+            <a:endParaRPr lang="ru-RU"/>
+          </a:p>
+        </p:txBody>
+      </p:sp>
+      <p:pic>
+        <p:nvPicPr>
+          <p:cNvPr id="3" name="Рисунок 2" descr="Изображение выглядит как текст, снимок экрана&#10;&#10;Содержимое, созданное искусственным интеллектом, может быть неверным.">
+            <a:extLst>
+              <a:ext uri="{FF2B5EF4-FFF2-40B4-BE49-F238E27FC236}">
+                <a16:creationId xmlns:a16="http://schemas.microsoft.com/office/drawing/2014/main" id="{19088A25-7D79-B5F5-669F-CB80BE7B03B7}"/>
+              </a:ext>
+            </a:extLst>
+          </p:cNvPr>
+          <p:cNvPicPr>
+            <a:picLocks noChangeAspect="1"/>
+          </p:cNvPicPr>
+          <p:nvPr/>
+        </p:nvPicPr>
+        <p:blipFill>
+          <a:blip r:embed="rId2"/>
+          <a:stretch>
+            <a:fillRect/>
+          </a:stretch>
+        </p:blipFill>
+        <p:spPr>
+          <a:xfrm>
+            <a:off x="954196" y="1712478"/>
+            <a:ext cx="5137498" cy="3767073"/>
+          </a:xfrm>
+          <a:prstGeom prst="rect">
+            <a:avLst/>
+          </a:prstGeom>
+        </p:spPr>
+      </p:pic>
+      <p:pic>
+        <p:nvPicPr>
+          <p:cNvPr id="6" name="Рисунок 5" descr="Изображение выглядит как текст, снимок экрана&#10;&#10;Содержимое, созданное искусственным интеллектом, может быть неверным.">
+            <a:extLst>
+              <a:ext uri="{FF2B5EF4-FFF2-40B4-BE49-F238E27FC236}">
+                <a16:creationId xmlns:a16="http://schemas.microsoft.com/office/drawing/2014/main" id="{6B5779B6-A723-B929-5FCA-C9B0C421A88A}"/>
+              </a:ext>
+            </a:extLst>
+          </p:cNvPr>
+          <p:cNvPicPr>
+            <a:picLocks noChangeAspect="1"/>
+          </p:cNvPicPr>
+          <p:nvPr/>
+        </p:nvPicPr>
+        <p:blipFill>
+          <a:blip r:embed="rId3"/>
+          <a:stretch>
+            <a:fillRect/>
+          </a:stretch>
+        </p:blipFill>
+        <p:spPr>
+          <a:xfrm>
+            <a:off x="6276518" y="1416029"/>
+            <a:ext cx="5588827" cy="4359971"/>
+          </a:xfrm>
+          <a:prstGeom prst="rect">
+            <a:avLst/>
+          </a:prstGeom>
+        </p:spPr>
+      </p:pic>
+    </p:spTree>
+    <p:extLst>
+      <p:ext uri="{BB962C8B-B14F-4D97-AF65-F5344CB8AC3E}">
+        <p14:creationId xmlns:p14="http://schemas.microsoft.com/office/powerpoint/2010/main" val="3925909502"/>
+      </p:ext>
+    </p:extLst>
+  </p:cSld>
+  <p:clrMapOvr>
+    <a:masterClrMapping/>
+  </p:clrMapOvr>
+</p:sld>
+</file>
+
+<file path=ppt/slides/slide15.xml><?xml version="1.0" encoding="utf-8"?>
 <p:sld xmlns:a="http://schemas.openxmlformats.org/drawingml/2006/main" xmlns:r="http://schemas.openxmlformats.org/officeDocument/2006/relationships" xmlns:p="http://schemas.openxmlformats.org/presentationml/2006/main">
   <p:cSld>
     <p:spTree>
@@ -4788,7 +5524,7 @@
 </p:sld>
 </file>
 
-<file path=ppt/slides/slide12.xml><?xml version="1.0" encoding="utf-8"?>
+<file path=ppt/slides/slide16.xml><?xml version="1.0" encoding="utf-8"?>
 <p:sld xmlns:a="http://schemas.openxmlformats.org/drawingml/2006/main" xmlns:r="http://schemas.openxmlformats.org/officeDocument/2006/relationships" xmlns:p="http://schemas.openxmlformats.org/presentationml/2006/main">
   <p:cSld>
     <p:spTree>
@@ -5017,7 +5753,7 @@
 </p:sld>
 </file>
 
-<file path=ppt/slides/slide13.xml><?xml version="1.0" encoding="utf-8"?>
+<file path=ppt/slides/slide17.xml><?xml version="1.0" encoding="utf-8"?>
 <p:sld xmlns:a="http://schemas.openxmlformats.org/drawingml/2006/main" xmlns:r="http://schemas.openxmlformats.org/officeDocument/2006/relationships" xmlns:p="http://schemas.openxmlformats.org/presentationml/2006/main">
   <p:cSld>
     <p:spTree>
@@ -5696,7 +6432,7 @@
 </p:sld>
 </file>
 
-<file path=ppt/slides/slide14.xml><?xml version="1.0" encoding="utf-8"?>
+<file path=ppt/slides/slide18.xml><?xml version="1.0" encoding="utf-8"?>
 <p:sld xmlns:a="http://schemas.openxmlformats.org/drawingml/2006/main" xmlns:r="http://schemas.openxmlformats.org/officeDocument/2006/relationships" xmlns:p="http://schemas.openxmlformats.org/presentationml/2006/main">
   <p:cSld>
     <p:spTree>
@@ -5925,7 +6661,7 @@
 </p:sld>
 </file>
 
-<file path=ppt/slides/slide15.xml><?xml version="1.0" encoding="utf-8"?>
+<file path=ppt/slides/slide19.xml><?xml version="1.0" encoding="utf-8"?>
 <p:sld xmlns:a="http://schemas.openxmlformats.org/drawingml/2006/main" xmlns:r="http://schemas.openxmlformats.org/officeDocument/2006/relationships" xmlns:p="http://schemas.openxmlformats.org/presentationml/2006/main">
   <p:cSld>
     <p:spTree>
@@ -7308,7 +8044,7 @@
         </p:nvSpPr>
         <p:spPr>
           <a:xfrm>
-            <a:off x="2110000" y="475816"/>
+            <a:off x="2110000" y="310255"/>
             <a:ext cx="7972000" cy="634082"/>
           </a:xfrm>
         </p:spPr>
@@ -7485,48 +8221,36 @@
           </a:extLst>
         </p:spPr>
       </p:pic>
-      <p:sp>
-        <p:nvSpPr>
-          <p:cNvPr id="3" name="Объект 7">
-            <a:extLst>
-              <a:ext uri="{FF2B5EF4-FFF2-40B4-BE49-F238E27FC236}">
-                <a16:creationId xmlns:a16="http://schemas.microsoft.com/office/drawing/2014/main" id="{47609A46-B8BD-7B84-45C0-7539032171E7}"/>
-              </a:ext>
-            </a:extLst>
-          </p:cNvPr>
-          <p:cNvSpPr>
-            <a:spLocks noGrp="1"/>
-          </p:cNvSpPr>
-          <p:nvPr>
-            <p:ph idx="1"/>
-          </p:nvPr>
-        </p:nvSpPr>
-        <p:spPr>
-          <a:xfrm>
-            <a:off x="5221011" y="3148063"/>
-            <a:ext cx="6826397" cy="803881"/>
-          </a:xfrm>
-        </p:spPr>
-        <p:txBody>
-          <a:bodyPr>
-            <a:normAutofit/>
-          </a:bodyPr>
-          <a:lstStyle/>
-          <a:p>
-            <a:pPr marL="0" indent="0">
-              <a:buNone/>
-            </a:pPr>
-            <a:r>
-              <a:rPr lang="ru-RU" sz="2400" b="1" dirty="0">
-                <a:latin typeface="Arial" panose="020B0604020202020204" pitchFamily="34" charset="0"/>
-                <a:cs typeface="Arial" panose="020B0604020202020204" pitchFamily="34" charset="0"/>
-              </a:rPr>
-              <a:t>Здесь скрин канбана будет когда с кайфом там будет</a:t>
-            </a:r>
-            <a:endParaRPr lang="ru-RU" sz="2400" dirty="0"/>
-          </a:p>
-        </p:txBody>
-      </p:sp>
+      <p:pic>
+        <p:nvPicPr>
+          <p:cNvPr id="8" name="Рисунок 7">
+            <a:extLst>
+              <a:ext uri="{FF2B5EF4-FFF2-40B4-BE49-F238E27FC236}">
+                <a16:creationId xmlns:a16="http://schemas.microsoft.com/office/drawing/2014/main" id="{EF5F8D05-026A-A141-AD6E-1441352116F7}"/>
+              </a:ext>
+            </a:extLst>
+          </p:cNvPr>
+          <p:cNvPicPr>
+            <a:picLocks noChangeAspect="1"/>
+          </p:cNvPicPr>
+          <p:nvPr/>
+        </p:nvPicPr>
+        <p:blipFill>
+          <a:blip r:embed="rId4"/>
+          <a:stretch>
+            <a:fillRect/>
+          </a:stretch>
+        </p:blipFill>
+        <p:spPr>
+          <a:xfrm>
+            <a:off x="5221011" y="999966"/>
+            <a:ext cx="6382091" cy="5440352"/>
+          </a:xfrm>
+          <a:prstGeom prst="rect">
+            <a:avLst/>
+          </a:prstGeom>
+        </p:spPr>
+      </p:pic>
     </p:spTree>
     <p:extLst>
       <p:ext uri="{BB962C8B-B14F-4D97-AF65-F5344CB8AC3E}">
@@ -7715,7 +8439,7 @@
         <p:cNvPr id="1" name="">
           <a:extLst>
             <a:ext uri="{FF2B5EF4-FFF2-40B4-BE49-F238E27FC236}">
-              <a16:creationId xmlns:a16="http://schemas.microsoft.com/office/drawing/2014/main" id="{14232443-9AF1-949C-65EC-C1F81CB5C465}"/>
+              <a16:creationId xmlns:a16="http://schemas.microsoft.com/office/drawing/2014/main" id="{B8884A9C-5DD5-CA49-0F46-3C0AC854728C}"/>
             </a:ext>
           </a:extLst>
         </p:cNvPr>
@@ -7735,7 +8459,7 @@
           <p:cNvPr id="2" name="Рамка 1">
             <a:extLst>
               <a:ext uri="{FF2B5EF4-FFF2-40B4-BE49-F238E27FC236}">
-                <a16:creationId xmlns:a16="http://schemas.microsoft.com/office/drawing/2014/main" id="{313A98FA-0C8E-85FD-F506-18C41EBD55D3}"/>
+                <a16:creationId xmlns:a16="http://schemas.microsoft.com/office/drawing/2014/main" id="{7EAC9E69-4543-742B-C9FD-0A8FE0FF033C}"/>
               </a:ext>
             </a:extLst>
           </p:cNvPr>
@@ -7795,7 +8519,7 @@
           <p:cNvPr id="11" name="Заголовок 6">
             <a:extLst>
               <a:ext uri="{FF2B5EF4-FFF2-40B4-BE49-F238E27FC236}">
-                <a16:creationId xmlns:a16="http://schemas.microsoft.com/office/drawing/2014/main" id="{515A834E-666C-FE70-B060-6E581BBB1E46}"/>
+                <a16:creationId xmlns:a16="http://schemas.microsoft.com/office/drawing/2014/main" id="{DB82DC10-9617-5B0D-CE14-24EFC65F503A}"/>
               </a:ext>
             </a:extLst>
           </p:cNvPr>
@@ -7808,8 +8532,8 @@
         </p:nvSpPr>
         <p:spPr>
           <a:xfrm>
-            <a:off x="2110000" y="475816"/>
-            <a:ext cx="7972000" cy="634082"/>
+            <a:off x="3270597" y="174997"/>
+            <a:ext cx="5872712" cy="634082"/>
           </a:xfrm>
         </p:spPr>
         <p:txBody>
@@ -7818,27 +8542,25 @@
           </a:bodyPr>
           <a:lstStyle/>
           <a:p>
-            <a:pPr algn="ctr"/>
             <a:r>
               <a:rPr lang="ru-RU" sz="3200" b="1" dirty="0">
                 <a:solidFill>
                   <a:srgbClr val="9B2D1F"/>
                 </a:solidFill>
-                <a:latin typeface="Arial"/>
-                <a:cs typeface="Arial"/>
+                <a:latin typeface="Arial" panose="020B0604020202020204" pitchFamily="34" charset="0"/>
+                <a:cs typeface="Arial" panose="020B0604020202020204" pitchFamily="34" charset="0"/>
               </a:rPr>
-              <a:t>ВЕРСТКА ПРОФИЛЯ</a:t>
-            </a:r>
-            <a:endParaRPr lang="ru-RU"/>
+              <a:t>СОЗДАНИЕ МАКЕТА САЙТА</a:t>
+            </a:r>
           </a:p>
         </p:txBody>
       </p:sp>
       <p:pic>
         <p:nvPicPr>
-          <p:cNvPr id="4" name="Рисунок 3" descr="Изображение выглядит как текст, снимок экрана&#10;&#10;Содержимое, созданное искусственным интеллектом, может быть неверным.">
-            <a:extLst>
-              <a:ext uri="{FF2B5EF4-FFF2-40B4-BE49-F238E27FC236}">
-                <a16:creationId xmlns:a16="http://schemas.microsoft.com/office/drawing/2014/main" id="{2B0BF448-3856-6EE6-C297-3644E3C6C4F6}"/>
+          <p:cNvPr id="4" name="Рисунок 3">
+            <a:extLst>
+              <a:ext uri="{FF2B5EF4-FFF2-40B4-BE49-F238E27FC236}">
+                <a16:creationId xmlns:a16="http://schemas.microsoft.com/office/drawing/2014/main" id="{70926323-E06F-6984-150C-AFA12CB96B89}"/>
               </a:ext>
             </a:extLst>
           </p:cNvPr>
@@ -7849,14 +8571,15 @@
         </p:nvPicPr>
         <p:blipFill>
           <a:blip r:embed="rId2"/>
+          <a:srcRect t="2007"/>
           <a:stretch>
             <a:fillRect/>
           </a:stretch>
         </p:blipFill>
         <p:spPr>
           <a:xfrm>
-            <a:off x="6358982" y="1853330"/>
-            <a:ext cx="5288202" cy="3151340"/>
+            <a:off x="6910529" y="3708760"/>
+            <a:ext cx="4468279" cy="2851191"/>
           </a:xfrm>
           <a:prstGeom prst="rect">
             <a:avLst/>
@@ -7865,10 +8588,10 @@
       </p:pic>
       <p:pic>
         <p:nvPicPr>
-          <p:cNvPr id="5" name="Рисунок 4" descr="Изображение выглядит как текст, снимок экрана, Шрифт&#10;&#10;Содержимое, созданное искусственным интеллектом, может быть неверным.">
-            <a:extLst>
-              <a:ext uri="{FF2B5EF4-FFF2-40B4-BE49-F238E27FC236}">
-                <a16:creationId xmlns:a16="http://schemas.microsoft.com/office/drawing/2014/main" id="{1CA7302F-5102-62C2-4726-C9D27CC5AC46}"/>
+          <p:cNvPr id="6" name="Рисунок 5">
+            <a:extLst>
+              <a:ext uri="{FF2B5EF4-FFF2-40B4-BE49-F238E27FC236}">
+                <a16:creationId xmlns:a16="http://schemas.microsoft.com/office/drawing/2014/main" id="{AA4B858B-3EC5-BCEA-B7BC-D2F68677589D}"/>
               </a:ext>
             </a:extLst>
           </p:cNvPr>
@@ -7885,8 +8608,38 @@
         </p:blipFill>
         <p:spPr>
           <a:xfrm>
-            <a:off x="773025" y="1644629"/>
-            <a:ext cx="5124060" cy="3359977"/>
+            <a:off x="6748683" y="809079"/>
+            <a:ext cx="4059071" cy="2752108"/>
+          </a:xfrm>
+          <a:prstGeom prst="rect">
+            <a:avLst/>
+          </a:prstGeom>
+        </p:spPr>
+      </p:pic>
+      <p:pic>
+        <p:nvPicPr>
+          <p:cNvPr id="8" name="Рисунок 7">
+            <a:extLst>
+              <a:ext uri="{FF2B5EF4-FFF2-40B4-BE49-F238E27FC236}">
+                <a16:creationId xmlns:a16="http://schemas.microsoft.com/office/drawing/2014/main" id="{21D79DF9-7616-AC87-A558-55D83E7C9018}"/>
+              </a:ext>
+            </a:extLst>
+          </p:cNvPr>
+          <p:cNvPicPr>
+            <a:picLocks noChangeAspect="1"/>
+          </p:cNvPicPr>
+          <p:nvPr/>
+        </p:nvPicPr>
+        <p:blipFill>
+          <a:blip r:embed="rId4"/>
+          <a:stretch>
+            <a:fillRect/>
+          </a:stretch>
+        </p:blipFill>
+        <p:spPr>
+          <a:xfrm>
+            <a:off x="413739" y="1069847"/>
+            <a:ext cx="4950699" cy="4718305"/>
           </a:xfrm>
           <a:prstGeom prst="rect">
             <a:avLst/>
@@ -7896,7 +8649,7 @@
     </p:spTree>
     <p:extLst>
       <p:ext uri="{BB962C8B-B14F-4D97-AF65-F5344CB8AC3E}">
-        <p14:creationId xmlns:p14="http://schemas.microsoft.com/office/powerpoint/2010/main" val="649349780"/>
+        <p14:creationId xmlns:p14="http://schemas.microsoft.com/office/powerpoint/2010/main" val="4023662025"/>
       </p:ext>
     </p:extLst>
   </p:cSld>
@@ -7914,7 +8667,7 @@
         <p:cNvPr id="1" name="">
           <a:extLst>
             <a:ext uri="{FF2B5EF4-FFF2-40B4-BE49-F238E27FC236}">
-              <a16:creationId xmlns:a16="http://schemas.microsoft.com/office/drawing/2014/main" id="{3A2CB0AF-40A3-248C-292E-133C749CA2FF}"/>
+              <a16:creationId xmlns:a16="http://schemas.microsoft.com/office/drawing/2014/main" id="{C24AFF42-AC00-FA0F-4FA4-CB21C4B43F28}"/>
             </a:ext>
           </a:extLst>
         </p:cNvPr>
@@ -7934,7 +8687,7 @@
           <p:cNvPr id="2" name="Рамка 1">
             <a:extLst>
               <a:ext uri="{FF2B5EF4-FFF2-40B4-BE49-F238E27FC236}">
-                <a16:creationId xmlns:a16="http://schemas.microsoft.com/office/drawing/2014/main" id="{3A97DA3F-BA15-CB43-73C0-A4727483C5C5}"/>
+                <a16:creationId xmlns:a16="http://schemas.microsoft.com/office/drawing/2014/main" id="{26E1818D-2E7E-2509-0DC4-49BF8AB7C53B}"/>
               </a:ext>
             </a:extLst>
           </p:cNvPr>
@@ -7994,7 +8747,7 @@
           <p:cNvPr id="11" name="Заголовок 6">
             <a:extLst>
               <a:ext uri="{FF2B5EF4-FFF2-40B4-BE49-F238E27FC236}">
-                <a16:creationId xmlns:a16="http://schemas.microsoft.com/office/drawing/2014/main" id="{F27582B6-3BB0-4422-8521-4425D28AEEE4}"/>
+                <a16:creationId xmlns:a16="http://schemas.microsoft.com/office/drawing/2014/main" id="{829483EA-8117-E717-5FA0-73E43AD38B9C}"/>
               </a:ext>
             </a:extLst>
           </p:cNvPr>
@@ -8007,8 +8760,8 @@
         </p:nvSpPr>
         <p:spPr>
           <a:xfrm>
-            <a:off x="2110000" y="475816"/>
-            <a:ext cx="7972000" cy="634082"/>
+            <a:off x="1441946" y="475816"/>
+            <a:ext cx="9120218" cy="634082"/>
           </a:xfrm>
         </p:spPr>
         <p:txBody>
@@ -8026,18 +8779,18 @@
                 <a:latin typeface="Arial"/>
                 <a:cs typeface="Arial"/>
               </a:rPr>
-              <a:t>ВЕРСТКА ПРОФИЛЯ</a:t>
-            </a:r>
-            <a:endParaRPr lang="ru-RU"/>
+              <a:t>UML-ДИАГРАММЫ ДЛЯ АВТОРИЗАЦИИ</a:t>
+            </a:r>
+            <a:endParaRPr lang="ru-RU" dirty="0"/>
           </a:p>
         </p:txBody>
       </p:sp>
       <p:pic>
         <p:nvPicPr>
-          <p:cNvPr id="4" name="Рисунок 3" descr="Изображение выглядит как текст, снимок экрана, дисплей, программное обеспечение&#10;&#10;Содержимое, созданное искусственным интеллектом, может быть неверным.">
-            <a:extLst>
-              <a:ext uri="{FF2B5EF4-FFF2-40B4-BE49-F238E27FC236}">
-                <a16:creationId xmlns:a16="http://schemas.microsoft.com/office/drawing/2014/main" id="{7787C951-8755-A710-754B-8E10B8CF0722}"/>
+          <p:cNvPr id="4" name="Рисунок 3" descr="Изображение выглядит как текст, снимок экрана, диаграмма, Шрифт&#10;&#10;Содержимое, созданное искусственным интеллектом, может быть неверным.">
+            <a:extLst>
+              <a:ext uri="{FF2B5EF4-FFF2-40B4-BE49-F238E27FC236}">
+                <a16:creationId xmlns:a16="http://schemas.microsoft.com/office/drawing/2014/main" id="{CD288F2F-6A63-FF0D-942F-98A384C6BDDC}"/>
               </a:ext>
             </a:extLst>
           </p:cNvPr>
@@ -8054,8 +8807,8 @@
         </p:blipFill>
         <p:spPr>
           <a:xfrm>
-            <a:off x="542469" y="1105227"/>
-            <a:ext cx="4520461" cy="4031685"/>
+            <a:off x="932080" y="1716196"/>
+            <a:ext cx="5348745" cy="3039390"/>
           </a:xfrm>
           <a:prstGeom prst="rect">
             <a:avLst/>
@@ -8064,10 +8817,10 @@
       </p:pic>
       <p:pic>
         <p:nvPicPr>
-          <p:cNvPr id="7" name="Рисунок 6" descr="Изображение выглядит как текст, снимок экрана, Шрифт, число&#10;&#10;Содержимое, созданное искусственным интеллектом, может быть неверным.">
-            <a:extLst>
-              <a:ext uri="{FF2B5EF4-FFF2-40B4-BE49-F238E27FC236}">
-                <a16:creationId xmlns:a16="http://schemas.microsoft.com/office/drawing/2014/main" id="{69384556-5EF4-947D-63DA-ACB850529FCC}"/>
+          <p:cNvPr id="5" name="Рисунок 4" descr="Изображение выглядит как текст, снимок экрана, диаграмма, дизайн&#10;&#10;Содержимое, созданное искусственным интеллектом, может быть неверным.">
+            <a:extLst>
+              <a:ext uri="{FF2B5EF4-FFF2-40B4-BE49-F238E27FC236}">
+                <a16:creationId xmlns:a16="http://schemas.microsoft.com/office/drawing/2014/main" id="{CE5AF5C3-C019-1255-2CFD-F7AD1D1B5D38}"/>
               </a:ext>
             </a:extLst>
           </p:cNvPr>
@@ -8084,48 +8837,101 @@
         </p:blipFill>
         <p:spPr>
           <a:xfrm>
-            <a:off x="385763" y="5406677"/>
-            <a:ext cx="11420475" cy="971550"/>
+            <a:off x="4480925" y="4172341"/>
+            <a:ext cx="7092342" cy="2072797"/>
           </a:xfrm>
           <a:prstGeom prst="rect">
             <a:avLst/>
           </a:prstGeom>
         </p:spPr>
       </p:pic>
-      <p:pic>
-        <p:nvPicPr>
-          <p:cNvPr id="8" name="Рисунок 7" descr="Изображение выглядит как текст, снимок экрана, Шрифт&#10;&#10;Содержимое, созданное искусственным интеллектом, может быть неверным.">
-            <a:extLst>
-              <a:ext uri="{FF2B5EF4-FFF2-40B4-BE49-F238E27FC236}">
-                <a16:creationId xmlns:a16="http://schemas.microsoft.com/office/drawing/2014/main" id="{369FCE98-D1CC-B888-8BA5-0FCD490374D9}"/>
-              </a:ext>
-            </a:extLst>
-          </p:cNvPr>
-          <p:cNvPicPr>
-            <a:picLocks noChangeAspect="1"/>
-          </p:cNvPicPr>
+      <p:sp>
+        <p:nvSpPr>
+          <p:cNvPr id="7" name="TextBox 6">
+            <a:extLst>
+              <a:ext uri="{FF2B5EF4-FFF2-40B4-BE49-F238E27FC236}">
+                <a16:creationId xmlns:a16="http://schemas.microsoft.com/office/drawing/2014/main" id="{E298D324-8A45-AAD0-5AEF-DA4FF798D941}"/>
+              </a:ext>
+            </a:extLst>
+          </p:cNvPr>
+          <p:cNvSpPr txBox="1"/>
           <p:nvPr/>
-        </p:nvPicPr>
-        <p:blipFill>
-          <a:blip r:embed="rId4"/>
-          <a:stretch>
-            <a:fillRect/>
-          </a:stretch>
-        </p:blipFill>
-        <p:spPr>
-          <a:xfrm>
-            <a:off x="5289833" y="1240729"/>
-            <a:ext cx="6372225" cy="3562350"/>
+        </p:nvSpPr>
+        <p:spPr>
+          <a:xfrm>
+            <a:off x="6284344" y="1718300"/>
+            <a:ext cx="3048530" cy="369332"/>
           </a:xfrm>
           <a:prstGeom prst="rect">
             <a:avLst/>
           </a:prstGeom>
-        </p:spPr>
-      </p:pic>
+          <a:noFill/>
+        </p:spPr>
+        <p:txBody>
+          <a:bodyPr rot="0" spcFirstLastPara="0" vertOverflow="overflow" horzOverflow="overflow" vert="horz" wrap="square" lIns="91440" tIns="45720" rIns="91440" bIns="45720" numCol="1" spcCol="0" rtlCol="0" fromWordArt="0" anchor="t" anchorCtr="0" forceAA="0" compatLnSpc="1">
+            <a:prstTxWarp prst="textNoShape">
+              <a:avLst/>
+            </a:prstTxWarp>
+            <a:spAutoFit/>
+          </a:bodyPr>
+          <a:lstStyle/>
+          <a:p>
+            <a:r>
+              <a:rPr lang="ru-RU" dirty="0">
+                <a:ea typeface="Calibri"/>
+                <a:cs typeface="Calibri"/>
+              </a:rPr>
+              <a:t>Диаграмма коммуникации</a:t>
+            </a:r>
+          </a:p>
+        </p:txBody>
+      </p:sp>
+      <p:sp>
+        <p:nvSpPr>
+          <p:cNvPr id="9" name="TextBox 8">
+            <a:extLst>
+              <a:ext uri="{FF2B5EF4-FFF2-40B4-BE49-F238E27FC236}">
+                <a16:creationId xmlns:a16="http://schemas.microsoft.com/office/drawing/2014/main" id="{12A83E40-B25B-A824-F6B0-D5A1ECDDDC64}"/>
+              </a:ext>
+            </a:extLst>
+          </p:cNvPr>
+          <p:cNvSpPr txBox="1"/>
+          <p:nvPr/>
+        </p:nvSpPr>
+        <p:spPr>
+          <a:xfrm>
+            <a:off x="2317769" y="5048134"/>
+            <a:ext cx="2411791" cy="369332"/>
+          </a:xfrm>
+          <a:prstGeom prst="rect">
+            <a:avLst/>
+          </a:prstGeom>
+          <a:noFill/>
+        </p:spPr>
+        <p:txBody>
+          <a:bodyPr rot="0" spcFirstLastPara="0" vertOverflow="overflow" horzOverflow="overflow" vert="horz" wrap="square" lIns="91440" tIns="45720" rIns="91440" bIns="45720" numCol="1" spcCol="0" rtlCol="0" fromWordArt="0" anchor="t" anchorCtr="0" forceAA="0" compatLnSpc="1">
+            <a:prstTxWarp prst="textNoShape">
+              <a:avLst/>
+            </a:prstTxWarp>
+            <a:spAutoFit/>
+          </a:bodyPr>
+          <a:lstStyle/>
+          <a:p>
+            <a:r>
+              <a:rPr lang="ru-RU" dirty="0">
+                <a:ea typeface="Calibri"/>
+                <a:cs typeface="Calibri"/>
+              </a:rPr>
+              <a:t>Диаграмма состояний</a:t>
+            </a:r>
+            <a:endParaRPr lang="ru-RU" dirty="0"/>
+          </a:p>
+        </p:txBody>
+      </p:sp>
     </p:spTree>
     <p:extLst>
       <p:ext uri="{BB962C8B-B14F-4D97-AF65-F5344CB8AC3E}">
-        <p14:creationId xmlns:p14="http://schemas.microsoft.com/office/powerpoint/2010/main" val="956662569"/>
+        <p14:creationId xmlns:p14="http://schemas.microsoft.com/office/powerpoint/2010/main" val="1240342847"/>
       </p:ext>
     </p:extLst>
   </p:cSld>
@@ -8143,7 +8949,7 @@
         <p:cNvPr id="1" name="">
           <a:extLst>
             <a:ext uri="{FF2B5EF4-FFF2-40B4-BE49-F238E27FC236}">
-              <a16:creationId xmlns:a16="http://schemas.microsoft.com/office/drawing/2014/main" id="{23FA106F-4F80-E868-99AA-BA824C5C49FD}"/>
+              <a16:creationId xmlns:a16="http://schemas.microsoft.com/office/drawing/2014/main" id="{181C75EF-5540-6FD9-5684-FFE12943C776}"/>
             </a:ext>
           </a:extLst>
         </p:cNvPr>
@@ -8163,7 +8969,7 @@
           <p:cNvPr id="2" name="Рамка 1">
             <a:extLst>
               <a:ext uri="{FF2B5EF4-FFF2-40B4-BE49-F238E27FC236}">
-                <a16:creationId xmlns:a16="http://schemas.microsoft.com/office/drawing/2014/main" id="{A5CF5D38-12D2-06CA-1246-67C1AE661BD6}"/>
+                <a16:creationId xmlns:a16="http://schemas.microsoft.com/office/drawing/2014/main" id="{4B0B1CA6-6E03-F894-E6EF-6A979A7E0E33}"/>
               </a:ext>
             </a:extLst>
           </p:cNvPr>
@@ -8223,7 +9029,7 @@
           <p:cNvPr id="11" name="Заголовок 6">
             <a:extLst>
               <a:ext uri="{FF2B5EF4-FFF2-40B4-BE49-F238E27FC236}">
-                <a16:creationId xmlns:a16="http://schemas.microsoft.com/office/drawing/2014/main" id="{F53FFCB9-7C46-BB16-D2BF-A7B0E30614CB}"/>
+                <a16:creationId xmlns:a16="http://schemas.microsoft.com/office/drawing/2014/main" id="{FFD7423E-54FE-FB8F-8C64-4B9530E24F27}"/>
               </a:ext>
             </a:extLst>
           </p:cNvPr>
@@ -8236,8 +9042,8 @@
         </p:nvSpPr>
         <p:spPr>
           <a:xfrm>
-            <a:off x="2110000" y="475816"/>
-            <a:ext cx="7972000" cy="634082"/>
+            <a:off x="1441946" y="475816"/>
+            <a:ext cx="9120218" cy="634082"/>
           </a:xfrm>
         </p:spPr>
         <p:txBody>
@@ -8255,18 +9061,102 @@
                 <a:latin typeface="Arial"/>
                 <a:cs typeface="Arial"/>
               </a:rPr>
-              <a:t>ВЕРСТКА ПРОФИЛЯ</a:t>
-            </a:r>
-            <a:endParaRPr lang="ru-RU"/>
+              <a:t>UML-ДИАГРАММЫ ДЛЯ ПРОФИЛЯ</a:t>
+            </a:r>
+            <a:endParaRPr lang="ru-RU" dirty="0"/>
+          </a:p>
+        </p:txBody>
+      </p:sp>
+      <p:sp>
+        <p:nvSpPr>
+          <p:cNvPr id="7" name="TextBox 6">
+            <a:extLst>
+              <a:ext uri="{FF2B5EF4-FFF2-40B4-BE49-F238E27FC236}">
+                <a16:creationId xmlns:a16="http://schemas.microsoft.com/office/drawing/2014/main" id="{7C5E008A-6D7A-ED8F-3041-72BCDEA95D26}"/>
+              </a:ext>
+            </a:extLst>
+          </p:cNvPr>
+          <p:cNvSpPr txBox="1"/>
+          <p:nvPr/>
+        </p:nvSpPr>
+        <p:spPr>
+          <a:xfrm>
+            <a:off x="1606207" y="6094967"/>
+            <a:ext cx="3048530" cy="369332"/>
+          </a:xfrm>
+          <a:prstGeom prst="rect">
+            <a:avLst/>
+          </a:prstGeom>
+          <a:noFill/>
+        </p:spPr>
+        <p:txBody>
+          <a:bodyPr rot="0" spcFirstLastPara="0" vertOverflow="overflow" horzOverflow="overflow" vert="horz" wrap="square" lIns="91440" tIns="45720" rIns="91440" bIns="45720" numCol="1" spcCol="0" rtlCol="0" fromWordArt="0" anchor="t" anchorCtr="0" forceAA="0" compatLnSpc="1">
+            <a:prstTxWarp prst="textNoShape">
+              <a:avLst/>
+            </a:prstTxWarp>
+            <a:spAutoFit/>
+          </a:bodyPr>
+          <a:lstStyle/>
+          <a:p>
+            <a:r>
+              <a:rPr lang="ru-RU" dirty="0">
+                <a:latin typeface="Arial" panose="020B0604020202020204" pitchFamily="34" charset="0"/>
+                <a:ea typeface="Calibri"/>
+                <a:cs typeface="Arial" panose="020B0604020202020204" pitchFamily="34" charset="0"/>
+              </a:rPr>
+              <a:t>Диаграмма деятельности</a:t>
+            </a:r>
+          </a:p>
+        </p:txBody>
+      </p:sp>
+      <p:sp>
+        <p:nvSpPr>
+          <p:cNvPr id="9" name="TextBox 8">
+            <a:extLst>
+              <a:ext uri="{FF2B5EF4-FFF2-40B4-BE49-F238E27FC236}">
+                <a16:creationId xmlns:a16="http://schemas.microsoft.com/office/drawing/2014/main" id="{4564A03E-6BF1-7BF4-E1F8-E01A09786B54}"/>
+              </a:ext>
+            </a:extLst>
+          </p:cNvPr>
+          <p:cNvSpPr txBox="1"/>
+          <p:nvPr/>
+        </p:nvSpPr>
+        <p:spPr>
+          <a:xfrm>
+            <a:off x="2317769" y="5048134"/>
+            <a:ext cx="2411791" cy="369332"/>
+          </a:xfrm>
+          <a:prstGeom prst="rect">
+            <a:avLst/>
+          </a:prstGeom>
+          <a:noFill/>
+        </p:spPr>
+        <p:txBody>
+          <a:bodyPr rot="0" spcFirstLastPara="0" vertOverflow="overflow" horzOverflow="overflow" vert="horz" wrap="square" lIns="91440" tIns="45720" rIns="91440" bIns="45720" numCol="1" spcCol="0" rtlCol="0" fromWordArt="0" anchor="t" anchorCtr="0" forceAA="0" compatLnSpc="1">
+            <a:prstTxWarp prst="textNoShape">
+              <a:avLst/>
+            </a:prstTxWarp>
+            <a:spAutoFit/>
+          </a:bodyPr>
+          <a:lstStyle/>
+          <a:p>
+            <a:r>
+              <a:rPr lang="ru-RU" dirty="0">
+                <a:ea typeface="Calibri"/>
+                <a:cs typeface="Calibri"/>
+              </a:rPr>
+              <a:t>Диаграмма состояний</a:t>
+            </a:r>
+            <a:endParaRPr lang="ru-RU" dirty="0"/>
           </a:p>
         </p:txBody>
       </p:sp>
       <p:pic>
         <p:nvPicPr>
-          <p:cNvPr id="3" name="Рисунок 2" descr="Изображение выглядит как текст, снимок экрана&#10;&#10;Содержимое, созданное искусственным интеллектом, может быть неверным.">
-            <a:extLst>
-              <a:ext uri="{FF2B5EF4-FFF2-40B4-BE49-F238E27FC236}">
-                <a16:creationId xmlns:a16="http://schemas.microsoft.com/office/drawing/2014/main" id="{19088A25-7D79-B5F5-669F-CB80BE7B03B7}"/>
+          <p:cNvPr id="3" name="Рисунок 2">
+            <a:extLst>
+              <a:ext uri="{FF2B5EF4-FFF2-40B4-BE49-F238E27FC236}">
+                <a16:creationId xmlns:a16="http://schemas.microsoft.com/office/drawing/2014/main" id="{D91E67D4-B9D1-7B06-4624-80041A01FC04}"/>
               </a:ext>
             </a:extLst>
           </p:cNvPr>
@@ -8283,8 +9173,8 @@
         </p:blipFill>
         <p:spPr>
           <a:xfrm>
-            <a:off x="954196" y="1712478"/>
-            <a:ext cx="5137498" cy="3767073"/>
+            <a:off x="876300" y="1506457"/>
+            <a:ext cx="5219700" cy="4588510"/>
           </a:xfrm>
           <a:prstGeom prst="rect">
             <a:avLst/>
@@ -8293,10 +9183,10 @@
       </p:pic>
       <p:pic>
         <p:nvPicPr>
-          <p:cNvPr id="6" name="Рисунок 5" descr="Изображение выглядит как текст, снимок экрана&#10;&#10;Содержимое, созданное искусственным интеллектом, может быть неверным.">
-            <a:extLst>
-              <a:ext uri="{FF2B5EF4-FFF2-40B4-BE49-F238E27FC236}">
-                <a16:creationId xmlns:a16="http://schemas.microsoft.com/office/drawing/2014/main" id="{6B5779B6-A723-B929-5FCA-C9B0C421A88A}"/>
+          <p:cNvPr id="6" name="Рисунок 5">
+            <a:extLst>
+              <a:ext uri="{FF2B5EF4-FFF2-40B4-BE49-F238E27FC236}">
+                <a16:creationId xmlns:a16="http://schemas.microsoft.com/office/drawing/2014/main" id="{1CA06CC1-C54E-AC0C-106E-878F8132B643}"/>
               </a:ext>
             </a:extLst>
           </p:cNvPr>
@@ -8306,25 +9196,73 @@
           <p:nvPr/>
         </p:nvPicPr>
         <p:blipFill>
-          <a:blip r:embed="rId3"/>
+          <a:blip r:embed="rId3">
+            <a:extLst>
+              <a:ext uri="{28A0092B-C50C-407E-A947-70E740481C1C}">
+                <a14:useLocalDpi xmlns:a14="http://schemas.microsoft.com/office/drawing/2010/main" val="0"/>
+              </a:ext>
+            </a:extLst>
+          </a:blip>
           <a:stretch>
             <a:fillRect/>
           </a:stretch>
         </p:blipFill>
         <p:spPr>
           <a:xfrm>
-            <a:off x="6276518" y="1416029"/>
-            <a:ext cx="5588827" cy="4359971"/>
+            <a:off x="6490398" y="1857929"/>
+            <a:ext cx="5045075" cy="3885565"/>
           </a:xfrm>
           <a:prstGeom prst="rect">
             <a:avLst/>
           </a:prstGeom>
         </p:spPr>
       </p:pic>
+      <p:sp>
+        <p:nvSpPr>
+          <p:cNvPr id="8" name="TextBox 7">
+            <a:extLst>
+              <a:ext uri="{FF2B5EF4-FFF2-40B4-BE49-F238E27FC236}">
+                <a16:creationId xmlns:a16="http://schemas.microsoft.com/office/drawing/2014/main" id="{DB663816-683E-C8D2-9BF6-22AACC5C32E4}"/>
+              </a:ext>
+            </a:extLst>
+          </p:cNvPr>
+          <p:cNvSpPr txBox="1"/>
+          <p:nvPr/>
+        </p:nvSpPr>
+        <p:spPr>
+          <a:xfrm>
+            <a:off x="7481751" y="6065413"/>
+            <a:ext cx="3833949" cy="369332"/>
+          </a:xfrm>
+          <a:prstGeom prst="rect">
+            <a:avLst/>
+          </a:prstGeom>
+          <a:noFill/>
+        </p:spPr>
+        <p:txBody>
+          <a:bodyPr rot="0" spcFirstLastPara="0" vertOverflow="overflow" horzOverflow="overflow" vert="horz" wrap="square" lIns="91440" tIns="45720" rIns="91440" bIns="45720" numCol="1" spcCol="0" rtlCol="0" fromWordArt="0" anchor="t" anchorCtr="0" forceAA="0" compatLnSpc="1">
+            <a:prstTxWarp prst="textNoShape">
+              <a:avLst/>
+            </a:prstTxWarp>
+            <a:spAutoFit/>
+          </a:bodyPr>
+          <a:lstStyle/>
+          <a:p>
+            <a:r>
+              <a:rPr lang="ru-RU" dirty="0">
+                <a:latin typeface="Arial" panose="020B0604020202020204" pitchFamily="34" charset="0"/>
+                <a:ea typeface="Calibri"/>
+                <a:cs typeface="Arial" panose="020B0604020202020204" pitchFamily="34" charset="0"/>
+              </a:rPr>
+              <a:t>Диаграмма последовательности</a:t>
+            </a:r>
+          </a:p>
+        </p:txBody>
+      </p:sp>
     </p:spTree>
     <p:extLst>
       <p:ext uri="{BB962C8B-B14F-4D97-AF65-F5344CB8AC3E}">
-        <p14:creationId xmlns:p14="http://schemas.microsoft.com/office/powerpoint/2010/main" val="3925909502"/>
+        <p14:creationId xmlns:p14="http://schemas.microsoft.com/office/powerpoint/2010/main" val="4180215592"/>
       </p:ext>
     </p:extLst>
   </p:cSld>

--- a/документы/ЗащитаУП.pptx
+++ b/документы/ЗащитаУП.pptx
@@ -5,7 +5,7 @@
     <p:sldMasterId id="2147483648" r:id="rId1"/>
   </p:sldMasterIdLst>
   <p:notesMasterIdLst>
-    <p:notesMasterId r:id="rId21"/>
+    <p:notesMasterId r:id="rId24"/>
   </p:notesMasterIdLst>
   <p:sldIdLst>
     <p:sldId id="257" r:id="rId2"/>
@@ -17,16 +17,19 @@
     <p:sldId id="277" r:id="rId8"/>
     <p:sldId id="270" r:id="rId9"/>
     <p:sldId id="274" r:id="rId10"/>
-    <p:sldId id="275" r:id="rId11"/>
-    <p:sldId id="276" r:id="rId12"/>
-    <p:sldId id="265" r:id="rId13"/>
-    <p:sldId id="268" r:id="rId14"/>
-    <p:sldId id="267" r:id="rId15"/>
-    <p:sldId id="271" r:id="rId16"/>
-    <p:sldId id="272" r:id="rId17"/>
-    <p:sldId id="264" r:id="rId18"/>
-    <p:sldId id="273" r:id="rId19"/>
-    <p:sldId id="266" r:id="rId20"/>
+    <p:sldId id="278" r:id="rId11"/>
+    <p:sldId id="275" r:id="rId12"/>
+    <p:sldId id="276" r:id="rId13"/>
+    <p:sldId id="279" r:id="rId14"/>
+    <p:sldId id="265" r:id="rId15"/>
+    <p:sldId id="268" r:id="rId16"/>
+    <p:sldId id="267" r:id="rId17"/>
+    <p:sldId id="271" r:id="rId18"/>
+    <p:sldId id="272" r:id="rId19"/>
+    <p:sldId id="264" r:id="rId20"/>
+    <p:sldId id="273" r:id="rId21"/>
+    <p:sldId id="266" r:id="rId22"/>
+    <p:sldId id="280" r:id="rId23"/>
   </p:sldIdLst>
   <p:sldSz cx="12192000" cy="6858000"/>
   <p:notesSz cx="6858000" cy="9144000"/>
@@ -555,7 +558,7 @@
           <a:p>
             <a:fld id="{549F299E-BC29-4E8C-81AD-DAA5C8B84D4A}" type="slidenum">
               <a:rPr lang="ru-RU" smtClean="0"/>
-              <a:t>17</a:t>
+              <a:t>19</a:t>
             </a:fld>
             <a:endParaRPr lang="ru-RU"/>
           </a:p>
@@ -4270,7 +4273,7 @@
         <p:cNvPr id="1" name="">
           <a:extLst>
             <a:ext uri="{FF2B5EF4-FFF2-40B4-BE49-F238E27FC236}">
-              <a16:creationId xmlns:a16="http://schemas.microsoft.com/office/drawing/2014/main" id="{EEEAB3FC-5E8B-FB6B-DFFD-5D10DA747621}"/>
+              <a16:creationId xmlns:a16="http://schemas.microsoft.com/office/drawing/2014/main" id="{A1E864A4-62D6-3081-FC0C-0239CE47DBAC}"/>
             </a:ext>
           </a:extLst>
         </p:cNvPr>
@@ -4290,7 +4293,7 @@
           <p:cNvPr id="2" name="Рамка 1">
             <a:extLst>
               <a:ext uri="{FF2B5EF4-FFF2-40B4-BE49-F238E27FC236}">
-                <a16:creationId xmlns:a16="http://schemas.microsoft.com/office/drawing/2014/main" id="{19058424-D6EE-62C7-17CE-63EF24AA2AB2}"/>
+                <a16:creationId xmlns:a16="http://schemas.microsoft.com/office/drawing/2014/main" id="{EB339CC2-1C83-D339-3FB7-445FC0741CBF}"/>
               </a:ext>
             </a:extLst>
           </p:cNvPr>
@@ -4350,6 +4353,293 @@
           <p:cNvPr id="11" name="Заголовок 6">
             <a:extLst>
               <a:ext uri="{FF2B5EF4-FFF2-40B4-BE49-F238E27FC236}">
+                <a16:creationId xmlns:a16="http://schemas.microsoft.com/office/drawing/2014/main" id="{2A5CB567-59C7-D823-26A7-5A7276F9FBB1}"/>
+              </a:ext>
+            </a:extLst>
+          </p:cNvPr>
+          <p:cNvSpPr>
+            <a:spLocks noGrp="1"/>
+          </p:cNvSpPr>
+          <p:nvPr>
+            <p:ph type="title"/>
+          </p:nvPr>
+        </p:nvSpPr>
+        <p:spPr>
+          <a:xfrm>
+            <a:off x="3069428" y="174997"/>
+            <a:ext cx="6998115" cy="634082"/>
+          </a:xfrm>
+        </p:spPr>
+        <p:txBody>
+          <a:bodyPr vert="horz" lIns="91440" tIns="45720" rIns="91440" bIns="45720" rtlCol="0" anchor="ctr">
+            <a:normAutofit fontScale="90000"/>
+          </a:bodyPr>
+          <a:lstStyle/>
+          <a:p>
+            <a:r>
+              <a:rPr lang="ru-RU" sz="3200" b="1" dirty="0">
+                <a:solidFill>
+                  <a:srgbClr val="9B2D1F"/>
+                </a:solidFill>
+                <a:latin typeface="Arial" panose="020B0604020202020204" pitchFamily="34" charset="0"/>
+                <a:cs typeface="Arial" panose="020B0604020202020204" pitchFamily="34" charset="0"/>
+              </a:rPr>
+              <a:t>СТРАНИЦА ВХОДА</a:t>
+            </a:r>
+            <a:r>
+              <a:rPr lang="en-US" sz="3200" b="1" dirty="0">
+                <a:solidFill>
+                  <a:srgbClr val="9B2D1F"/>
+                </a:solidFill>
+                <a:latin typeface="Arial" panose="020B0604020202020204" pitchFamily="34" charset="0"/>
+                <a:cs typeface="Arial" panose="020B0604020202020204" pitchFamily="34" charset="0"/>
+              </a:rPr>
+              <a:t>/</a:t>
+            </a:r>
+            <a:r>
+              <a:rPr lang="ru-RU" sz="3200" b="1" dirty="0">
+                <a:solidFill>
+                  <a:srgbClr val="9B2D1F"/>
+                </a:solidFill>
+                <a:latin typeface="Arial" panose="020B0604020202020204" pitchFamily="34" charset="0"/>
+                <a:cs typeface="Arial" panose="020B0604020202020204" pitchFamily="34" charset="0"/>
+              </a:rPr>
+              <a:t>РЕГИСТРАЦИИ</a:t>
+            </a:r>
+          </a:p>
+        </p:txBody>
+      </p:sp>
+      <p:pic>
+        <p:nvPicPr>
+          <p:cNvPr id="5" name="Рисунок 4">
+            <a:extLst>
+              <a:ext uri="{FF2B5EF4-FFF2-40B4-BE49-F238E27FC236}">
+                <a16:creationId xmlns:a16="http://schemas.microsoft.com/office/drawing/2014/main" id="{E0327CB4-3CB9-C6E5-FDEF-F6221058487E}"/>
+              </a:ext>
+            </a:extLst>
+          </p:cNvPr>
+          <p:cNvPicPr>
+            <a:picLocks noChangeAspect="1"/>
+          </p:cNvPicPr>
+          <p:nvPr/>
+        </p:nvPicPr>
+        <p:blipFill>
+          <a:blip r:embed="rId2"/>
+          <a:stretch>
+            <a:fillRect/>
+          </a:stretch>
+        </p:blipFill>
+        <p:spPr>
+          <a:xfrm>
+            <a:off x="266346" y="809079"/>
+            <a:ext cx="5829654" cy="4092105"/>
+          </a:xfrm>
+          <a:prstGeom prst="rect">
+            <a:avLst/>
+          </a:prstGeom>
+        </p:spPr>
+      </p:pic>
+      <p:pic>
+        <p:nvPicPr>
+          <p:cNvPr id="9" name="Рисунок 8">
+            <a:extLst>
+              <a:ext uri="{FF2B5EF4-FFF2-40B4-BE49-F238E27FC236}">
+                <a16:creationId xmlns:a16="http://schemas.microsoft.com/office/drawing/2014/main" id="{C6ABCB3E-BD15-AD00-75EF-5FAAB4B67C4A}"/>
+              </a:ext>
+            </a:extLst>
+          </p:cNvPr>
+          <p:cNvPicPr>
+            <a:picLocks noChangeAspect="1"/>
+          </p:cNvPicPr>
+          <p:nvPr/>
+        </p:nvPicPr>
+        <p:blipFill>
+          <a:blip r:embed="rId3"/>
+          <a:stretch>
+            <a:fillRect/>
+          </a:stretch>
+        </p:blipFill>
+        <p:spPr>
+          <a:xfrm>
+            <a:off x="6163056" y="2561735"/>
+            <a:ext cx="5762598" cy="4043055"/>
+          </a:xfrm>
+          <a:prstGeom prst="rect">
+            <a:avLst/>
+          </a:prstGeom>
+        </p:spPr>
+      </p:pic>
+      <p:sp>
+        <p:nvSpPr>
+          <p:cNvPr id="10" name="TextBox 9">
+            <a:extLst>
+              <a:ext uri="{FF2B5EF4-FFF2-40B4-BE49-F238E27FC236}">
+                <a16:creationId xmlns:a16="http://schemas.microsoft.com/office/drawing/2014/main" id="{0914F8AE-B1B7-E6EA-C6FE-0012DF8C826D}"/>
+              </a:ext>
+            </a:extLst>
+          </p:cNvPr>
+          <p:cNvSpPr txBox="1"/>
+          <p:nvPr/>
+        </p:nvSpPr>
+        <p:spPr>
+          <a:xfrm>
+            <a:off x="1984248" y="4901184"/>
+            <a:ext cx="1801368" cy="369332"/>
+          </a:xfrm>
+          <a:prstGeom prst="rect">
+            <a:avLst/>
+          </a:prstGeom>
+          <a:noFill/>
+        </p:spPr>
+        <p:txBody>
+          <a:bodyPr wrap="square" rtlCol="0">
+            <a:spAutoFit/>
+          </a:bodyPr>
+          <a:lstStyle/>
+          <a:p>
+            <a:r>
+              <a:rPr lang="ru-RU" dirty="0"/>
+              <a:t>Вход в аккаунт </a:t>
+            </a:r>
+          </a:p>
+        </p:txBody>
+      </p:sp>
+      <p:sp>
+        <p:nvSpPr>
+          <p:cNvPr id="12" name="TextBox 11">
+            <a:extLst>
+              <a:ext uri="{FF2B5EF4-FFF2-40B4-BE49-F238E27FC236}">
+                <a16:creationId xmlns:a16="http://schemas.microsoft.com/office/drawing/2014/main" id="{B2AD50FD-DE4D-EAA5-8262-4C60F12878F2}"/>
+              </a:ext>
+            </a:extLst>
+          </p:cNvPr>
+          <p:cNvSpPr txBox="1"/>
+          <p:nvPr/>
+        </p:nvSpPr>
+        <p:spPr>
+          <a:xfrm>
+            <a:off x="8034528" y="2123859"/>
+            <a:ext cx="3011424" cy="369332"/>
+          </a:xfrm>
+          <a:prstGeom prst="rect">
+            <a:avLst/>
+          </a:prstGeom>
+          <a:noFill/>
+        </p:spPr>
+        <p:txBody>
+          <a:bodyPr wrap="square" rtlCol="0">
+            <a:spAutoFit/>
+          </a:bodyPr>
+          <a:lstStyle/>
+          <a:p>
+            <a:r>
+              <a:rPr lang="ru-RU" dirty="0"/>
+              <a:t>Регистрация пользователя</a:t>
+            </a:r>
+          </a:p>
+        </p:txBody>
+      </p:sp>
+    </p:spTree>
+    <p:extLst>
+      <p:ext uri="{BB962C8B-B14F-4D97-AF65-F5344CB8AC3E}">
+        <p14:creationId xmlns:p14="http://schemas.microsoft.com/office/powerpoint/2010/main" val="2301288825"/>
+      </p:ext>
+    </p:extLst>
+  </p:cSld>
+  <p:clrMapOvr>
+    <a:masterClrMapping/>
+  </p:clrMapOvr>
+</p:sld>
+</file>
+
+<file path=ppt/slides/slide11.xml><?xml version="1.0" encoding="utf-8"?>
+<p:sld xmlns:a="http://schemas.openxmlformats.org/drawingml/2006/main" xmlns:r="http://schemas.openxmlformats.org/officeDocument/2006/relationships" xmlns:p="http://schemas.openxmlformats.org/presentationml/2006/main">
+  <p:cSld>
+    <p:spTree>
+      <p:nvGrpSpPr>
+        <p:cNvPr id="1" name="">
+          <a:extLst>
+            <a:ext uri="{FF2B5EF4-FFF2-40B4-BE49-F238E27FC236}">
+              <a16:creationId xmlns:a16="http://schemas.microsoft.com/office/drawing/2014/main" id="{EEEAB3FC-5E8B-FB6B-DFFD-5D10DA747621}"/>
+            </a:ext>
+          </a:extLst>
+        </p:cNvPr>
+        <p:cNvGrpSpPr/>
+        <p:nvPr/>
+      </p:nvGrpSpPr>
+      <p:grpSpPr>
+        <a:xfrm>
+          <a:off x="0" y="0"/>
+          <a:ext cx="0" cy="0"/>
+          <a:chOff x="0" y="0"/>
+          <a:chExt cx="0" cy="0"/>
+        </a:xfrm>
+      </p:grpSpPr>
+      <p:sp>
+        <p:nvSpPr>
+          <p:cNvPr id="2" name="Рамка 1">
+            <a:extLst>
+              <a:ext uri="{FF2B5EF4-FFF2-40B4-BE49-F238E27FC236}">
+                <a16:creationId xmlns:a16="http://schemas.microsoft.com/office/drawing/2014/main" id="{19058424-D6EE-62C7-17CE-63EF24AA2AB2}"/>
+              </a:ext>
+            </a:extLst>
+          </p:cNvPr>
+          <p:cNvSpPr/>
+          <p:nvPr/>
+        </p:nvSpPr>
+        <p:spPr>
+          <a:xfrm>
+            <a:off x="0" y="0"/>
+            <a:ext cx="12192000" cy="6858000"/>
+          </a:xfrm>
+          <a:prstGeom prst="frame">
+            <a:avLst>
+              <a:gd name="adj1" fmla="val 2233"/>
+            </a:avLst>
+          </a:prstGeom>
+          <a:solidFill>
+            <a:srgbClr val="9B2D1F"/>
+          </a:solidFill>
+          <a:ln>
+            <a:solidFill>
+              <a:srgbClr val="9B2D1F"/>
+            </a:solidFill>
+          </a:ln>
+        </p:spPr>
+        <p:style>
+          <a:lnRef idx="2">
+            <a:schemeClr val="accent1">
+              <a:shade val="15000"/>
+            </a:schemeClr>
+          </a:lnRef>
+          <a:fillRef idx="1">
+            <a:schemeClr val="accent1"/>
+          </a:fillRef>
+          <a:effectRef idx="0">
+            <a:schemeClr val="accent1"/>
+          </a:effectRef>
+          <a:fontRef idx="minor">
+            <a:schemeClr val="lt1"/>
+          </a:fontRef>
+        </p:style>
+        <p:txBody>
+          <a:bodyPr rtlCol="0" anchor="ctr"/>
+          <a:lstStyle/>
+          <a:p>
+            <a:pPr algn="ctr"/>
+            <a:endParaRPr lang="ru-RU">
+              <a:solidFill>
+                <a:schemeClr val="tx1"/>
+              </a:solidFill>
+            </a:endParaRPr>
+          </a:p>
+        </p:txBody>
+      </p:sp>
+      <p:sp>
+        <p:nvSpPr>
+          <p:cNvPr id="11" name="Заголовок 6">
+            <a:extLst>
+              <a:ext uri="{FF2B5EF4-FFF2-40B4-BE49-F238E27FC236}">
                 <a16:creationId xmlns:a16="http://schemas.microsoft.com/office/drawing/2014/main" id="{C4C602A8-503E-7B4D-E0D7-BC25F8F61550}"/>
               </a:ext>
             </a:extLst>
@@ -4437,7 +4727,7 @@
 </p:sld>
 </file>
 
-<file path=ppt/slides/slide11.xml><?xml version="1.0" encoding="utf-8"?>
+<file path=ppt/slides/slide12.xml><?xml version="1.0" encoding="utf-8"?>
 <p:sld xmlns:a="http://schemas.openxmlformats.org/drawingml/2006/main" xmlns:r="http://schemas.openxmlformats.org/officeDocument/2006/relationships" xmlns:p="http://schemas.openxmlformats.org/presentationml/2006/main">
   <p:cSld>
     <p:spTree>
@@ -4649,7 +4939,241 @@
 </p:sld>
 </file>
 
-<file path=ppt/slides/slide12.xml><?xml version="1.0" encoding="utf-8"?>
+<file path=ppt/slides/slide13.xml><?xml version="1.0" encoding="utf-8"?>
+<p:sld xmlns:a="http://schemas.openxmlformats.org/drawingml/2006/main" xmlns:r="http://schemas.openxmlformats.org/officeDocument/2006/relationships" xmlns:p="http://schemas.openxmlformats.org/presentationml/2006/main">
+  <p:cSld>
+    <p:spTree>
+      <p:nvGrpSpPr>
+        <p:cNvPr id="1" name="">
+          <a:extLst>
+            <a:ext uri="{FF2B5EF4-FFF2-40B4-BE49-F238E27FC236}">
+              <a16:creationId xmlns:a16="http://schemas.microsoft.com/office/drawing/2014/main" id="{9254E001-7201-F013-502E-0644F4E53670}"/>
+            </a:ext>
+          </a:extLst>
+        </p:cNvPr>
+        <p:cNvGrpSpPr/>
+        <p:nvPr/>
+      </p:nvGrpSpPr>
+      <p:grpSpPr>
+        <a:xfrm>
+          <a:off x="0" y="0"/>
+          <a:ext cx="0" cy="0"/>
+          <a:chOff x="0" y="0"/>
+          <a:chExt cx="0" cy="0"/>
+        </a:xfrm>
+      </p:grpSpPr>
+      <p:sp>
+        <p:nvSpPr>
+          <p:cNvPr id="2" name="Рамка 1">
+            <a:extLst>
+              <a:ext uri="{FF2B5EF4-FFF2-40B4-BE49-F238E27FC236}">
+                <a16:creationId xmlns:a16="http://schemas.microsoft.com/office/drawing/2014/main" id="{6FA4152C-9C27-286D-9431-42057A6BF976}"/>
+              </a:ext>
+            </a:extLst>
+          </p:cNvPr>
+          <p:cNvSpPr/>
+          <p:nvPr/>
+        </p:nvSpPr>
+        <p:spPr>
+          <a:xfrm>
+            <a:off x="0" y="0"/>
+            <a:ext cx="12192000" cy="6858000"/>
+          </a:xfrm>
+          <a:prstGeom prst="frame">
+            <a:avLst>
+              <a:gd name="adj1" fmla="val 2233"/>
+            </a:avLst>
+          </a:prstGeom>
+          <a:solidFill>
+            <a:srgbClr val="9B2D1F"/>
+          </a:solidFill>
+          <a:ln>
+            <a:solidFill>
+              <a:srgbClr val="9B2D1F"/>
+            </a:solidFill>
+          </a:ln>
+        </p:spPr>
+        <p:style>
+          <a:lnRef idx="2">
+            <a:schemeClr val="accent1">
+              <a:shade val="15000"/>
+            </a:schemeClr>
+          </a:lnRef>
+          <a:fillRef idx="1">
+            <a:schemeClr val="accent1"/>
+          </a:fillRef>
+          <a:effectRef idx="0">
+            <a:schemeClr val="accent1"/>
+          </a:effectRef>
+          <a:fontRef idx="minor">
+            <a:schemeClr val="lt1"/>
+          </a:fontRef>
+        </p:style>
+        <p:txBody>
+          <a:bodyPr rtlCol="0" anchor="ctr"/>
+          <a:lstStyle/>
+          <a:p>
+            <a:pPr algn="ctr"/>
+            <a:endParaRPr lang="ru-RU">
+              <a:solidFill>
+                <a:schemeClr val="tx1"/>
+              </a:solidFill>
+            </a:endParaRPr>
+          </a:p>
+        </p:txBody>
+      </p:sp>
+      <p:sp>
+        <p:nvSpPr>
+          <p:cNvPr id="11" name="Заголовок 6">
+            <a:extLst>
+              <a:ext uri="{FF2B5EF4-FFF2-40B4-BE49-F238E27FC236}">
+                <a16:creationId xmlns:a16="http://schemas.microsoft.com/office/drawing/2014/main" id="{525889EA-786F-C681-A5ED-D29C92054535}"/>
+              </a:ext>
+            </a:extLst>
+          </p:cNvPr>
+          <p:cNvSpPr>
+            <a:spLocks noGrp="1"/>
+          </p:cNvSpPr>
+          <p:nvPr>
+            <p:ph type="title"/>
+          </p:nvPr>
+        </p:nvSpPr>
+        <p:spPr>
+          <a:xfrm>
+            <a:off x="1768232" y="463148"/>
+            <a:ext cx="9502880" cy="634082"/>
+          </a:xfrm>
+        </p:spPr>
+        <p:txBody>
+          <a:bodyPr vert="horz" lIns="91440" tIns="45720" rIns="91440" bIns="45720" rtlCol="0" anchor="ctr">
+            <a:normAutofit/>
+          </a:bodyPr>
+          <a:lstStyle/>
+          <a:p>
+            <a:pPr algn="ctr"/>
+            <a:r>
+              <a:rPr lang="ru-RU" sz="3200" b="1" dirty="0">
+                <a:solidFill>
+                  <a:srgbClr val="9B2D1F"/>
+                </a:solidFill>
+                <a:latin typeface="Arial"/>
+                <a:cs typeface="Arial"/>
+              </a:rPr>
+              <a:t>Загрузка карточки рецепта</a:t>
+            </a:r>
+            <a:endParaRPr lang="ru-RU" dirty="0"/>
+          </a:p>
+        </p:txBody>
+      </p:sp>
+      <p:pic>
+        <p:nvPicPr>
+          <p:cNvPr id="4" name="Рисунок 3" descr="Изображение выглядит как текст, снимок экрана, Шрифт, число&#10;&#10;Содержимое, созданное искусственным интеллектом, может быть неверным.">
+            <a:extLst>
+              <a:ext uri="{FF2B5EF4-FFF2-40B4-BE49-F238E27FC236}">
+                <a16:creationId xmlns:a16="http://schemas.microsoft.com/office/drawing/2014/main" id="{E064CFAB-BEF4-7803-BDF8-6D5D4A01B8D0}"/>
+              </a:ext>
+            </a:extLst>
+          </p:cNvPr>
+          <p:cNvPicPr>
+            <a:picLocks noChangeAspect="1"/>
+          </p:cNvPicPr>
+          <p:nvPr/>
+        </p:nvPicPr>
+        <p:blipFill>
+          <a:blip r:embed="rId2"/>
+          <a:stretch>
+            <a:fillRect/>
+          </a:stretch>
+        </p:blipFill>
+        <p:spPr>
+          <a:xfrm>
+            <a:off x="6629401" y="1170749"/>
+            <a:ext cx="5001958" cy="5093948"/>
+          </a:xfrm>
+          <a:prstGeom prst="rect">
+            <a:avLst/>
+          </a:prstGeom>
+        </p:spPr>
+      </p:pic>
+      <p:pic>
+        <p:nvPicPr>
+          <p:cNvPr id="6" name="Рисунок 5">
+            <a:extLst>
+              <a:ext uri="{FF2B5EF4-FFF2-40B4-BE49-F238E27FC236}">
+                <a16:creationId xmlns:a16="http://schemas.microsoft.com/office/drawing/2014/main" id="{3BA01F24-508D-129B-F7C4-4887459FCB4E}"/>
+              </a:ext>
+            </a:extLst>
+          </p:cNvPr>
+          <p:cNvPicPr>
+            <a:picLocks noChangeAspect="1"/>
+          </p:cNvPicPr>
+          <p:nvPr/>
+        </p:nvPicPr>
+        <p:blipFill>
+          <a:blip r:embed="rId3"/>
+          <a:stretch>
+            <a:fillRect/>
+          </a:stretch>
+        </p:blipFill>
+        <p:spPr>
+          <a:xfrm>
+            <a:off x="427145" y="2624328"/>
+            <a:ext cx="6092527" cy="1950325"/>
+          </a:xfrm>
+          <a:prstGeom prst="rect">
+            <a:avLst/>
+          </a:prstGeom>
+        </p:spPr>
+      </p:pic>
+      <p:sp>
+        <p:nvSpPr>
+          <p:cNvPr id="7" name="TextBox 6">
+            <a:extLst>
+              <a:ext uri="{FF2B5EF4-FFF2-40B4-BE49-F238E27FC236}">
+                <a16:creationId xmlns:a16="http://schemas.microsoft.com/office/drawing/2014/main" id="{DF26AF2E-06AB-7E2A-3FCA-4851BE82FDF1}"/>
+              </a:ext>
+            </a:extLst>
+          </p:cNvPr>
+          <p:cNvSpPr txBox="1"/>
+          <p:nvPr/>
+        </p:nvSpPr>
+        <p:spPr>
+          <a:xfrm>
+            <a:off x="2852928" y="4574653"/>
+            <a:ext cx="1768369" cy="369332"/>
+          </a:xfrm>
+          <a:prstGeom prst="rect">
+            <a:avLst/>
+          </a:prstGeom>
+          <a:noFill/>
+        </p:spPr>
+        <p:txBody>
+          <a:bodyPr wrap="none" rtlCol="0">
+            <a:spAutoFit/>
+          </a:bodyPr>
+          <a:lstStyle/>
+          <a:p>
+            <a:r>
+              <a:rPr lang="ru-RU" dirty="0"/>
+              <a:t>Скрипт загрузки</a:t>
+            </a:r>
+          </a:p>
+        </p:txBody>
+      </p:sp>
+    </p:spTree>
+    <p:extLst>
+      <p:ext uri="{BB962C8B-B14F-4D97-AF65-F5344CB8AC3E}">
+        <p14:creationId xmlns:p14="http://schemas.microsoft.com/office/powerpoint/2010/main" val="1767739179"/>
+      </p:ext>
+    </p:extLst>
+  </p:cSld>
+  <p:clrMapOvr>
+    <a:masterClrMapping/>
+  </p:clrMapOvr>
+</p:sld>
+</file>
+
+<file path=ppt/slides/slide14.xml><?xml version="1.0" encoding="utf-8"?>
 <p:sld xmlns:a="http://schemas.openxmlformats.org/drawingml/2006/main" xmlns:r="http://schemas.openxmlformats.org/officeDocument/2006/relationships" xmlns:p="http://schemas.openxmlformats.org/presentationml/2006/main">
   <p:cSld>
     <p:spTree>
@@ -4848,7 +5372,7 @@
 </p:sld>
 </file>
 
-<file path=ppt/slides/slide13.xml><?xml version="1.0" encoding="utf-8"?>
+<file path=ppt/slides/slide15.xml><?xml version="1.0" encoding="utf-8"?>
 <p:sld xmlns:a="http://schemas.openxmlformats.org/drawingml/2006/main" xmlns:r="http://schemas.openxmlformats.org/officeDocument/2006/relationships" xmlns:p="http://schemas.openxmlformats.org/presentationml/2006/main">
   <p:cSld>
     <p:spTree>
@@ -5077,7 +5601,7 @@
 </p:sld>
 </file>
 
-<file path=ppt/slides/slide14.xml><?xml version="1.0" encoding="utf-8"?>
+<file path=ppt/slides/slide16.xml><?xml version="1.0" encoding="utf-8"?>
 <p:sld xmlns:a="http://schemas.openxmlformats.org/drawingml/2006/main" xmlns:r="http://schemas.openxmlformats.org/officeDocument/2006/relationships" xmlns:p="http://schemas.openxmlformats.org/presentationml/2006/main">
   <p:cSld>
     <p:spTree>
@@ -5276,7 +5800,7 @@
 </p:sld>
 </file>
 
-<file path=ppt/slides/slide15.xml><?xml version="1.0" encoding="utf-8"?>
+<file path=ppt/slides/slide17.xml><?xml version="1.0" encoding="utf-8"?>
 <p:sld xmlns:a="http://schemas.openxmlformats.org/drawingml/2006/main" xmlns:r="http://schemas.openxmlformats.org/officeDocument/2006/relationships" xmlns:p="http://schemas.openxmlformats.org/presentationml/2006/main">
   <p:cSld>
     <p:spTree>
@@ -5524,7 +6048,7 @@
 </p:sld>
 </file>
 
-<file path=ppt/slides/slide16.xml><?xml version="1.0" encoding="utf-8"?>
+<file path=ppt/slides/slide18.xml><?xml version="1.0" encoding="utf-8"?>
 <p:sld xmlns:a="http://schemas.openxmlformats.org/drawingml/2006/main" xmlns:r="http://schemas.openxmlformats.org/officeDocument/2006/relationships" xmlns:p="http://schemas.openxmlformats.org/presentationml/2006/main">
   <p:cSld>
     <p:spTree>
@@ -5753,7 +6277,7 @@
 </p:sld>
 </file>
 
-<file path=ppt/slides/slide17.xml><?xml version="1.0" encoding="utf-8"?>
+<file path=ppt/slides/slide19.xml><?xml version="1.0" encoding="utf-8"?>
 <p:sld xmlns:a="http://schemas.openxmlformats.org/drawingml/2006/main" xmlns:r="http://schemas.openxmlformats.org/officeDocument/2006/relationships" xmlns:p="http://schemas.openxmlformats.org/presentationml/2006/main">
   <p:cSld>
     <p:spTree>
@@ -6423,450 +6947,6 @@
     <p:extLst>
       <p:ext uri="{BB962C8B-B14F-4D97-AF65-F5344CB8AC3E}">
         <p14:creationId xmlns:p14="http://schemas.microsoft.com/office/powerpoint/2010/main" val="1706416265"/>
-      </p:ext>
-    </p:extLst>
-  </p:cSld>
-  <p:clrMapOvr>
-    <a:masterClrMapping/>
-  </p:clrMapOvr>
-</p:sld>
-</file>
-
-<file path=ppt/slides/slide18.xml><?xml version="1.0" encoding="utf-8"?>
-<p:sld xmlns:a="http://schemas.openxmlformats.org/drawingml/2006/main" xmlns:r="http://schemas.openxmlformats.org/officeDocument/2006/relationships" xmlns:p="http://schemas.openxmlformats.org/presentationml/2006/main">
-  <p:cSld>
-    <p:spTree>
-      <p:nvGrpSpPr>
-        <p:cNvPr id="1" name="">
-          <a:extLst>
-            <a:ext uri="{FF2B5EF4-FFF2-40B4-BE49-F238E27FC236}">
-              <a16:creationId xmlns:a16="http://schemas.microsoft.com/office/drawing/2014/main" id="{F760D6A4-FF77-CBB4-F693-3217FD612576}"/>
-            </a:ext>
-          </a:extLst>
-        </p:cNvPr>
-        <p:cNvGrpSpPr/>
-        <p:nvPr/>
-      </p:nvGrpSpPr>
-      <p:grpSpPr>
-        <a:xfrm>
-          <a:off x="0" y="0"/>
-          <a:ext cx="0" cy="0"/>
-          <a:chOff x="0" y="0"/>
-          <a:chExt cx="0" cy="0"/>
-        </a:xfrm>
-      </p:grpSpPr>
-      <p:sp>
-        <p:nvSpPr>
-          <p:cNvPr id="2" name="Рамка 1">
-            <a:extLst>
-              <a:ext uri="{FF2B5EF4-FFF2-40B4-BE49-F238E27FC236}">
-                <a16:creationId xmlns:a16="http://schemas.microsoft.com/office/drawing/2014/main" id="{5F803ECF-79D4-0F95-7F47-E85A2B8483ED}"/>
-              </a:ext>
-            </a:extLst>
-          </p:cNvPr>
-          <p:cNvSpPr/>
-          <p:nvPr/>
-        </p:nvSpPr>
-        <p:spPr>
-          <a:xfrm>
-            <a:off x="0" y="0"/>
-            <a:ext cx="12192000" cy="6858000"/>
-          </a:xfrm>
-          <a:prstGeom prst="frame">
-            <a:avLst>
-              <a:gd name="adj1" fmla="val 2233"/>
-            </a:avLst>
-          </a:prstGeom>
-          <a:solidFill>
-            <a:srgbClr val="9B2D1F"/>
-          </a:solidFill>
-          <a:ln>
-            <a:solidFill>
-              <a:srgbClr val="9B2D1F"/>
-            </a:solidFill>
-          </a:ln>
-        </p:spPr>
-        <p:style>
-          <a:lnRef idx="2">
-            <a:schemeClr val="accent1">
-              <a:shade val="15000"/>
-            </a:schemeClr>
-          </a:lnRef>
-          <a:fillRef idx="1">
-            <a:schemeClr val="accent1"/>
-          </a:fillRef>
-          <a:effectRef idx="0">
-            <a:schemeClr val="accent1"/>
-          </a:effectRef>
-          <a:fontRef idx="minor">
-            <a:schemeClr val="lt1"/>
-          </a:fontRef>
-        </p:style>
-        <p:txBody>
-          <a:bodyPr rtlCol="0" anchor="ctr"/>
-          <a:lstStyle/>
-          <a:p>
-            <a:pPr algn="ctr"/>
-            <a:endParaRPr lang="ru-RU">
-              <a:solidFill>
-                <a:schemeClr val="tx1"/>
-              </a:solidFill>
-            </a:endParaRPr>
-          </a:p>
-        </p:txBody>
-      </p:sp>
-      <p:sp>
-        <p:nvSpPr>
-          <p:cNvPr id="11" name="Заголовок 6">
-            <a:extLst>
-              <a:ext uri="{FF2B5EF4-FFF2-40B4-BE49-F238E27FC236}">
-                <a16:creationId xmlns:a16="http://schemas.microsoft.com/office/drawing/2014/main" id="{41A9F986-5973-365E-8F3F-DEBEFC7808F8}"/>
-              </a:ext>
-            </a:extLst>
-          </p:cNvPr>
-          <p:cNvSpPr>
-            <a:spLocks noGrp="1"/>
-          </p:cNvSpPr>
-          <p:nvPr>
-            <p:ph type="title"/>
-          </p:nvPr>
-        </p:nvSpPr>
-        <p:spPr>
-          <a:xfrm>
-            <a:off x="3800415" y="318443"/>
-            <a:ext cx="4885552" cy="634082"/>
-          </a:xfrm>
-        </p:spPr>
-        <p:txBody>
-          <a:bodyPr vert="horz" lIns="91440" tIns="45720" rIns="91440" bIns="45720" rtlCol="0" anchor="ctr">
-            <a:normAutofit/>
-          </a:bodyPr>
-          <a:lstStyle/>
-          <a:p>
-            <a:r>
-              <a:rPr lang="ru-RU" sz="3200" b="1" dirty="0">
-                <a:solidFill>
-                  <a:srgbClr val="9B2D1F"/>
-                </a:solidFill>
-                <a:latin typeface="Arial" panose="020B0604020202020204" pitchFamily="34" charset="0"/>
-                <a:cs typeface="Arial" panose="020B0604020202020204" pitchFamily="34" charset="0"/>
-              </a:rPr>
-              <a:t>МЕТОД МОНТЕ КАРЛО</a:t>
-            </a:r>
-          </a:p>
-        </p:txBody>
-      </p:sp>
-      <p:sp>
-        <p:nvSpPr>
-          <p:cNvPr id="6" name="TextBox 5">
-            <a:extLst>
-              <a:ext uri="{FF2B5EF4-FFF2-40B4-BE49-F238E27FC236}">
-                <a16:creationId xmlns:a16="http://schemas.microsoft.com/office/drawing/2014/main" id="{997A4A22-2432-07CA-6DE8-C60235C38464}"/>
-              </a:ext>
-            </a:extLst>
-          </p:cNvPr>
-          <p:cNvSpPr txBox="1"/>
-          <p:nvPr/>
-        </p:nvSpPr>
-        <p:spPr>
-          <a:xfrm>
-            <a:off x="4386959" y="814433"/>
-            <a:ext cx="3712464" cy="456535"/>
-          </a:xfrm>
-          <a:prstGeom prst="rect">
-            <a:avLst/>
-          </a:prstGeom>
-          <a:noFill/>
-        </p:spPr>
-        <p:txBody>
-          <a:bodyPr wrap="square">
-            <a:spAutoFit/>
-          </a:bodyPr>
-          <a:lstStyle/>
-          <a:p>
-            <a:pPr indent="450215" algn="just">
-              <a:lnSpc>
-                <a:spcPct val="150000"/>
-              </a:lnSpc>
-              <a:buNone/>
-            </a:pPr>
-            <a:r>
-              <a:rPr lang="ru-RU" sz="1800" b="1" dirty="0">
-                <a:effectLst/>
-                <a:latin typeface="Arial" panose="020B0604020202020204" pitchFamily="34" charset="0"/>
-                <a:ea typeface="Calibri" panose="020F0502020204030204" pitchFamily="34" charset="0"/>
-                <a:cs typeface="Arial" panose="020B0604020202020204" pitchFamily="34" charset="0"/>
-              </a:rPr>
-              <a:t>Нахождение числа </a:t>
-            </a:r>
-            <a:r>
-              <a:rPr lang="en-US" sz="1800" b="1" dirty="0">
-                <a:effectLst/>
-                <a:latin typeface="Arial" panose="020B0604020202020204" pitchFamily="34" charset="0"/>
-                <a:ea typeface="Calibri" panose="020F0502020204030204" pitchFamily="34" charset="0"/>
-                <a:cs typeface="Arial" panose="020B0604020202020204" pitchFamily="34" charset="0"/>
-                <a:sym typeface="Symbol" panose="05050102010706020507" pitchFamily="18" charset="2"/>
-              </a:rPr>
-              <a:t></a:t>
-            </a:r>
-            <a:endParaRPr lang="ru-RU" sz="1800" b="1" dirty="0">
-              <a:effectLst/>
-              <a:latin typeface="Arial" panose="020B0604020202020204" pitchFamily="34" charset="0"/>
-              <a:ea typeface="Calibri" panose="020F0502020204030204" pitchFamily="34" charset="0"/>
-              <a:cs typeface="Arial" panose="020B0604020202020204" pitchFamily="34" charset="0"/>
-            </a:endParaRPr>
-          </a:p>
-        </p:txBody>
-      </p:sp>
-      <p:pic>
-        <p:nvPicPr>
-          <p:cNvPr id="5" name="Рисунок 4">
-            <a:extLst>
-              <a:ext uri="{FF2B5EF4-FFF2-40B4-BE49-F238E27FC236}">
-                <a16:creationId xmlns:a16="http://schemas.microsoft.com/office/drawing/2014/main" id="{61DF60F9-AE85-B1EE-A178-D17B74E73328}"/>
-              </a:ext>
-            </a:extLst>
-          </p:cNvPr>
-          <p:cNvPicPr>
-            <a:picLocks noChangeAspect="1"/>
-          </p:cNvPicPr>
-          <p:nvPr/>
-        </p:nvPicPr>
-        <p:blipFill>
-          <a:blip r:embed="rId2"/>
-          <a:stretch>
-            <a:fillRect/>
-          </a:stretch>
-        </p:blipFill>
-        <p:spPr>
-          <a:xfrm>
-            <a:off x="1323275" y="1448515"/>
-            <a:ext cx="9545449" cy="4834708"/>
-          </a:xfrm>
-          <a:prstGeom prst="rect">
-            <a:avLst/>
-          </a:prstGeom>
-        </p:spPr>
-      </p:pic>
-    </p:spTree>
-    <p:extLst>
-      <p:ext uri="{BB962C8B-B14F-4D97-AF65-F5344CB8AC3E}">
-        <p14:creationId xmlns:p14="http://schemas.microsoft.com/office/powerpoint/2010/main" val="2103499643"/>
-      </p:ext>
-    </p:extLst>
-  </p:cSld>
-  <p:clrMapOvr>
-    <a:masterClrMapping/>
-  </p:clrMapOvr>
-</p:sld>
-</file>
-
-<file path=ppt/slides/slide19.xml><?xml version="1.0" encoding="utf-8"?>
-<p:sld xmlns:a="http://schemas.openxmlformats.org/drawingml/2006/main" xmlns:r="http://schemas.openxmlformats.org/officeDocument/2006/relationships" xmlns:p="http://schemas.openxmlformats.org/presentationml/2006/main">
-  <p:cSld>
-    <p:spTree>
-      <p:nvGrpSpPr>
-        <p:cNvPr id="1" name="">
-          <a:extLst>
-            <a:ext uri="{FF2B5EF4-FFF2-40B4-BE49-F238E27FC236}">
-              <a16:creationId xmlns:a16="http://schemas.microsoft.com/office/drawing/2014/main" id="{B7F9C7EC-1BB0-DC0B-2588-441C2CE340B2}"/>
-            </a:ext>
-          </a:extLst>
-        </p:cNvPr>
-        <p:cNvGrpSpPr/>
-        <p:nvPr/>
-      </p:nvGrpSpPr>
-      <p:grpSpPr>
-        <a:xfrm>
-          <a:off x="0" y="0"/>
-          <a:ext cx="0" cy="0"/>
-          <a:chOff x="0" y="0"/>
-          <a:chExt cx="0" cy="0"/>
-        </a:xfrm>
-      </p:grpSpPr>
-      <p:sp>
-        <p:nvSpPr>
-          <p:cNvPr id="2" name="Рамка 1">
-            <a:extLst>
-              <a:ext uri="{FF2B5EF4-FFF2-40B4-BE49-F238E27FC236}">
-                <a16:creationId xmlns:a16="http://schemas.microsoft.com/office/drawing/2014/main" id="{AD8AC6EE-0A17-F1C7-D904-ADC0646DFD8F}"/>
-              </a:ext>
-            </a:extLst>
-          </p:cNvPr>
-          <p:cNvSpPr/>
-          <p:nvPr/>
-        </p:nvSpPr>
-        <p:spPr>
-          <a:xfrm>
-            <a:off x="0" y="0"/>
-            <a:ext cx="12192000" cy="6858000"/>
-          </a:xfrm>
-          <a:prstGeom prst="frame">
-            <a:avLst>
-              <a:gd name="adj1" fmla="val 2233"/>
-            </a:avLst>
-          </a:prstGeom>
-          <a:solidFill>
-            <a:srgbClr val="9B2D1F"/>
-          </a:solidFill>
-          <a:ln>
-            <a:solidFill>
-              <a:srgbClr val="9B2D1F"/>
-            </a:solidFill>
-          </a:ln>
-        </p:spPr>
-        <p:style>
-          <a:lnRef idx="2">
-            <a:schemeClr val="accent1">
-              <a:shade val="15000"/>
-            </a:schemeClr>
-          </a:lnRef>
-          <a:fillRef idx="1">
-            <a:schemeClr val="accent1"/>
-          </a:fillRef>
-          <a:effectRef idx="0">
-            <a:schemeClr val="accent1"/>
-          </a:effectRef>
-          <a:fontRef idx="minor">
-            <a:schemeClr val="lt1"/>
-          </a:fontRef>
-        </p:style>
-        <p:txBody>
-          <a:bodyPr rtlCol="0" anchor="ctr"/>
-          <a:lstStyle/>
-          <a:p>
-            <a:pPr algn="ctr"/>
-            <a:endParaRPr lang="ru-RU">
-              <a:solidFill>
-                <a:schemeClr val="tx1"/>
-              </a:solidFill>
-            </a:endParaRPr>
-          </a:p>
-        </p:txBody>
-      </p:sp>
-      <p:sp>
-        <p:nvSpPr>
-          <p:cNvPr id="11" name="Заголовок 6">
-            <a:extLst>
-              <a:ext uri="{FF2B5EF4-FFF2-40B4-BE49-F238E27FC236}">
-                <a16:creationId xmlns:a16="http://schemas.microsoft.com/office/drawing/2014/main" id="{98FA1511-A553-1EC5-41F3-EA046E4E9AD0}"/>
-              </a:ext>
-            </a:extLst>
-          </p:cNvPr>
-          <p:cNvSpPr>
-            <a:spLocks noGrp="1"/>
-          </p:cNvSpPr>
-          <p:nvPr>
-            <p:ph type="title"/>
-          </p:nvPr>
-        </p:nvSpPr>
-        <p:spPr>
-          <a:xfrm>
-            <a:off x="3800415" y="353461"/>
-            <a:ext cx="4885552" cy="634082"/>
-          </a:xfrm>
-        </p:spPr>
-        <p:txBody>
-          <a:bodyPr vert="horz" lIns="91440" tIns="45720" rIns="91440" bIns="45720" rtlCol="0" anchor="ctr">
-            <a:normAutofit/>
-          </a:bodyPr>
-          <a:lstStyle/>
-          <a:p>
-            <a:r>
-              <a:rPr lang="ru-RU" sz="3200" b="1" dirty="0">
-                <a:solidFill>
-                  <a:srgbClr val="9B2D1F"/>
-                </a:solidFill>
-                <a:latin typeface="Arial" panose="020B0604020202020204" pitchFamily="34" charset="0"/>
-                <a:cs typeface="Arial" panose="020B0604020202020204" pitchFamily="34" charset="0"/>
-              </a:rPr>
-              <a:t>МЕТОД МОНТЕ КАРЛО</a:t>
-            </a:r>
-          </a:p>
-        </p:txBody>
-      </p:sp>
-      <p:sp>
-        <p:nvSpPr>
-          <p:cNvPr id="6" name="TextBox 5">
-            <a:extLst>
-              <a:ext uri="{FF2B5EF4-FFF2-40B4-BE49-F238E27FC236}">
-                <a16:creationId xmlns:a16="http://schemas.microsoft.com/office/drawing/2014/main" id="{840114B9-9A3A-23A4-E5BB-2822D776894D}"/>
-              </a:ext>
-            </a:extLst>
-          </p:cNvPr>
-          <p:cNvSpPr txBox="1"/>
-          <p:nvPr/>
-        </p:nvSpPr>
-        <p:spPr>
-          <a:xfrm>
-            <a:off x="4239768" y="877929"/>
-            <a:ext cx="3712464" cy="463075"/>
-          </a:xfrm>
-          <a:prstGeom prst="rect">
-            <a:avLst/>
-          </a:prstGeom>
-          <a:noFill/>
-        </p:spPr>
-        <p:txBody>
-          <a:bodyPr wrap="square">
-            <a:spAutoFit/>
-          </a:bodyPr>
-          <a:lstStyle/>
-          <a:p>
-            <a:pPr indent="450215" algn="just">
-              <a:lnSpc>
-                <a:spcPct val="150000"/>
-              </a:lnSpc>
-              <a:buNone/>
-            </a:pPr>
-            <a:r>
-              <a:rPr lang="ru-RU" b="1" dirty="0"/>
-              <a:t>Вычисление площади фигуры </a:t>
-            </a:r>
-            <a:endParaRPr lang="ru-RU" sz="1800" b="1" dirty="0">
-              <a:effectLst/>
-              <a:latin typeface="Arial" panose="020B0604020202020204" pitchFamily="34" charset="0"/>
-              <a:ea typeface="Calibri" panose="020F0502020204030204" pitchFamily="34" charset="0"/>
-              <a:cs typeface="Arial" panose="020B0604020202020204" pitchFamily="34" charset="0"/>
-            </a:endParaRPr>
-          </a:p>
-        </p:txBody>
-      </p:sp>
-      <p:pic>
-        <p:nvPicPr>
-          <p:cNvPr id="4" name="Рисунок 3">
-            <a:extLst>
-              <a:ext uri="{FF2B5EF4-FFF2-40B4-BE49-F238E27FC236}">
-                <a16:creationId xmlns:a16="http://schemas.microsoft.com/office/drawing/2014/main" id="{0CF2EC5B-3F45-9B74-0034-771707F0376B}"/>
-              </a:ext>
-            </a:extLst>
-          </p:cNvPr>
-          <p:cNvPicPr>
-            <a:picLocks noChangeAspect="1"/>
-          </p:cNvPicPr>
-          <p:nvPr/>
-        </p:nvPicPr>
-        <p:blipFill>
-          <a:blip r:embed="rId2"/>
-          <a:srcRect l="300" r="1"/>
-          <a:stretch>
-            <a:fillRect/>
-          </a:stretch>
-        </p:blipFill>
-        <p:spPr>
-          <a:xfrm>
-            <a:off x="779526" y="1582677"/>
-            <a:ext cx="10632948" cy="3893813"/>
-          </a:xfrm>
-          <a:prstGeom prst="rect">
-            <a:avLst/>
-          </a:prstGeom>
-        </p:spPr>
-      </p:pic>
-    </p:spTree>
-    <p:extLst>
-      <p:ext uri="{BB962C8B-B14F-4D97-AF65-F5344CB8AC3E}">
-        <p14:creationId xmlns:p14="http://schemas.microsoft.com/office/powerpoint/2010/main" val="1356525527"/>
       </p:ext>
     </p:extLst>
   </p:cSld>
@@ -7152,6 +7232,622 @@
     <p:extLst>
       <p:ext uri="{BB962C8B-B14F-4D97-AF65-F5344CB8AC3E}">
         <p14:creationId xmlns:p14="http://schemas.microsoft.com/office/powerpoint/2010/main" val="4221921990"/>
+      </p:ext>
+    </p:extLst>
+  </p:cSld>
+  <p:clrMapOvr>
+    <a:masterClrMapping/>
+  </p:clrMapOvr>
+</p:sld>
+</file>
+
+<file path=ppt/slides/slide20.xml><?xml version="1.0" encoding="utf-8"?>
+<p:sld xmlns:a="http://schemas.openxmlformats.org/drawingml/2006/main" xmlns:r="http://schemas.openxmlformats.org/officeDocument/2006/relationships" xmlns:p="http://schemas.openxmlformats.org/presentationml/2006/main">
+  <p:cSld>
+    <p:spTree>
+      <p:nvGrpSpPr>
+        <p:cNvPr id="1" name="">
+          <a:extLst>
+            <a:ext uri="{FF2B5EF4-FFF2-40B4-BE49-F238E27FC236}">
+              <a16:creationId xmlns:a16="http://schemas.microsoft.com/office/drawing/2014/main" id="{F760D6A4-FF77-CBB4-F693-3217FD612576}"/>
+            </a:ext>
+          </a:extLst>
+        </p:cNvPr>
+        <p:cNvGrpSpPr/>
+        <p:nvPr/>
+      </p:nvGrpSpPr>
+      <p:grpSpPr>
+        <a:xfrm>
+          <a:off x="0" y="0"/>
+          <a:ext cx="0" cy="0"/>
+          <a:chOff x="0" y="0"/>
+          <a:chExt cx="0" cy="0"/>
+        </a:xfrm>
+      </p:grpSpPr>
+      <p:sp>
+        <p:nvSpPr>
+          <p:cNvPr id="2" name="Рамка 1">
+            <a:extLst>
+              <a:ext uri="{FF2B5EF4-FFF2-40B4-BE49-F238E27FC236}">
+                <a16:creationId xmlns:a16="http://schemas.microsoft.com/office/drawing/2014/main" id="{5F803ECF-79D4-0F95-7F47-E85A2B8483ED}"/>
+              </a:ext>
+            </a:extLst>
+          </p:cNvPr>
+          <p:cNvSpPr/>
+          <p:nvPr/>
+        </p:nvSpPr>
+        <p:spPr>
+          <a:xfrm>
+            <a:off x="0" y="0"/>
+            <a:ext cx="12192000" cy="6858000"/>
+          </a:xfrm>
+          <a:prstGeom prst="frame">
+            <a:avLst>
+              <a:gd name="adj1" fmla="val 2233"/>
+            </a:avLst>
+          </a:prstGeom>
+          <a:solidFill>
+            <a:srgbClr val="9B2D1F"/>
+          </a:solidFill>
+          <a:ln>
+            <a:solidFill>
+              <a:srgbClr val="9B2D1F"/>
+            </a:solidFill>
+          </a:ln>
+        </p:spPr>
+        <p:style>
+          <a:lnRef idx="2">
+            <a:schemeClr val="accent1">
+              <a:shade val="15000"/>
+            </a:schemeClr>
+          </a:lnRef>
+          <a:fillRef idx="1">
+            <a:schemeClr val="accent1"/>
+          </a:fillRef>
+          <a:effectRef idx="0">
+            <a:schemeClr val="accent1"/>
+          </a:effectRef>
+          <a:fontRef idx="minor">
+            <a:schemeClr val="lt1"/>
+          </a:fontRef>
+        </p:style>
+        <p:txBody>
+          <a:bodyPr rtlCol="0" anchor="ctr"/>
+          <a:lstStyle/>
+          <a:p>
+            <a:pPr algn="ctr"/>
+            <a:endParaRPr lang="ru-RU">
+              <a:solidFill>
+                <a:schemeClr val="tx1"/>
+              </a:solidFill>
+            </a:endParaRPr>
+          </a:p>
+        </p:txBody>
+      </p:sp>
+      <p:sp>
+        <p:nvSpPr>
+          <p:cNvPr id="11" name="Заголовок 6">
+            <a:extLst>
+              <a:ext uri="{FF2B5EF4-FFF2-40B4-BE49-F238E27FC236}">
+                <a16:creationId xmlns:a16="http://schemas.microsoft.com/office/drawing/2014/main" id="{41A9F986-5973-365E-8F3F-DEBEFC7808F8}"/>
+              </a:ext>
+            </a:extLst>
+          </p:cNvPr>
+          <p:cNvSpPr>
+            <a:spLocks noGrp="1"/>
+          </p:cNvSpPr>
+          <p:nvPr>
+            <p:ph type="title"/>
+          </p:nvPr>
+        </p:nvSpPr>
+        <p:spPr>
+          <a:xfrm>
+            <a:off x="3800415" y="318443"/>
+            <a:ext cx="4885552" cy="634082"/>
+          </a:xfrm>
+        </p:spPr>
+        <p:txBody>
+          <a:bodyPr vert="horz" lIns="91440" tIns="45720" rIns="91440" bIns="45720" rtlCol="0" anchor="ctr">
+            <a:normAutofit/>
+          </a:bodyPr>
+          <a:lstStyle/>
+          <a:p>
+            <a:r>
+              <a:rPr lang="ru-RU" sz="3200" b="1" dirty="0">
+                <a:solidFill>
+                  <a:srgbClr val="9B2D1F"/>
+                </a:solidFill>
+                <a:latin typeface="Arial" panose="020B0604020202020204" pitchFamily="34" charset="0"/>
+                <a:cs typeface="Arial" panose="020B0604020202020204" pitchFamily="34" charset="0"/>
+              </a:rPr>
+              <a:t>МЕТОД МОНТЕ КАРЛО</a:t>
+            </a:r>
+          </a:p>
+        </p:txBody>
+      </p:sp>
+      <p:sp>
+        <p:nvSpPr>
+          <p:cNvPr id="6" name="TextBox 5">
+            <a:extLst>
+              <a:ext uri="{FF2B5EF4-FFF2-40B4-BE49-F238E27FC236}">
+                <a16:creationId xmlns:a16="http://schemas.microsoft.com/office/drawing/2014/main" id="{997A4A22-2432-07CA-6DE8-C60235C38464}"/>
+              </a:ext>
+            </a:extLst>
+          </p:cNvPr>
+          <p:cNvSpPr txBox="1"/>
+          <p:nvPr/>
+        </p:nvSpPr>
+        <p:spPr>
+          <a:xfrm>
+            <a:off x="4386959" y="814433"/>
+            <a:ext cx="3712464" cy="456535"/>
+          </a:xfrm>
+          <a:prstGeom prst="rect">
+            <a:avLst/>
+          </a:prstGeom>
+          <a:noFill/>
+        </p:spPr>
+        <p:txBody>
+          <a:bodyPr wrap="square">
+            <a:spAutoFit/>
+          </a:bodyPr>
+          <a:lstStyle/>
+          <a:p>
+            <a:pPr indent="450215" algn="just">
+              <a:lnSpc>
+                <a:spcPct val="150000"/>
+              </a:lnSpc>
+              <a:buNone/>
+            </a:pPr>
+            <a:r>
+              <a:rPr lang="ru-RU" sz="1800" b="1" dirty="0">
+                <a:effectLst/>
+                <a:latin typeface="Arial" panose="020B0604020202020204" pitchFamily="34" charset="0"/>
+                <a:ea typeface="Calibri" panose="020F0502020204030204" pitchFamily="34" charset="0"/>
+                <a:cs typeface="Arial" panose="020B0604020202020204" pitchFamily="34" charset="0"/>
+              </a:rPr>
+              <a:t>Нахождение числа </a:t>
+            </a:r>
+            <a:r>
+              <a:rPr lang="en-US" sz="1800" b="1" dirty="0">
+                <a:effectLst/>
+                <a:latin typeface="Arial" panose="020B0604020202020204" pitchFamily="34" charset="0"/>
+                <a:ea typeface="Calibri" panose="020F0502020204030204" pitchFamily="34" charset="0"/>
+                <a:cs typeface="Arial" panose="020B0604020202020204" pitchFamily="34" charset="0"/>
+                <a:sym typeface="Symbol" panose="05050102010706020507" pitchFamily="18" charset="2"/>
+              </a:rPr>
+              <a:t></a:t>
+            </a:r>
+            <a:endParaRPr lang="ru-RU" sz="1800" b="1" dirty="0">
+              <a:effectLst/>
+              <a:latin typeface="Arial" panose="020B0604020202020204" pitchFamily="34" charset="0"/>
+              <a:ea typeface="Calibri" panose="020F0502020204030204" pitchFamily="34" charset="0"/>
+              <a:cs typeface="Arial" panose="020B0604020202020204" pitchFamily="34" charset="0"/>
+            </a:endParaRPr>
+          </a:p>
+        </p:txBody>
+      </p:sp>
+      <p:pic>
+        <p:nvPicPr>
+          <p:cNvPr id="5" name="Рисунок 4">
+            <a:extLst>
+              <a:ext uri="{FF2B5EF4-FFF2-40B4-BE49-F238E27FC236}">
+                <a16:creationId xmlns:a16="http://schemas.microsoft.com/office/drawing/2014/main" id="{61DF60F9-AE85-B1EE-A178-D17B74E73328}"/>
+              </a:ext>
+            </a:extLst>
+          </p:cNvPr>
+          <p:cNvPicPr>
+            <a:picLocks noChangeAspect="1"/>
+          </p:cNvPicPr>
+          <p:nvPr/>
+        </p:nvPicPr>
+        <p:blipFill>
+          <a:blip r:embed="rId2"/>
+          <a:stretch>
+            <a:fillRect/>
+          </a:stretch>
+        </p:blipFill>
+        <p:spPr>
+          <a:xfrm>
+            <a:off x="1323275" y="1448515"/>
+            <a:ext cx="9545449" cy="4834708"/>
+          </a:xfrm>
+          <a:prstGeom prst="rect">
+            <a:avLst/>
+          </a:prstGeom>
+        </p:spPr>
+      </p:pic>
+    </p:spTree>
+    <p:extLst>
+      <p:ext uri="{BB962C8B-B14F-4D97-AF65-F5344CB8AC3E}">
+        <p14:creationId xmlns:p14="http://schemas.microsoft.com/office/powerpoint/2010/main" val="2103499643"/>
+      </p:ext>
+    </p:extLst>
+  </p:cSld>
+  <p:clrMapOvr>
+    <a:masterClrMapping/>
+  </p:clrMapOvr>
+</p:sld>
+</file>
+
+<file path=ppt/slides/slide21.xml><?xml version="1.0" encoding="utf-8"?>
+<p:sld xmlns:a="http://schemas.openxmlformats.org/drawingml/2006/main" xmlns:r="http://schemas.openxmlformats.org/officeDocument/2006/relationships" xmlns:p="http://schemas.openxmlformats.org/presentationml/2006/main">
+  <p:cSld>
+    <p:spTree>
+      <p:nvGrpSpPr>
+        <p:cNvPr id="1" name="">
+          <a:extLst>
+            <a:ext uri="{FF2B5EF4-FFF2-40B4-BE49-F238E27FC236}">
+              <a16:creationId xmlns:a16="http://schemas.microsoft.com/office/drawing/2014/main" id="{B7F9C7EC-1BB0-DC0B-2588-441C2CE340B2}"/>
+            </a:ext>
+          </a:extLst>
+        </p:cNvPr>
+        <p:cNvGrpSpPr/>
+        <p:nvPr/>
+      </p:nvGrpSpPr>
+      <p:grpSpPr>
+        <a:xfrm>
+          <a:off x="0" y="0"/>
+          <a:ext cx="0" cy="0"/>
+          <a:chOff x="0" y="0"/>
+          <a:chExt cx="0" cy="0"/>
+        </a:xfrm>
+      </p:grpSpPr>
+      <p:sp>
+        <p:nvSpPr>
+          <p:cNvPr id="2" name="Рамка 1">
+            <a:extLst>
+              <a:ext uri="{FF2B5EF4-FFF2-40B4-BE49-F238E27FC236}">
+                <a16:creationId xmlns:a16="http://schemas.microsoft.com/office/drawing/2014/main" id="{AD8AC6EE-0A17-F1C7-D904-ADC0646DFD8F}"/>
+              </a:ext>
+            </a:extLst>
+          </p:cNvPr>
+          <p:cNvSpPr/>
+          <p:nvPr/>
+        </p:nvSpPr>
+        <p:spPr>
+          <a:xfrm>
+            <a:off x="0" y="0"/>
+            <a:ext cx="12192000" cy="6858000"/>
+          </a:xfrm>
+          <a:prstGeom prst="frame">
+            <a:avLst>
+              <a:gd name="adj1" fmla="val 2233"/>
+            </a:avLst>
+          </a:prstGeom>
+          <a:solidFill>
+            <a:srgbClr val="9B2D1F"/>
+          </a:solidFill>
+          <a:ln>
+            <a:solidFill>
+              <a:srgbClr val="9B2D1F"/>
+            </a:solidFill>
+          </a:ln>
+        </p:spPr>
+        <p:style>
+          <a:lnRef idx="2">
+            <a:schemeClr val="accent1">
+              <a:shade val="15000"/>
+            </a:schemeClr>
+          </a:lnRef>
+          <a:fillRef idx="1">
+            <a:schemeClr val="accent1"/>
+          </a:fillRef>
+          <a:effectRef idx="0">
+            <a:schemeClr val="accent1"/>
+          </a:effectRef>
+          <a:fontRef idx="minor">
+            <a:schemeClr val="lt1"/>
+          </a:fontRef>
+        </p:style>
+        <p:txBody>
+          <a:bodyPr rtlCol="0" anchor="ctr"/>
+          <a:lstStyle/>
+          <a:p>
+            <a:pPr algn="ctr"/>
+            <a:endParaRPr lang="ru-RU">
+              <a:solidFill>
+                <a:schemeClr val="tx1"/>
+              </a:solidFill>
+            </a:endParaRPr>
+          </a:p>
+        </p:txBody>
+      </p:sp>
+      <p:sp>
+        <p:nvSpPr>
+          <p:cNvPr id="11" name="Заголовок 6">
+            <a:extLst>
+              <a:ext uri="{FF2B5EF4-FFF2-40B4-BE49-F238E27FC236}">
+                <a16:creationId xmlns:a16="http://schemas.microsoft.com/office/drawing/2014/main" id="{98FA1511-A553-1EC5-41F3-EA046E4E9AD0}"/>
+              </a:ext>
+            </a:extLst>
+          </p:cNvPr>
+          <p:cNvSpPr>
+            <a:spLocks noGrp="1"/>
+          </p:cNvSpPr>
+          <p:nvPr>
+            <p:ph type="title"/>
+          </p:nvPr>
+        </p:nvSpPr>
+        <p:spPr>
+          <a:xfrm>
+            <a:off x="3800415" y="353461"/>
+            <a:ext cx="4885552" cy="634082"/>
+          </a:xfrm>
+        </p:spPr>
+        <p:txBody>
+          <a:bodyPr vert="horz" lIns="91440" tIns="45720" rIns="91440" bIns="45720" rtlCol="0" anchor="ctr">
+            <a:normAutofit/>
+          </a:bodyPr>
+          <a:lstStyle/>
+          <a:p>
+            <a:r>
+              <a:rPr lang="ru-RU" sz="3200" b="1" dirty="0">
+                <a:solidFill>
+                  <a:srgbClr val="9B2D1F"/>
+                </a:solidFill>
+                <a:latin typeface="Arial" panose="020B0604020202020204" pitchFamily="34" charset="0"/>
+                <a:cs typeface="Arial" panose="020B0604020202020204" pitchFamily="34" charset="0"/>
+              </a:rPr>
+              <a:t>МЕТОД МОНТЕ КАРЛО</a:t>
+            </a:r>
+          </a:p>
+        </p:txBody>
+      </p:sp>
+      <p:sp>
+        <p:nvSpPr>
+          <p:cNvPr id="6" name="TextBox 5">
+            <a:extLst>
+              <a:ext uri="{FF2B5EF4-FFF2-40B4-BE49-F238E27FC236}">
+                <a16:creationId xmlns:a16="http://schemas.microsoft.com/office/drawing/2014/main" id="{840114B9-9A3A-23A4-E5BB-2822D776894D}"/>
+              </a:ext>
+            </a:extLst>
+          </p:cNvPr>
+          <p:cNvSpPr txBox="1"/>
+          <p:nvPr/>
+        </p:nvSpPr>
+        <p:spPr>
+          <a:xfrm>
+            <a:off x="4239768" y="877929"/>
+            <a:ext cx="3712464" cy="463075"/>
+          </a:xfrm>
+          <a:prstGeom prst="rect">
+            <a:avLst/>
+          </a:prstGeom>
+          <a:noFill/>
+        </p:spPr>
+        <p:txBody>
+          <a:bodyPr wrap="square">
+            <a:spAutoFit/>
+          </a:bodyPr>
+          <a:lstStyle/>
+          <a:p>
+            <a:pPr indent="450215" algn="just">
+              <a:lnSpc>
+                <a:spcPct val="150000"/>
+              </a:lnSpc>
+              <a:buNone/>
+            </a:pPr>
+            <a:r>
+              <a:rPr lang="ru-RU" b="1" dirty="0"/>
+              <a:t>Вычисление площади фигуры </a:t>
+            </a:r>
+            <a:endParaRPr lang="ru-RU" sz="1800" b="1" dirty="0">
+              <a:effectLst/>
+              <a:latin typeface="Arial" panose="020B0604020202020204" pitchFamily="34" charset="0"/>
+              <a:ea typeface="Calibri" panose="020F0502020204030204" pitchFamily="34" charset="0"/>
+              <a:cs typeface="Arial" panose="020B0604020202020204" pitchFamily="34" charset="0"/>
+            </a:endParaRPr>
+          </a:p>
+        </p:txBody>
+      </p:sp>
+      <p:pic>
+        <p:nvPicPr>
+          <p:cNvPr id="4" name="Рисунок 3">
+            <a:extLst>
+              <a:ext uri="{FF2B5EF4-FFF2-40B4-BE49-F238E27FC236}">
+                <a16:creationId xmlns:a16="http://schemas.microsoft.com/office/drawing/2014/main" id="{0CF2EC5B-3F45-9B74-0034-771707F0376B}"/>
+              </a:ext>
+            </a:extLst>
+          </p:cNvPr>
+          <p:cNvPicPr>
+            <a:picLocks noChangeAspect="1"/>
+          </p:cNvPicPr>
+          <p:nvPr/>
+        </p:nvPicPr>
+        <p:blipFill>
+          <a:blip r:embed="rId2"/>
+          <a:srcRect l="300" r="1"/>
+          <a:stretch>
+            <a:fillRect/>
+          </a:stretch>
+        </p:blipFill>
+        <p:spPr>
+          <a:xfrm>
+            <a:off x="779526" y="1582677"/>
+            <a:ext cx="10632948" cy="3893813"/>
+          </a:xfrm>
+          <a:prstGeom prst="rect">
+            <a:avLst/>
+          </a:prstGeom>
+        </p:spPr>
+      </p:pic>
+    </p:spTree>
+    <p:extLst>
+      <p:ext uri="{BB962C8B-B14F-4D97-AF65-F5344CB8AC3E}">
+        <p14:creationId xmlns:p14="http://schemas.microsoft.com/office/powerpoint/2010/main" val="1356525527"/>
+      </p:ext>
+    </p:extLst>
+  </p:cSld>
+  <p:clrMapOvr>
+    <a:masterClrMapping/>
+  </p:clrMapOvr>
+</p:sld>
+</file>
+
+<file path=ppt/slides/slide22.xml><?xml version="1.0" encoding="utf-8"?>
+<p:sld xmlns:a="http://schemas.openxmlformats.org/drawingml/2006/main" xmlns:r="http://schemas.openxmlformats.org/officeDocument/2006/relationships" xmlns:p="http://schemas.openxmlformats.org/presentationml/2006/main">
+  <p:cSld>
+    <p:spTree>
+      <p:nvGrpSpPr>
+        <p:cNvPr id="1" name="">
+          <a:extLst>
+            <a:ext uri="{FF2B5EF4-FFF2-40B4-BE49-F238E27FC236}">
+              <a16:creationId xmlns:a16="http://schemas.microsoft.com/office/drawing/2014/main" id="{3243D2AD-E720-E8A2-9AA2-CC7E17EBE33F}"/>
+            </a:ext>
+          </a:extLst>
+        </p:cNvPr>
+        <p:cNvGrpSpPr/>
+        <p:nvPr/>
+      </p:nvGrpSpPr>
+      <p:grpSpPr>
+        <a:xfrm>
+          <a:off x="0" y="0"/>
+          <a:ext cx="0" cy="0"/>
+          <a:chOff x="0" y="0"/>
+          <a:chExt cx="0" cy="0"/>
+        </a:xfrm>
+      </p:grpSpPr>
+      <p:sp>
+        <p:nvSpPr>
+          <p:cNvPr id="2" name="Рамка 1">
+            <a:extLst>
+              <a:ext uri="{FF2B5EF4-FFF2-40B4-BE49-F238E27FC236}">
+                <a16:creationId xmlns:a16="http://schemas.microsoft.com/office/drawing/2014/main" id="{7E45E8B3-10C3-B8DA-E4B0-50E5CA9392DC}"/>
+              </a:ext>
+            </a:extLst>
+          </p:cNvPr>
+          <p:cNvSpPr/>
+          <p:nvPr/>
+        </p:nvSpPr>
+        <p:spPr>
+          <a:xfrm>
+            <a:off x="0" y="0"/>
+            <a:ext cx="12192000" cy="6858000"/>
+          </a:xfrm>
+          <a:prstGeom prst="frame">
+            <a:avLst>
+              <a:gd name="adj1" fmla="val 2233"/>
+            </a:avLst>
+          </a:prstGeom>
+          <a:solidFill>
+            <a:srgbClr val="9B2D1F"/>
+          </a:solidFill>
+          <a:ln>
+            <a:solidFill>
+              <a:srgbClr val="9B2D1F"/>
+            </a:solidFill>
+          </a:ln>
+        </p:spPr>
+        <p:style>
+          <a:lnRef idx="2">
+            <a:schemeClr val="accent1">
+              <a:shade val="15000"/>
+            </a:schemeClr>
+          </a:lnRef>
+          <a:fillRef idx="1">
+            <a:schemeClr val="accent1"/>
+          </a:fillRef>
+          <a:effectRef idx="0">
+            <a:schemeClr val="accent1"/>
+          </a:effectRef>
+          <a:fontRef idx="minor">
+            <a:schemeClr val="lt1"/>
+          </a:fontRef>
+        </p:style>
+        <p:txBody>
+          <a:bodyPr rtlCol="0" anchor="ctr"/>
+          <a:lstStyle/>
+          <a:p>
+            <a:pPr algn="ctr"/>
+            <a:endParaRPr lang="ru-RU">
+              <a:solidFill>
+                <a:schemeClr val="tx1"/>
+              </a:solidFill>
+            </a:endParaRPr>
+          </a:p>
+        </p:txBody>
+      </p:sp>
+      <p:sp>
+        <p:nvSpPr>
+          <p:cNvPr id="11" name="Заголовок 6">
+            <a:extLst>
+              <a:ext uri="{FF2B5EF4-FFF2-40B4-BE49-F238E27FC236}">
+                <a16:creationId xmlns:a16="http://schemas.microsoft.com/office/drawing/2014/main" id="{BE28475D-872D-E51D-BD98-A235895CC8E9}"/>
+              </a:ext>
+            </a:extLst>
+          </p:cNvPr>
+          <p:cNvSpPr>
+            <a:spLocks noGrp="1"/>
+          </p:cNvSpPr>
+          <p:nvPr>
+            <p:ph type="title"/>
+          </p:nvPr>
+        </p:nvSpPr>
+        <p:spPr>
+          <a:xfrm>
+            <a:off x="4650807" y="298597"/>
+            <a:ext cx="4885552" cy="634082"/>
+          </a:xfrm>
+        </p:spPr>
+        <p:txBody>
+          <a:bodyPr vert="horz" lIns="91440" tIns="45720" rIns="91440" bIns="45720" rtlCol="0" anchor="ctr">
+            <a:normAutofit/>
+          </a:bodyPr>
+          <a:lstStyle/>
+          <a:p>
+            <a:r>
+              <a:rPr lang="ru-RU" sz="3200" b="1" dirty="0">
+                <a:solidFill>
+                  <a:srgbClr val="9B2D1F"/>
+                </a:solidFill>
+                <a:latin typeface="Arial" panose="020B0604020202020204" pitchFamily="34" charset="0"/>
+                <a:cs typeface="Arial" panose="020B0604020202020204" pitchFamily="34" charset="0"/>
+              </a:rPr>
+              <a:t>ЗАКЛЮЧЕНИЕ</a:t>
+            </a:r>
+          </a:p>
+        </p:txBody>
+      </p:sp>
+      <p:sp>
+        <p:nvSpPr>
+          <p:cNvPr id="5" name="TextBox 4">
+            <a:extLst>
+              <a:ext uri="{FF2B5EF4-FFF2-40B4-BE49-F238E27FC236}">
+                <a16:creationId xmlns:a16="http://schemas.microsoft.com/office/drawing/2014/main" id="{07F5D666-2682-1744-C84E-B69A6F4AA695}"/>
+              </a:ext>
+            </a:extLst>
+          </p:cNvPr>
+          <p:cNvSpPr txBox="1"/>
+          <p:nvPr/>
+        </p:nvSpPr>
+        <p:spPr>
+          <a:xfrm>
+            <a:off x="2194190" y="1511994"/>
+            <a:ext cx="9226666" cy="4031873"/>
+          </a:xfrm>
+          <a:prstGeom prst="rect">
+            <a:avLst/>
+          </a:prstGeom>
+          <a:noFill/>
+        </p:spPr>
+        <p:txBody>
+          <a:bodyPr wrap="square">
+            <a:spAutoFit/>
+          </a:bodyPr>
+          <a:lstStyle/>
+          <a:p>
+            <a:r>
+              <a:rPr lang="ru-RU" sz="3200" dirty="0"/>
+              <a:t>Полученный опыт позволил закрепить теоретические знания и сформировать профессиональные умения, необходимые для дальнейшей работы в сфере информационных систем. Практика подтвердила важность четкого планирования, тестирования и документирования на всех этапах разработки программного обеспечения.</a:t>
+            </a:r>
+          </a:p>
+        </p:txBody>
+      </p:sp>
+    </p:spTree>
+    <p:extLst>
+      <p:ext uri="{BB962C8B-B14F-4D97-AF65-F5344CB8AC3E}">
+        <p14:creationId xmlns:p14="http://schemas.microsoft.com/office/powerpoint/2010/main" val="1836787431"/>
       </p:ext>
     </p:extLst>
   </p:cSld>
